--- a/Recap/ToroRecap.pptx
+++ b/Recap/ToroRecap.pptx
@@ -6,16 +6,24 @@
   </p:sldMasterIdLst>
   <p:sldIdLst>
     <p:sldId id="256" r:id="rId2"/>
-    <p:sldId id="259" r:id="rId3"/>
-    <p:sldId id="257" r:id="rId4"/>
-    <p:sldId id="258" r:id="rId5"/>
-    <p:sldId id="260" r:id="rId6"/>
-    <p:sldId id="261" r:id="rId7"/>
-    <p:sldId id="264" r:id="rId8"/>
-    <p:sldId id="266" r:id="rId9"/>
-    <p:sldId id="265" r:id="rId10"/>
-    <p:sldId id="262" r:id="rId11"/>
-    <p:sldId id="263" r:id="rId12"/>
+    <p:sldId id="274" r:id="rId3"/>
+    <p:sldId id="267" r:id="rId4"/>
+    <p:sldId id="268" r:id="rId5"/>
+    <p:sldId id="269" r:id="rId6"/>
+    <p:sldId id="270" r:id="rId7"/>
+    <p:sldId id="271" r:id="rId8"/>
+    <p:sldId id="272" r:id="rId9"/>
+    <p:sldId id="273" r:id="rId10"/>
+    <p:sldId id="257" r:id="rId11"/>
+    <p:sldId id="258" r:id="rId12"/>
+    <p:sldId id="260" r:id="rId13"/>
+    <p:sldId id="261" r:id="rId14"/>
+    <p:sldId id="275" r:id="rId15"/>
+    <p:sldId id="276" r:id="rId16"/>
+    <p:sldId id="266" r:id="rId17"/>
+    <p:sldId id="265" r:id="rId18"/>
+    <p:sldId id="262" r:id="rId19"/>
+    <p:sldId id="263" r:id="rId20"/>
   </p:sldIdLst>
   <p:sldSz cx="9144000" cy="6858000" type="screen4x3"/>
   <p:notesSz cx="6858000" cy="9144000"/>
@@ -114,6 +122,22 @@
       </a:defRPr>
     </a:lvl9pPr>
   </p:defaultTextStyle>
+  <p:extLst>
+    <p:ext uri="{EFAFB233-063F-42B5-8137-9DF3F51BA10A}">
+      <p15:sldGuideLst xmlns:p15="http://schemas.microsoft.com/office/powerpoint/2012/main">
+        <p15:guide id="1" orient="horz" pos="2160">
+          <p15:clr>
+            <a:srgbClr val="A4A3A4"/>
+          </p15:clr>
+        </p15:guide>
+        <p15:guide id="2" pos="2880">
+          <p15:clr>
+            <a:srgbClr val="A4A3A4"/>
+          </p15:clr>
+        </p15:guide>
+      </p15:sldGuideLst>
+    </p:ext>
+  </p:extLst>
 </p:presentation>
 </file>
 
@@ -161,7 +185,7 @@
           </a:lstStyle>
           <a:p>
             <a:r>
-              <a:rPr lang="en-US" smtClean="0"/>
+              <a:rPr lang="en-US"/>
               <a:t>Click to edit Master title style</a:t>
             </a:r>
             <a:endParaRPr lang="en-US" dirty="0"/>
@@ -281,7 +305,7 @@
           </a:lstStyle>
           <a:p>
             <a:r>
-              <a:rPr lang="en-US" smtClean="0"/>
+              <a:rPr lang="en-US"/>
               <a:t>Click to edit Master subtitle style</a:t>
             </a:r>
             <a:endParaRPr lang="en-US" dirty="0"/>
@@ -305,7 +329,7 @@
           <a:p>
             <a:fld id="{C8A432C8-69A7-458B-9684-2BFA64B31948}" type="datetime2">
               <a:rPr lang="en-US" smtClean="0"/>
-              <a:t>Sonntag, 6. November 16</a:t>
+              <a:t>Wednesday, November 9, 2016</a:t>
             </a:fld>
             <a:endParaRPr lang="en-US"/>
           </a:p>
@@ -431,10 +455,9 @@
           <a:lstStyle/>
           <a:p>
             <a:r>
-              <a:rPr lang="en-US" smtClean="0"/>
+              <a:rPr lang="en-US"/>
               <a:t>Click to edit Master title style</a:t>
             </a:r>
-            <a:endParaRPr lang="en-US"/>
           </a:p>
         </p:txBody>
       </p:sp>
@@ -455,38 +478,37 @@
           <a:p>
             <a:pPr lvl="0"/>
             <a:r>
-              <a:rPr lang="en-US" smtClean="0"/>
+              <a:rPr lang="en-US"/>
               <a:t>Click to edit Master text styles</a:t>
             </a:r>
           </a:p>
           <a:p>
             <a:pPr lvl="1"/>
             <a:r>
-              <a:rPr lang="en-US" smtClean="0"/>
+              <a:rPr lang="en-US"/>
               <a:t>Second level</a:t>
             </a:r>
           </a:p>
           <a:p>
             <a:pPr lvl="2"/>
             <a:r>
-              <a:rPr lang="en-US" smtClean="0"/>
+              <a:rPr lang="en-US"/>
               <a:t>Third level</a:t>
             </a:r>
           </a:p>
           <a:p>
             <a:pPr lvl="3"/>
             <a:r>
-              <a:rPr lang="en-US" smtClean="0"/>
+              <a:rPr lang="en-US"/>
               <a:t>Fourth level</a:t>
             </a:r>
           </a:p>
           <a:p>
             <a:pPr lvl="4"/>
             <a:r>
-              <a:rPr lang="en-US" smtClean="0"/>
+              <a:rPr lang="en-US"/>
               <a:t>Fifth level</a:t>
             </a:r>
-            <a:endParaRPr lang="en-US"/>
           </a:p>
         </p:txBody>
       </p:sp>
@@ -507,7 +529,7 @@
           <a:p>
             <a:fld id="{8CC057FC-95B6-4D89-AFDA-ABA33EE921E5}" type="datetime2">
               <a:rPr lang="en-US" smtClean="0"/>
-              <a:t>Sonntag, 6. November 16</a:t>
+              <a:t>Wednesday, November 9, 2016</a:t>
             </a:fld>
             <a:endParaRPr lang="en-US"/>
           </a:p>
@@ -603,7 +625,7 @@
           <a:lstStyle/>
           <a:p>
             <a:r>
-              <a:rPr lang="en-US" smtClean="0"/>
+              <a:rPr lang="en-US"/>
               <a:t>Click to edit Master title style</a:t>
             </a:r>
             <a:endParaRPr lang="en-US" dirty="0"/>
@@ -632,35 +654,35 @@
           <a:p>
             <a:pPr lvl="0"/>
             <a:r>
-              <a:rPr lang="en-US" smtClean="0"/>
+              <a:rPr lang="en-US"/>
               <a:t>Click to edit Master text styles</a:t>
             </a:r>
           </a:p>
           <a:p>
             <a:pPr lvl="1"/>
             <a:r>
-              <a:rPr lang="en-US" smtClean="0"/>
+              <a:rPr lang="en-US"/>
               <a:t>Second level</a:t>
             </a:r>
           </a:p>
           <a:p>
             <a:pPr lvl="2"/>
             <a:r>
-              <a:rPr lang="en-US" smtClean="0"/>
+              <a:rPr lang="en-US"/>
               <a:t>Third level</a:t>
             </a:r>
           </a:p>
           <a:p>
             <a:pPr lvl="3"/>
             <a:r>
-              <a:rPr lang="en-US" smtClean="0"/>
+              <a:rPr lang="en-US"/>
               <a:t>Fourth level</a:t>
             </a:r>
           </a:p>
           <a:p>
             <a:pPr lvl="4"/>
             <a:r>
-              <a:rPr lang="en-US" smtClean="0"/>
+              <a:rPr lang="en-US"/>
               <a:t>Fifth level</a:t>
             </a:r>
             <a:endParaRPr lang="en-US" dirty="0"/>
@@ -684,7 +706,7 @@
           <a:p>
             <a:fld id="{EC4549AC-EB31-477F-92A9-B1988E232878}" type="datetime2">
               <a:rPr lang="en-US" smtClean="0"/>
-              <a:t>Sonntag, 6. November 16</a:t>
+              <a:t>Wednesday, November 9, 2016</a:t>
             </a:fld>
             <a:endParaRPr lang="en-US"/>
           </a:p>
@@ -775,10 +797,9 @@
           <a:lstStyle/>
           <a:p>
             <a:r>
-              <a:rPr lang="en-US" smtClean="0"/>
+              <a:rPr lang="en-US"/>
               <a:t>Click to edit Master title style</a:t>
             </a:r>
-            <a:endParaRPr lang="en-US"/>
           </a:p>
         </p:txBody>
       </p:sp>
@@ -799,38 +820,37 @@
           <a:p>
             <a:pPr lvl="0"/>
             <a:r>
-              <a:rPr lang="en-US" smtClean="0"/>
+              <a:rPr lang="en-US"/>
               <a:t>Click to edit Master text styles</a:t>
             </a:r>
           </a:p>
           <a:p>
             <a:pPr lvl="1"/>
             <a:r>
-              <a:rPr lang="en-US" smtClean="0"/>
+              <a:rPr lang="en-US"/>
               <a:t>Second level</a:t>
             </a:r>
           </a:p>
           <a:p>
             <a:pPr lvl="2"/>
             <a:r>
-              <a:rPr lang="en-US" smtClean="0"/>
+              <a:rPr lang="en-US"/>
               <a:t>Third level</a:t>
             </a:r>
           </a:p>
           <a:p>
             <a:pPr lvl="3"/>
             <a:r>
-              <a:rPr lang="en-US" smtClean="0"/>
+              <a:rPr lang="en-US"/>
               <a:t>Fourth level</a:t>
             </a:r>
           </a:p>
           <a:p>
             <a:pPr lvl="4"/>
             <a:r>
-              <a:rPr lang="en-US" smtClean="0"/>
+              <a:rPr lang="en-US"/>
               <a:t>Fifth level</a:t>
             </a:r>
-            <a:endParaRPr lang="en-US"/>
           </a:p>
         </p:txBody>
       </p:sp>
@@ -851,7 +871,7 @@
           <a:p>
             <a:fld id="{6396A3A3-94A6-4E5B-AF39-173ACA3E61CC}" type="datetime2">
               <a:rPr lang="en-US" smtClean="0"/>
-              <a:t>Sonntag, 6. November 16</a:t>
+              <a:t>Wednesday, November 9, 2016</a:t>
             </a:fld>
             <a:endParaRPr lang="en-US"/>
           </a:p>
@@ -958,7 +978,7 @@
           </a:lstStyle>
           <a:p>
             <a:r>
-              <a:rPr lang="en-US" smtClean="0"/>
+              <a:rPr lang="en-US"/>
               <a:t>Click to edit Master title style</a:t>
             </a:r>
             <a:endParaRPr lang="en-US" dirty="0"/>
@@ -1078,7 +1098,7 @@
           <a:p>
             <a:pPr lvl="0"/>
             <a:r>
-              <a:rPr lang="en-US" smtClean="0"/>
+              <a:rPr lang="en-US"/>
               <a:t>Click to edit Master text styles</a:t>
             </a:r>
           </a:p>
@@ -1101,7 +1121,7 @@
           <a:p>
             <a:fld id="{9933D019-A32C-4EAD-B8E6-DBDA699692FD}" type="datetime2">
               <a:rPr lang="en-US" smtClean="0"/>
-              <a:t>Sonntag, 6. November 16</a:t>
+              <a:t>Wednesday, November 9, 2016</a:t>
             </a:fld>
             <a:endParaRPr lang="en-US"/>
           </a:p>
@@ -1227,10 +1247,9 @@
           <a:lstStyle/>
           <a:p>
             <a:r>
-              <a:rPr lang="en-US" smtClean="0"/>
+              <a:rPr lang="en-US"/>
               <a:t>Click to edit Master title style</a:t>
             </a:r>
-            <a:endParaRPr lang="en-US"/>
           </a:p>
         </p:txBody>
       </p:sp>
@@ -1284,35 +1303,35 @@
           <a:p>
             <a:pPr lvl="0"/>
             <a:r>
-              <a:rPr lang="en-US" smtClean="0"/>
+              <a:rPr lang="en-US"/>
               <a:t>Click to edit Master text styles</a:t>
             </a:r>
           </a:p>
           <a:p>
             <a:pPr lvl="1"/>
             <a:r>
-              <a:rPr lang="en-US" smtClean="0"/>
+              <a:rPr lang="en-US"/>
               <a:t>Second level</a:t>
             </a:r>
           </a:p>
           <a:p>
             <a:pPr lvl="2"/>
             <a:r>
-              <a:rPr lang="en-US" smtClean="0"/>
+              <a:rPr lang="en-US"/>
               <a:t>Third level</a:t>
             </a:r>
           </a:p>
           <a:p>
             <a:pPr lvl="3"/>
             <a:r>
-              <a:rPr lang="en-US" smtClean="0"/>
+              <a:rPr lang="en-US"/>
               <a:t>Fourth level</a:t>
             </a:r>
           </a:p>
           <a:p>
             <a:pPr lvl="4"/>
             <a:r>
-              <a:rPr lang="en-US" smtClean="0"/>
+              <a:rPr lang="en-US"/>
               <a:t>Fifth level</a:t>
             </a:r>
             <a:endParaRPr lang="en-US" dirty="0"/>
@@ -1369,35 +1388,35 @@
           <a:p>
             <a:pPr lvl="0"/>
             <a:r>
-              <a:rPr lang="en-US" smtClean="0"/>
+              <a:rPr lang="en-US"/>
               <a:t>Click to edit Master text styles</a:t>
             </a:r>
           </a:p>
           <a:p>
             <a:pPr lvl="1"/>
             <a:r>
-              <a:rPr lang="en-US" smtClean="0"/>
+              <a:rPr lang="en-US"/>
               <a:t>Second level</a:t>
             </a:r>
           </a:p>
           <a:p>
             <a:pPr lvl="2"/>
             <a:r>
-              <a:rPr lang="en-US" smtClean="0"/>
+              <a:rPr lang="en-US"/>
               <a:t>Third level</a:t>
             </a:r>
           </a:p>
           <a:p>
             <a:pPr lvl="3"/>
             <a:r>
-              <a:rPr lang="en-US" smtClean="0"/>
+              <a:rPr lang="en-US"/>
               <a:t>Fourth level</a:t>
             </a:r>
           </a:p>
           <a:p>
             <a:pPr lvl="4"/>
             <a:r>
-              <a:rPr lang="en-US" smtClean="0"/>
+              <a:rPr lang="en-US"/>
               <a:t>Fifth level</a:t>
             </a:r>
             <a:endParaRPr lang="en-US" dirty="0"/>
@@ -1421,7 +1440,7 @@
           <a:p>
             <a:fld id="{CCEBA98F-560C-4997-81C4-81D4D9187EAB}" type="datetime2">
               <a:rPr lang="en-US" smtClean="0"/>
-              <a:t>Sonntag, 6. November 16</a:t>
+              <a:t>Wednesday, November 9, 2016</a:t>
             </a:fld>
             <a:endParaRPr lang="en-US"/>
           </a:p>
@@ -1516,7 +1535,7 @@
           </a:lstStyle>
           <a:p>
             <a:r>
-              <a:rPr lang="en-US" smtClean="0"/>
+              <a:rPr lang="en-US"/>
               <a:t>Click to edit Master title style</a:t>
             </a:r>
             <a:endParaRPr lang="en-US" dirty="0"/>
@@ -1605,7 +1624,7 @@
           <a:p>
             <a:pPr lvl="0"/>
             <a:r>
-              <a:rPr lang="en-US" smtClean="0"/>
+              <a:rPr lang="en-US"/>
               <a:t>Click to edit Master text styles</a:t>
             </a:r>
           </a:p>
@@ -1661,35 +1680,35 @@
           <a:p>
             <a:pPr lvl="0"/>
             <a:r>
-              <a:rPr lang="en-US" smtClean="0"/>
+              <a:rPr lang="en-US"/>
               <a:t>Click to edit Master text styles</a:t>
             </a:r>
           </a:p>
           <a:p>
             <a:pPr lvl="1"/>
             <a:r>
-              <a:rPr lang="en-US" smtClean="0"/>
+              <a:rPr lang="en-US"/>
               <a:t>Second level</a:t>
             </a:r>
           </a:p>
           <a:p>
             <a:pPr lvl="2"/>
             <a:r>
-              <a:rPr lang="en-US" smtClean="0"/>
+              <a:rPr lang="en-US"/>
               <a:t>Third level</a:t>
             </a:r>
           </a:p>
           <a:p>
             <a:pPr lvl="3"/>
             <a:r>
-              <a:rPr lang="en-US" smtClean="0"/>
+              <a:rPr lang="en-US"/>
               <a:t>Fourth level</a:t>
             </a:r>
           </a:p>
           <a:p>
             <a:pPr lvl="4"/>
             <a:r>
-              <a:rPr lang="en-US" smtClean="0"/>
+              <a:rPr lang="en-US"/>
               <a:t>Fifth level</a:t>
             </a:r>
             <a:endParaRPr lang="en-US" dirty="0"/>
@@ -1781,7 +1800,7 @@
           <a:p>
             <a:pPr lvl="0"/>
             <a:r>
-              <a:rPr lang="en-US" smtClean="0"/>
+              <a:rPr lang="en-US"/>
               <a:t>Click to edit Master text styles</a:t>
             </a:r>
           </a:p>
@@ -1837,35 +1856,35 @@
           <a:p>
             <a:pPr lvl="0"/>
             <a:r>
-              <a:rPr lang="en-US" smtClean="0"/>
+              <a:rPr lang="en-US"/>
               <a:t>Click to edit Master text styles</a:t>
             </a:r>
           </a:p>
           <a:p>
             <a:pPr lvl="1"/>
             <a:r>
-              <a:rPr lang="en-US" smtClean="0"/>
+              <a:rPr lang="en-US"/>
               <a:t>Second level</a:t>
             </a:r>
           </a:p>
           <a:p>
             <a:pPr lvl="2"/>
             <a:r>
-              <a:rPr lang="en-US" smtClean="0"/>
+              <a:rPr lang="en-US"/>
               <a:t>Third level</a:t>
             </a:r>
           </a:p>
           <a:p>
             <a:pPr lvl="3"/>
             <a:r>
-              <a:rPr lang="en-US" smtClean="0"/>
+              <a:rPr lang="en-US"/>
               <a:t>Fourth level</a:t>
             </a:r>
           </a:p>
           <a:p>
             <a:pPr lvl="4"/>
             <a:r>
-              <a:rPr lang="en-US" smtClean="0"/>
+              <a:rPr lang="en-US"/>
               <a:t>Fifth level</a:t>
             </a:r>
             <a:endParaRPr lang="en-US" dirty="0"/>
@@ -1889,7 +1908,7 @@
           <a:p>
             <a:fld id="{150972B2-CA5C-437D-87D0-8081271A9E4B}" type="datetime2">
               <a:rPr lang="en-US" smtClean="0"/>
-              <a:t>Sonntag, 6. November 16</a:t>
+              <a:t>Wednesday, November 9, 2016</a:t>
             </a:fld>
             <a:endParaRPr lang="en-US"/>
           </a:p>
@@ -2015,10 +2034,9 @@
           <a:lstStyle/>
           <a:p>
             <a:r>
-              <a:rPr lang="en-US" smtClean="0"/>
+              <a:rPr lang="en-US"/>
               <a:t>Click to edit Master title style</a:t>
             </a:r>
-            <a:endParaRPr lang="en-US"/>
           </a:p>
         </p:txBody>
       </p:sp>
@@ -2039,7 +2057,7 @@
           <a:p>
             <a:fld id="{79CD4847-11EF-4466-A8AD-85CDB7B49118}" type="datetime2">
               <a:rPr lang="en-US" smtClean="0"/>
-              <a:t>Sonntag, 6. November 16</a:t>
+              <a:t>Wednesday, November 9, 2016</a:t>
             </a:fld>
             <a:endParaRPr lang="en-US"/>
           </a:p>
@@ -2131,7 +2149,7 @@
           <a:p>
             <a:fld id="{F168457A-3AB9-4880-8A0C-9F8524491207}" type="datetime2">
               <a:rPr lang="en-US" smtClean="0"/>
-              <a:t>Sonntag, 6. November 16</a:t>
+              <a:t>Wednesday, November 9, 2016</a:t>
             </a:fld>
             <a:endParaRPr lang="en-US"/>
           </a:p>
@@ -2233,7 +2251,7 @@
           </a:lstStyle>
           <a:p>
             <a:r>
-              <a:rPr lang="en-US" smtClean="0"/>
+              <a:rPr lang="en-US"/>
               <a:t>Click to edit Master title style</a:t>
             </a:r>
             <a:endParaRPr lang="en-US" dirty="0"/>
@@ -2290,35 +2308,35 @@
           <a:p>
             <a:pPr lvl="0"/>
             <a:r>
-              <a:rPr lang="en-US" smtClean="0"/>
+              <a:rPr lang="en-US"/>
               <a:t>Click to edit Master text styles</a:t>
             </a:r>
           </a:p>
           <a:p>
             <a:pPr lvl="1"/>
             <a:r>
-              <a:rPr lang="en-US" smtClean="0"/>
+              <a:rPr lang="en-US"/>
               <a:t>Second level</a:t>
             </a:r>
           </a:p>
           <a:p>
             <a:pPr lvl="2"/>
             <a:r>
-              <a:rPr lang="en-US" smtClean="0"/>
+              <a:rPr lang="en-US"/>
               <a:t>Third level</a:t>
             </a:r>
           </a:p>
           <a:p>
             <a:pPr lvl="3"/>
             <a:r>
-              <a:rPr lang="en-US" smtClean="0"/>
+              <a:rPr lang="en-US"/>
               <a:t>Fourth level</a:t>
             </a:r>
           </a:p>
           <a:p>
             <a:pPr lvl="4"/>
             <a:r>
-              <a:rPr lang="en-US" smtClean="0"/>
+              <a:rPr lang="en-US"/>
               <a:t>Fifth level</a:t>
             </a:r>
             <a:endParaRPr lang="en-US" dirty="0"/>
@@ -2384,7 +2402,7 @@
           <a:p>
             <a:pPr lvl="0"/>
             <a:r>
-              <a:rPr lang="en-US" smtClean="0"/>
+              <a:rPr lang="en-US"/>
               <a:t>Click to edit Master text styles</a:t>
             </a:r>
           </a:p>
@@ -2407,7 +2425,7 @@
           <a:p>
             <a:fld id="{3FE976D3-5B7F-4300-ABED-C91F1B2AE209}" type="datetime2">
               <a:rPr lang="en-US" smtClean="0"/>
-              <a:t>Sonntag, 6. November 16</a:t>
+              <a:t>Wednesday, November 9, 2016</a:t>
             </a:fld>
             <a:endParaRPr lang="en-US"/>
           </a:p>
@@ -2544,7 +2562,7 @@
           </a:lstStyle>
           <a:p>
             <a:r>
-              <a:rPr lang="en-US" smtClean="0"/>
+              <a:rPr lang="en-US"/>
               <a:t>Click to edit Master title style</a:t>
             </a:r>
             <a:endParaRPr lang="en-US" dirty="0"/>
@@ -2625,7 +2643,7 @@
           </a:lstStyle>
           <a:p>
             <a:r>
-              <a:rPr lang="en-US" smtClean="0"/>
+              <a:rPr lang="en-US"/>
               <a:t>Click icon to add picture</a:t>
             </a:r>
             <a:endParaRPr lang="en-US" dirty="0"/>
@@ -2691,7 +2709,7 @@
           <a:p>
             <a:pPr lvl="0"/>
             <a:r>
-              <a:rPr lang="en-US" smtClean="0"/>
+              <a:rPr lang="en-US"/>
               <a:t>Click to edit Master text styles</a:t>
             </a:r>
           </a:p>
@@ -2714,7 +2732,7 @@
           <a:p>
             <a:fld id="{EBDC1E59-17DD-41CE-97CA-624A472382D4}" type="datetime2">
               <a:rPr lang="en-US" smtClean="0"/>
-              <a:t>Sonntag, 6. November 16</a:t>
+              <a:t>Wednesday, November 9, 2016</a:t>
             </a:fld>
             <a:endParaRPr lang="en-US"/>
           </a:p>
@@ -2866,7 +2884,7 @@
           <a:lstStyle/>
           <a:p>
             <a:r>
-              <a:rPr lang="en-US" smtClean="0"/>
+              <a:rPr lang="en-US"/>
               <a:t>Click to edit Master title style</a:t>
             </a:r>
             <a:endParaRPr lang="en-US" dirty="0"/>
@@ -2900,38 +2918,37 @@
           <a:p>
             <a:pPr lvl="0"/>
             <a:r>
-              <a:rPr lang="en-US" dirty="0" smtClean="0"/>
+              <a:rPr lang="en-US" dirty="0"/>
               <a:t>Click to edit Master text styles</a:t>
             </a:r>
           </a:p>
           <a:p>
             <a:pPr lvl="1"/>
             <a:r>
-              <a:rPr lang="en-US" dirty="0" smtClean="0"/>
+              <a:rPr lang="en-US" dirty="0"/>
               <a:t>Second level</a:t>
             </a:r>
           </a:p>
           <a:p>
             <a:pPr lvl="2"/>
             <a:r>
-              <a:rPr lang="en-US" dirty="0" smtClean="0"/>
+              <a:rPr lang="en-US" dirty="0"/>
               <a:t>Third level</a:t>
             </a:r>
           </a:p>
           <a:p>
             <a:pPr lvl="3"/>
             <a:r>
-              <a:rPr lang="en-US" dirty="0" smtClean="0"/>
+              <a:rPr lang="en-US" dirty="0"/>
               <a:t>Fourth level</a:t>
             </a:r>
           </a:p>
           <a:p>
             <a:pPr lvl="4"/>
             <a:r>
-              <a:rPr lang="en-US" dirty="0" smtClean="0"/>
+              <a:rPr lang="en-US" dirty="0"/>
               <a:t>Fifth level</a:t>
             </a:r>
-            <a:endParaRPr lang="en-US" dirty="0"/>
           </a:p>
         </p:txBody>
       </p:sp>
@@ -3014,7 +3031,7 @@
           <a:p>
             <a:fld id="{A80CB818-7379-467D-8E76-EF9D9074A26C}" type="datetime2">
               <a:rPr lang="en-US" smtClean="0"/>
-              <a:t>Sonntag, 6. November 16</a:t>
+              <a:t>Wednesday, November 9, 2016</a:t>
             </a:fld>
             <a:endParaRPr lang="en-US" dirty="0"/>
           </a:p>
@@ -3529,275 +3546,6 @@
           <a:p>
             <a:r>
               <a:rPr lang="en-US"/>
-              <a:t>Quiz	</a:t>
-            </a:r>
-          </a:p>
-        </p:txBody>
-      </p:sp>
-      <p:sp>
-        <p:nvSpPr>
-          <p:cNvPr id="3" name="Inhaltsplatzhalter 2"/>
-          <p:cNvSpPr>
-            <a:spLocks noGrp="1"/>
-          </p:cNvSpPr>
-          <p:nvPr>
-            <p:ph idx="1"/>
-          </p:nvPr>
-        </p:nvSpPr>
-        <p:spPr/>
-        <p:txBody>
-          <a:bodyPr/>
-          <a:lstStyle/>
-          <a:p>
-            <a:r>
-              <a:rPr lang="en-US"/>
-              <a:t>Q: </a:t>
-            </a:r>
-          </a:p>
-          <a:p>
-            <a:pPr marL="274320" lvl="1" indent="0">
-              <a:buNone/>
-            </a:pPr>
-            <a:r>
-              <a:rPr lang="en-US"/>
-              <a:t>Was ist der Unterschied zwischen den Funktionen UTIL1_strcmp() und UTIL1_strncmp() ?</a:t>
-            </a:r>
-          </a:p>
-          <a:p>
-            <a:pPr marL="0" indent="0">
-              <a:buNone/>
-            </a:pPr>
-            <a:endParaRPr lang="en-US"/>
-          </a:p>
-        </p:txBody>
-      </p:sp>
-    </p:spTree>
-    <p:extLst>
-      <p:ext uri="{BB962C8B-B14F-4D97-AF65-F5344CB8AC3E}">
-        <p14:creationId xmlns:p14="http://schemas.microsoft.com/office/powerpoint/2010/main" val="3805281602"/>
-      </p:ext>
-    </p:extLst>
-  </p:cSld>
-  <p:clrMapOvr>
-    <a:masterClrMapping/>
-  </p:clrMapOvr>
-</p:sld>
-</file>
-
-<file path=ppt/slides/slide11.xml><?xml version="1.0" encoding="utf-8"?>
-<p:sld xmlns:a="http://schemas.openxmlformats.org/drawingml/2006/main" xmlns:r="http://schemas.openxmlformats.org/officeDocument/2006/relationships" xmlns:p="http://schemas.openxmlformats.org/presentationml/2006/main">
-  <p:cSld>
-    <p:spTree>
-      <p:nvGrpSpPr>
-        <p:cNvPr id="1" name=""/>
-        <p:cNvGrpSpPr/>
-        <p:nvPr/>
-      </p:nvGrpSpPr>
-      <p:grpSpPr>
-        <a:xfrm>
-          <a:off x="0" y="0"/>
-          <a:ext cx="0" cy="0"/>
-          <a:chOff x="0" y="0"/>
-          <a:chExt cx="0" cy="0"/>
-        </a:xfrm>
-      </p:grpSpPr>
-      <p:sp>
-        <p:nvSpPr>
-          <p:cNvPr id="2" name="Titel 1"/>
-          <p:cNvSpPr>
-            <a:spLocks noGrp="1"/>
-          </p:cNvSpPr>
-          <p:nvPr>
-            <p:ph type="title"/>
-          </p:nvPr>
-        </p:nvSpPr>
-        <p:spPr/>
-        <p:txBody>
-          <a:bodyPr/>
-          <a:lstStyle/>
-          <a:p>
-            <a:r>
-              <a:rPr lang="en-US"/>
-              <a:t>Quiz	</a:t>
-            </a:r>
-          </a:p>
-        </p:txBody>
-      </p:sp>
-      <p:sp>
-        <p:nvSpPr>
-          <p:cNvPr id="3" name="Inhaltsplatzhalter 2"/>
-          <p:cNvSpPr>
-            <a:spLocks noGrp="1"/>
-          </p:cNvSpPr>
-          <p:nvPr>
-            <p:ph idx="1"/>
-          </p:nvPr>
-        </p:nvSpPr>
-        <p:spPr/>
-        <p:txBody>
-          <a:bodyPr/>
-          <a:lstStyle/>
-          <a:p>
-            <a:r>
-              <a:rPr lang="en-US"/>
-              <a:t>Q: </a:t>
-            </a:r>
-          </a:p>
-          <a:p>
-            <a:pPr marL="274320" lvl="1" indent="0">
-              <a:buNone/>
-            </a:pPr>
-            <a:r>
-              <a:rPr lang="en-US"/>
-              <a:t>Was ist der Unterschied zwischen den Funktionen UTIL1_strcmp() und UTIL1_strncmp() ?</a:t>
-            </a:r>
-          </a:p>
-          <a:p>
-            <a:endParaRPr lang="en-US"/>
-          </a:p>
-          <a:p>
-            <a:r>
-              <a:rPr lang="en-US"/>
-              <a:t>A: </a:t>
-            </a:r>
-          </a:p>
-          <a:p>
-            <a:pPr marL="274320" lvl="1" indent="0">
-              <a:buNone/>
-            </a:pPr>
-            <a:r>
-              <a:rPr lang="en-US"/>
-              <a:t>UTIL1_str</a:t>
-            </a:r>
-            <a:r>
-              <a:rPr lang="en-US" b="1"/>
-              <a:t>n</a:t>
-            </a:r>
-            <a:r>
-              <a:rPr lang="en-US"/>
-              <a:t>cmp() hat zusätzlich zu den zwei Strings ein size Parameter, der angibt bis zu welcher Position verglichen werden soll.</a:t>
-            </a:r>
-          </a:p>
-        </p:txBody>
-      </p:sp>
-    </p:spTree>
-    <p:extLst>
-      <p:ext uri="{BB962C8B-B14F-4D97-AF65-F5344CB8AC3E}">
-        <p14:creationId xmlns:p14="http://schemas.microsoft.com/office/powerpoint/2010/main" val="429199765"/>
-      </p:ext>
-    </p:extLst>
-  </p:cSld>
-  <p:clrMapOvr>
-    <a:masterClrMapping/>
-  </p:clrMapOvr>
-</p:sld>
-</file>
-
-<file path=ppt/slides/slide2.xml><?xml version="1.0" encoding="utf-8"?>
-<p:sld xmlns:a="http://schemas.openxmlformats.org/drawingml/2006/main" xmlns:r="http://schemas.openxmlformats.org/officeDocument/2006/relationships" xmlns:p="http://schemas.openxmlformats.org/presentationml/2006/main">
-  <p:cSld>
-    <p:spTree>
-      <p:nvGrpSpPr>
-        <p:cNvPr id="1" name=""/>
-        <p:cNvGrpSpPr/>
-        <p:nvPr/>
-      </p:nvGrpSpPr>
-      <p:grpSpPr>
-        <a:xfrm>
-          <a:off x="0" y="0"/>
-          <a:ext cx="0" cy="0"/>
-          <a:chOff x="0" y="0"/>
-          <a:chExt cx="0" cy="0"/>
-        </a:xfrm>
-      </p:grpSpPr>
-      <p:sp>
-        <p:nvSpPr>
-          <p:cNvPr id="2" name="Titel 1"/>
-          <p:cNvSpPr>
-            <a:spLocks noGrp="1"/>
-          </p:cNvSpPr>
-          <p:nvPr>
-            <p:ph type="title"/>
-          </p:nvPr>
-        </p:nvSpPr>
-        <p:spPr/>
-        <p:txBody>
-          <a:bodyPr/>
-          <a:lstStyle/>
-          <a:p>
-            <a:endParaRPr lang="en-US"/>
-          </a:p>
-        </p:txBody>
-      </p:sp>
-      <p:sp>
-        <p:nvSpPr>
-          <p:cNvPr id="3" name="Inhaltsplatzhalter 2"/>
-          <p:cNvSpPr>
-            <a:spLocks noGrp="1"/>
-          </p:cNvSpPr>
-          <p:nvPr>
-            <p:ph idx="1"/>
-          </p:nvPr>
-        </p:nvSpPr>
-        <p:spPr/>
-        <p:txBody>
-          <a:bodyPr/>
-          <a:lstStyle/>
-          <a:p>
-            <a:r>
-              <a:rPr lang="en-US"/>
-              <a:t>Am Näger si teil ;-)......</a:t>
-            </a:r>
-          </a:p>
-        </p:txBody>
-      </p:sp>
-    </p:spTree>
-    <p:extLst>
-      <p:ext uri="{BB962C8B-B14F-4D97-AF65-F5344CB8AC3E}">
-        <p14:creationId xmlns:p14="http://schemas.microsoft.com/office/powerpoint/2010/main" val="866129689"/>
-      </p:ext>
-    </p:extLst>
-  </p:cSld>
-  <p:clrMapOvr>
-    <a:masterClrMapping/>
-  </p:clrMapOvr>
-</p:sld>
-</file>
-
-<file path=ppt/slides/slide3.xml><?xml version="1.0" encoding="utf-8"?>
-<p:sld xmlns:a="http://schemas.openxmlformats.org/drawingml/2006/main" xmlns:r="http://schemas.openxmlformats.org/officeDocument/2006/relationships" xmlns:p="http://schemas.openxmlformats.org/presentationml/2006/main">
-  <p:cSld>
-    <p:spTree>
-      <p:nvGrpSpPr>
-        <p:cNvPr id="1" name=""/>
-        <p:cNvGrpSpPr/>
-        <p:nvPr/>
-      </p:nvGrpSpPr>
-      <p:grpSpPr>
-        <a:xfrm>
-          <a:off x="0" y="0"/>
-          <a:ext cx="0" cy="0"/>
-          <a:chOff x="0" y="0"/>
-          <a:chExt cx="0" cy="0"/>
-        </a:xfrm>
-      </p:grpSpPr>
-      <p:sp>
-        <p:nvSpPr>
-          <p:cNvPr id="2" name="Titel 1"/>
-          <p:cNvSpPr>
-            <a:spLocks noGrp="1"/>
-          </p:cNvSpPr>
-          <p:nvPr>
-            <p:ph type="title"/>
-          </p:nvPr>
-        </p:nvSpPr>
-        <p:spPr/>
-        <p:txBody>
-          <a:bodyPr/>
-          <a:lstStyle/>
-          <a:p>
-            <a:r>
-              <a:rPr lang="en-US"/>
               <a:t>Shell	</a:t>
             </a:r>
           </a:p>
@@ -3814,7 +3562,7 @@
           </p:nvPr>
         </p:nvPicPr>
         <p:blipFill rotWithShape="1">
-          <a:blip r:embed="rId2">
+          <a:blip r:embed="rId2" cstate="email">
             <a:extLst>
               <a:ext uri="{28A0092B-C50C-407E-A947-70E740481C1C}">
                 <a14:useLocalDpi xmlns:a14="http://schemas.microsoft.com/office/drawing/2010/main" val="0"/>
@@ -3844,7 +3592,7 @@
 </p:sld>
 </file>
 
-<file path=ppt/slides/slide4.xml><?xml version="1.0" encoding="utf-8"?>
+<file path=ppt/slides/slide11.xml><?xml version="1.0" encoding="utf-8"?>
 <p:sld xmlns:a="http://schemas.openxmlformats.org/drawingml/2006/main" xmlns:r="http://schemas.openxmlformats.org/officeDocument/2006/relationships" xmlns:p="http://schemas.openxmlformats.org/presentationml/2006/main">
   <p:cSld>
     <p:spTree>
@@ -3894,7 +3642,7 @@
           </p:nvPr>
         </p:nvPicPr>
         <p:blipFill rotWithShape="1">
-          <a:blip r:embed="rId2">
+          <a:blip r:embed="rId2" cstate="email">
             <a:extLst>
               <a:ext uri="{28A0092B-C50C-407E-A947-70E740481C1C}">
                 <a14:useLocalDpi xmlns:a14="http://schemas.microsoft.com/office/drawing/2010/main" val="0"/>
@@ -3954,7 +3702,7 @@
 </p:sld>
 </file>
 
-<file path=ppt/slides/slide5.xml><?xml version="1.0" encoding="utf-8"?>
+<file path=ppt/slides/slide12.xml><?xml version="1.0" encoding="utf-8"?>
 <p:sld xmlns:a="http://schemas.openxmlformats.org/drawingml/2006/main" xmlns:r="http://schemas.openxmlformats.org/officeDocument/2006/relationships" xmlns:p="http://schemas.openxmlformats.org/presentationml/2006/main">
   <p:cSld>
     <p:spTree>
@@ -4049,7 +3797,7 @@
 </p:sld>
 </file>
 
-<file path=ppt/slides/slide6.xml><?xml version="1.0" encoding="utf-8"?>
+<file path=ppt/slides/slide13.xml><?xml version="1.0" encoding="utf-8"?>
 <p:sld xmlns:a="http://schemas.openxmlformats.org/drawingml/2006/main" xmlns:r="http://schemas.openxmlformats.org/officeDocument/2006/relationships" xmlns:p="http://schemas.openxmlformats.org/presentationml/2006/main">
   <p:cSld>
     <p:spTree>
@@ -4129,6 +3877,2046 @@
 </p:sld>
 </file>
 
+<file path=ppt/slides/slide14.xml><?xml version="1.0" encoding="utf-8"?>
+<p:sld xmlns:a="http://schemas.openxmlformats.org/drawingml/2006/main" xmlns:r="http://schemas.openxmlformats.org/officeDocument/2006/relationships" xmlns:p="http://schemas.openxmlformats.org/presentationml/2006/main">
+  <p:cSld>
+    <p:spTree>
+      <p:nvGrpSpPr>
+        <p:cNvPr id="1" name=""/>
+        <p:cNvGrpSpPr/>
+        <p:nvPr/>
+      </p:nvGrpSpPr>
+      <p:grpSpPr>
+        <a:xfrm>
+          <a:off x="0" y="0"/>
+          <a:ext cx="0" cy="0"/>
+          <a:chOff x="0" y="0"/>
+          <a:chExt cx="0" cy="0"/>
+        </a:xfrm>
+      </p:grpSpPr>
+      <p:sp>
+        <p:nvSpPr>
+          <p:cNvPr id="2" name="Titel 1"/>
+          <p:cNvSpPr>
+            <a:spLocks noGrp="1"/>
+          </p:cNvSpPr>
+          <p:nvPr>
+            <p:ph type="title"/>
+          </p:nvPr>
+        </p:nvSpPr>
+        <p:spPr/>
+        <p:txBody>
+          <a:bodyPr/>
+          <a:lstStyle/>
+          <a:p>
+            <a:r>
+              <a:rPr lang="en-US" dirty="0"/>
+              <a:t>Quiz Queue</a:t>
+            </a:r>
+          </a:p>
+        </p:txBody>
+      </p:sp>
+      <p:sp>
+        <p:nvSpPr>
+          <p:cNvPr id="3" name="Inhaltsplatzhalter 2"/>
+          <p:cNvSpPr>
+            <a:spLocks noGrp="1"/>
+          </p:cNvSpPr>
+          <p:nvPr>
+            <p:ph idx="1"/>
+          </p:nvPr>
+        </p:nvSpPr>
+        <p:spPr/>
+        <p:txBody>
+          <a:bodyPr>
+            <a:normAutofit/>
+          </a:bodyPr>
+          <a:lstStyle/>
+          <a:p>
+            <a:r>
+              <a:rPr lang="en-US" dirty="0"/>
+              <a:t>Q: </a:t>
+            </a:r>
+            <a:r>
+              <a:rPr lang="en-US" dirty="0" err="1"/>
+              <a:t>Wann</a:t>
+            </a:r>
+            <a:r>
+              <a:rPr lang="en-US" dirty="0"/>
+              <a:t> muss die </a:t>
+            </a:r>
+            <a:r>
+              <a:rPr lang="en-US" dirty="0" err="1"/>
+              <a:t>Grösse</a:t>
+            </a:r>
+            <a:r>
+              <a:rPr lang="en-US" dirty="0"/>
+              <a:t> der Queue </a:t>
+            </a:r>
+            <a:r>
+              <a:rPr lang="en-US" dirty="0" err="1"/>
+              <a:t>bekannt</a:t>
+            </a:r>
+            <a:r>
+              <a:rPr lang="en-US" dirty="0"/>
+              <a:t> sein?</a:t>
+            </a:r>
+          </a:p>
+          <a:p>
+            <a:endParaRPr lang="en-US" dirty="0"/>
+          </a:p>
+          <a:p>
+            <a:endParaRPr lang="en-US" dirty="0"/>
+          </a:p>
+          <a:p>
+            <a:r>
+              <a:rPr lang="en-US" dirty="0"/>
+              <a:t>A: </a:t>
+            </a:r>
+            <a:r>
+              <a:rPr lang="en-US" dirty="0" err="1"/>
+              <a:t>Zur</a:t>
+            </a:r>
+            <a:r>
+              <a:rPr lang="en-US" dirty="0"/>
+              <a:t> </a:t>
+            </a:r>
+            <a:r>
+              <a:rPr lang="en-US" dirty="0" err="1"/>
+              <a:t>Kompilierzeit</a:t>
+            </a:r>
+            <a:r>
+              <a:rPr lang="en-US" dirty="0"/>
+              <a:t>. </a:t>
+            </a:r>
+            <a:r>
+              <a:rPr lang="en-US" dirty="0" err="1"/>
+              <a:t>Kann</a:t>
+            </a:r>
+            <a:r>
+              <a:rPr lang="en-US" dirty="0"/>
+              <a:t> </a:t>
+            </a:r>
+            <a:r>
+              <a:rPr lang="en-US" dirty="0" err="1"/>
+              <a:t>während</a:t>
+            </a:r>
+            <a:r>
+              <a:rPr lang="en-US" dirty="0"/>
+              <a:t> </a:t>
+            </a:r>
+            <a:r>
+              <a:rPr lang="en-US" dirty="0" err="1"/>
+              <a:t>Laufzeit</a:t>
+            </a:r>
+            <a:r>
+              <a:rPr lang="en-US" dirty="0"/>
+              <a:t> </a:t>
+            </a:r>
+            <a:r>
+              <a:rPr lang="en-US" dirty="0" err="1"/>
+              <a:t>nicht</a:t>
+            </a:r>
+            <a:r>
+              <a:rPr lang="en-US" dirty="0"/>
+              <a:t> </a:t>
+            </a:r>
+            <a:r>
+              <a:rPr lang="en-US" dirty="0" err="1"/>
+              <a:t>verändert</a:t>
+            </a:r>
+            <a:r>
+              <a:rPr lang="en-US" dirty="0"/>
+              <a:t> </a:t>
+            </a:r>
+            <a:r>
+              <a:rPr lang="en-US" dirty="0" err="1"/>
+              <a:t>werden</a:t>
+            </a:r>
+            <a:r>
+              <a:rPr lang="en-US" dirty="0"/>
+              <a:t>.</a:t>
+            </a:r>
+          </a:p>
+          <a:p>
+            <a:pPr marL="274320" lvl="1" indent="0">
+              <a:buNone/>
+            </a:pPr>
+            <a:endParaRPr lang="en-US" dirty="0"/>
+          </a:p>
+          <a:p>
+            <a:pPr marL="274320" lvl="1" indent="0">
+              <a:buNone/>
+            </a:pPr>
+            <a:endParaRPr lang="en-US" dirty="0"/>
+          </a:p>
+        </p:txBody>
+      </p:sp>
+    </p:spTree>
+    <p:extLst>
+      <p:ext uri="{BB962C8B-B14F-4D97-AF65-F5344CB8AC3E}">
+        <p14:creationId xmlns:p14="http://schemas.microsoft.com/office/powerpoint/2010/main" val="3151208007"/>
+      </p:ext>
+    </p:extLst>
+  </p:cSld>
+  <p:clrMapOvr>
+    <a:masterClrMapping/>
+  </p:clrMapOvr>
+  <p:timing>
+    <p:tnLst>
+      <p:par>
+        <p:cTn id="1" dur="indefinite" restart="never" nodeType="tmRoot">
+          <p:childTnLst>
+            <p:seq concurrent="1" nextAc="seek">
+              <p:cTn id="2" dur="indefinite" nodeType="mainSeq">
+                <p:childTnLst>
+                  <p:par>
+                    <p:cTn id="3" fill="hold">
+                      <p:stCondLst>
+                        <p:cond delay="indefinite"/>
+                      </p:stCondLst>
+                      <p:childTnLst>
+                        <p:par>
+                          <p:cTn id="4" fill="hold">
+                            <p:stCondLst>
+                              <p:cond delay="0"/>
+                            </p:stCondLst>
+                            <p:childTnLst>
+                              <p:par>
+                                <p:cTn id="5" presetID="1" presetClass="entr" presetSubtype="0" fill="hold" grpId="0" nodeType="clickEffect">
+                                  <p:stCondLst>
+                                    <p:cond delay="0"/>
+                                  </p:stCondLst>
+                                  <p:childTnLst>
+                                    <p:set>
+                                      <p:cBhvr>
+                                        <p:cTn id="6" dur="1" fill="hold">
+                                          <p:stCondLst>
+                                            <p:cond delay="0"/>
+                                          </p:stCondLst>
+                                        </p:cTn>
+                                        <p:tgtEl>
+                                          <p:spTgt spid="3">
+                                            <p:txEl>
+                                              <p:pRg st="3" end="3"/>
+                                            </p:txEl>
+                                          </p:spTgt>
+                                        </p:tgtEl>
+                                        <p:attrNameLst>
+                                          <p:attrName>style.visibility</p:attrName>
+                                        </p:attrNameLst>
+                                      </p:cBhvr>
+                                      <p:to>
+                                        <p:strVal val="visible"/>
+                                      </p:to>
+                                    </p:set>
+                                  </p:childTnLst>
+                                </p:cTn>
+                              </p:par>
+                            </p:childTnLst>
+                          </p:cTn>
+                        </p:par>
+                      </p:childTnLst>
+                    </p:cTn>
+                  </p:par>
+                </p:childTnLst>
+              </p:cTn>
+              <p:prevCondLst>
+                <p:cond evt="onPrev" delay="0">
+                  <p:tgtEl>
+                    <p:sldTgt/>
+                  </p:tgtEl>
+                </p:cond>
+              </p:prevCondLst>
+              <p:nextCondLst>
+                <p:cond evt="onNext" delay="0">
+                  <p:tgtEl>
+                    <p:sldTgt/>
+                  </p:tgtEl>
+                </p:cond>
+              </p:nextCondLst>
+            </p:seq>
+          </p:childTnLst>
+        </p:cTn>
+      </p:par>
+    </p:tnLst>
+    <p:bldLst>
+      <p:bldP spid="3" grpId="0" uiExpand="1" build="p"/>
+    </p:bldLst>
+  </p:timing>
+</p:sld>
+</file>
+
+<file path=ppt/slides/slide15.xml><?xml version="1.0" encoding="utf-8"?>
+<p:sld xmlns:a="http://schemas.openxmlformats.org/drawingml/2006/main" xmlns:r="http://schemas.openxmlformats.org/officeDocument/2006/relationships" xmlns:p="http://schemas.openxmlformats.org/presentationml/2006/main">
+  <p:cSld>
+    <p:spTree>
+      <p:nvGrpSpPr>
+        <p:cNvPr id="1" name=""/>
+        <p:cNvGrpSpPr/>
+        <p:nvPr/>
+      </p:nvGrpSpPr>
+      <p:grpSpPr>
+        <a:xfrm>
+          <a:off x="0" y="0"/>
+          <a:ext cx="0" cy="0"/>
+          <a:chOff x="0" y="0"/>
+          <a:chExt cx="0" cy="0"/>
+        </a:xfrm>
+      </p:grpSpPr>
+      <p:sp>
+        <p:nvSpPr>
+          <p:cNvPr id="2" name="Titel 1"/>
+          <p:cNvSpPr>
+            <a:spLocks noGrp="1"/>
+          </p:cNvSpPr>
+          <p:nvPr>
+            <p:ph type="title"/>
+          </p:nvPr>
+        </p:nvSpPr>
+        <p:spPr/>
+        <p:txBody>
+          <a:bodyPr/>
+          <a:lstStyle/>
+          <a:p>
+            <a:r>
+              <a:rPr lang="en-US" dirty="0"/>
+              <a:t>Quiz Hook</a:t>
+            </a:r>
+          </a:p>
+        </p:txBody>
+      </p:sp>
+      <p:sp>
+        <p:nvSpPr>
+          <p:cNvPr id="3" name="Inhaltsplatzhalter 2"/>
+          <p:cNvSpPr>
+            <a:spLocks noGrp="1"/>
+          </p:cNvSpPr>
+          <p:nvPr>
+            <p:ph idx="1"/>
+          </p:nvPr>
+        </p:nvSpPr>
+        <p:spPr/>
+        <p:txBody>
+          <a:bodyPr>
+            <a:normAutofit/>
+          </a:bodyPr>
+          <a:lstStyle/>
+          <a:p>
+            <a:r>
+              <a:rPr lang="en-US" dirty="0"/>
+              <a:t>Q: Was </a:t>
+            </a:r>
+            <a:r>
+              <a:rPr lang="en-US" dirty="0" err="1"/>
+              <a:t>sind</a:t>
+            </a:r>
+            <a:r>
+              <a:rPr lang="en-US" dirty="0"/>
+              <a:t> Hooks? Und </a:t>
+            </a:r>
+            <a:r>
+              <a:rPr lang="en-US" dirty="0" err="1"/>
+              <a:t>wieviele</a:t>
+            </a:r>
+            <a:r>
+              <a:rPr lang="en-US" dirty="0"/>
+              <a:t> </a:t>
+            </a:r>
+            <a:r>
+              <a:rPr lang="en-US" dirty="0" err="1"/>
+              <a:t>gibt</a:t>
+            </a:r>
+            <a:r>
+              <a:rPr lang="en-US" dirty="0"/>
+              <a:t> </a:t>
+            </a:r>
+            <a:r>
+              <a:rPr lang="en-US" dirty="0" err="1"/>
+              <a:t>es</a:t>
+            </a:r>
+            <a:r>
+              <a:rPr lang="en-US" dirty="0"/>
+              <a:t>?</a:t>
+            </a:r>
+          </a:p>
+          <a:p>
+            <a:endParaRPr lang="en-US" dirty="0"/>
+          </a:p>
+          <a:p>
+            <a:endParaRPr lang="en-US" dirty="0"/>
+          </a:p>
+          <a:p>
+            <a:r>
+              <a:rPr lang="en-US" dirty="0"/>
+              <a:t>A: Callbacks in FRTOS, die </a:t>
+            </a:r>
+            <a:r>
+              <a:rPr lang="en-US" dirty="0" err="1"/>
+              <a:t>bei</a:t>
+            </a:r>
+            <a:r>
+              <a:rPr lang="en-US" dirty="0"/>
+              <a:t> </a:t>
+            </a:r>
+            <a:r>
+              <a:rPr lang="en-US" dirty="0" err="1"/>
+              <a:t>Ereignisse</a:t>
+            </a:r>
+            <a:r>
+              <a:rPr lang="en-US" dirty="0"/>
+              <a:t> (</a:t>
+            </a:r>
+            <a:r>
+              <a:rPr lang="en-US" dirty="0" err="1"/>
+              <a:t>bsp</a:t>
+            </a:r>
+            <a:r>
+              <a:rPr lang="en-US" dirty="0"/>
+              <a:t>. </a:t>
+            </a:r>
+            <a:r>
+              <a:rPr lang="en-US" dirty="0" err="1"/>
+              <a:t>StackOF</a:t>
+            </a:r>
+            <a:r>
+              <a:rPr lang="en-US" dirty="0"/>
+              <a:t>) </a:t>
+            </a:r>
+            <a:r>
+              <a:rPr lang="en-US" dirty="0" err="1"/>
+              <a:t>aufgerufen</a:t>
+            </a:r>
+            <a:r>
+              <a:rPr lang="en-US" dirty="0"/>
+              <a:t> </a:t>
+            </a:r>
+            <a:r>
+              <a:rPr lang="en-US" dirty="0" err="1"/>
+              <a:t>werden</a:t>
+            </a:r>
+            <a:r>
+              <a:rPr lang="en-US" dirty="0"/>
+              <a:t>. 4 Hooks.</a:t>
+            </a:r>
+          </a:p>
+          <a:p>
+            <a:pPr marL="274320" lvl="1" indent="0">
+              <a:buNone/>
+            </a:pPr>
+            <a:endParaRPr lang="en-US" dirty="0"/>
+          </a:p>
+          <a:p>
+            <a:pPr marL="274320" lvl="1" indent="0">
+              <a:buNone/>
+            </a:pPr>
+            <a:endParaRPr lang="en-US" dirty="0"/>
+          </a:p>
+        </p:txBody>
+      </p:sp>
+    </p:spTree>
+    <p:extLst>
+      <p:ext uri="{BB962C8B-B14F-4D97-AF65-F5344CB8AC3E}">
+        <p14:creationId xmlns:p14="http://schemas.microsoft.com/office/powerpoint/2010/main" val="1250565901"/>
+      </p:ext>
+    </p:extLst>
+  </p:cSld>
+  <p:clrMapOvr>
+    <a:masterClrMapping/>
+  </p:clrMapOvr>
+  <p:timing>
+    <p:tnLst>
+      <p:par>
+        <p:cTn id="1" dur="indefinite" restart="never" nodeType="tmRoot">
+          <p:childTnLst>
+            <p:seq concurrent="1" nextAc="seek">
+              <p:cTn id="2" dur="indefinite" nodeType="mainSeq">
+                <p:childTnLst>
+                  <p:par>
+                    <p:cTn id="3" fill="hold">
+                      <p:stCondLst>
+                        <p:cond delay="indefinite"/>
+                      </p:stCondLst>
+                      <p:childTnLst>
+                        <p:par>
+                          <p:cTn id="4" fill="hold">
+                            <p:stCondLst>
+                              <p:cond delay="0"/>
+                            </p:stCondLst>
+                            <p:childTnLst>
+                              <p:par>
+                                <p:cTn id="5" presetID="1" presetClass="entr" presetSubtype="0" fill="hold" nodeType="clickEffect">
+                                  <p:stCondLst>
+                                    <p:cond delay="0"/>
+                                  </p:stCondLst>
+                                  <p:childTnLst>
+                                    <p:set>
+                                      <p:cBhvr>
+                                        <p:cTn id="6" dur="1" fill="hold">
+                                          <p:stCondLst>
+                                            <p:cond delay="0"/>
+                                          </p:stCondLst>
+                                        </p:cTn>
+                                        <p:tgtEl>
+                                          <p:spTgt spid="3">
+                                            <p:txEl>
+                                              <p:pRg st="3" end="3"/>
+                                            </p:txEl>
+                                          </p:spTgt>
+                                        </p:tgtEl>
+                                        <p:attrNameLst>
+                                          <p:attrName>style.visibility</p:attrName>
+                                        </p:attrNameLst>
+                                      </p:cBhvr>
+                                      <p:to>
+                                        <p:strVal val="visible"/>
+                                      </p:to>
+                                    </p:set>
+                                  </p:childTnLst>
+                                </p:cTn>
+                              </p:par>
+                            </p:childTnLst>
+                          </p:cTn>
+                        </p:par>
+                      </p:childTnLst>
+                    </p:cTn>
+                  </p:par>
+                </p:childTnLst>
+              </p:cTn>
+              <p:prevCondLst>
+                <p:cond evt="onPrev" delay="0">
+                  <p:tgtEl>
+                    <p:sldTgt/>
+                  </p:tgtEl>
+                </p:cond>
+              </p:prevCondLst>
+              <p:nextCondLst>
+                <p:cond evt="onNext" delay="0">
+                  <p:tgtEl>
+                    <p:sldTgt/>
+                  </p:tgtEl>
+                </p:cond>
+              </p:nextCondLst>
+            </p:seq>
+          </p:childTnLst>
+        </p:cTn>
+      </p:par>
+    </p:tnLst>
+  </p:timing>
+</p:sld>
+</file>
+
+<file path=ppt/slides/slide16.xml><?xml version="1.0" encoding="utf-8"?>
+<p:sld xmlns:a="http://schemas.openxmlformats.org/drawingml/2006/main" xmlns:r="http://schemas.openxmlformats.org/officeDocument/2006/relationships" xmlns:p="http://schemas.openxmlformats.org/presentationml/2006/main">
+  <p:cSld>
+    <p:spTree>
+      <p:nvGrpSpPr>
+        <p:cNvPr id="1" name=""/>
+        <p:cNvGrpSpPr/>
+        <p:nvPr/>
+      </p:nvGrpSpPr>
+      <p:grpSpPr>
+        <a:xfrm>
+          <a:off x="0" y="0"/>
+          <a:ext cx="0" cy="0"/>
+          <a:chOff x="0" y="0"/>
+          <a:chExt cx="0" cy="0"/>
+        </a:xfrm>
+      </p:grpSpPr>
+      <p:sp>
+        <p:nvSpPr>
+          <p:cNvPr id="2" name="Titel 1"/>
+          <p:cNvSpPr>
+            <a:spLocks noGrp="1"/>
+          </p:cNvSpPr>
+          <p:nvPr>
+            <p:ph type="title"/>
+          </p:nvPr>
+        </p:nvSpPr>
+        <p:spPr/>
+        <p:txBody>
+          <a:bodyPr/>
+          <a:lstStyle/>
+          <a:p>
+            <a:r>
+              <a:rPr lang="en-US" dirty="0"/>
+              <a:t>Quiz Shell</a:t>
+            </a:r>
+          </a:p>
+        </p:txBody>
+      </p:sp>
+      <p:sp>
+        <p:nvSpPr>
+          <p:cNvPr id="3" name="Inhaltsplatzhalter 2"/>
+          <p:cNvSpPr>
+            <a:spLocks noGrp="1"/>
+          </p:cNvSpPr>
+          <p:nvPr>
+            <p:ph idx="1"/>
+          </p:nvPr>
+        </p:nvSpPr>
+        <p:spPr/>
+        <p:txBody>
+          <a:bodyPr>
+            <a:normAutofit lnSpcReduction="10000"/>
+          </a:bodyPr>
+          <a:lstStyle/>
+          <a:p>
+            <a:r>
+              <a:rPr lang="en-US" dirty="0"/>
+              <a:t>Q:</a:t>
+            </a:r>
+          </a:p>
+          <a:p>
+            <a:pPr marL="274320" lvl="1" indent="0">
+              <a:buNone/>
+            </a:pPr>
+            <a:r>
+              <a:rPr lang="en-US" dirty="0" err="1"/>
+              <a:t>Obwohl</a:t>
+            </a:r>
+            <a:r>
+              <a:rPr lang="en-US" dirty="0"/>
+              <a:t> Hillary </a:t>
+            </a:r>
+            <a:r>
+              <a:rPr lang="en-US" dirty="0" err="1"/>
+              <a:t>sonst</a:t>
+            </a:r>
+            <a:r>
+              <a:rPr lang="en-US" dirty="0"/>
+              <a:t> </a:t>
+            </a:r>
+            <a:r>
+              <a:rPr lang="en-US" dirty="0" err="1"/>
+              <a:t>nicht</a:t>
+            </a:r>
+            <a:r>
+              <a:rPr lang="en-US" dirty="0"/>
+              <a:t> </a:t>
+            </a:r>
+            <a:r>
+              <a:rPr lang="en-US" dirty="0" err="1"/>
+              <a:t>sehr</a:t>
+            </a:r>
+            <a:r>
+              <a:rPr lang="en-US" dirty="0"/>
+              <a:t> IT-</a:t>
+            </a:r>
+            <a:r>
+              <a:rPr lang="en-US" dirty="0" err="1"/>
+              <a:t>begabt</a:t>
+            </a:r>
+            <a:r>
+              <a:rPr lang="en-US" dirty="0"/>
+              <a:t> </a:t>
+            </a:r>
+            <a:r>
+              <a:rPr lang="en-US" dirty="0" err="1"/>
+              <a:t>ist</a:t>
+            </a:r>
+            <a:r>
+              <a:rPr lang="en-US" dirty="0"/>
+              <a:t>, hat </a:t>
+            </a:r>
+            <a:r>
+              <a:rPr lang="en-US" dirty="0" err="1"/>
+              <a:t>sie</a:t>
+            </a:r>
+            <a:r>
+              <a:rPr lang="en-US" dirty="0"/>
+              <a:t> </a:t>
+            </a:r>
+            <a:r>
+              <a:rPr lang="en-US" dirty="0" err="1"/>
+              <a:t>es</a:t>
+            </a:r>
+            <a:r>
+              <a:rPr lang="en-US" dirty="0"/>
+              <a:t> </a:t>
+            </a:r>
+            <a:r>
+              <a:rPr lang="en-US" dirty="0" err="1"/>
+              <a:t>geschafft</a:t>
+            </a:r>
+            <a:r>
+              <a:rPr lang="en-US" dirty="0"/>
+              <a:t> </a:t>
+            </a:r>
+            <a:r>
+              <a:rPr lang="en-US" dirty="0" err="1"/>
+              <a:t>ihren</a:t>
+            </a:r>
+            <a:r>
+              <a:rPr lang="en-US" dirty="0"/>
+              <a:t> Shell-Parser so </a:t>
+            </a:r>
+            <a:r>
+              <a:rPr lang="en-US" dirty="0" err="1"/>
+              <a:t>zu</a:t>
+            </a:r>
+            <a:r>
+              <a:rPr lang="en-US" dirty="0"/>
+              <a:t> </a:t>
+            </a:r>
+            <a:r>
+              <a:rPr lang="en-US" dirty="0" err="1"/>
+              <a:t>erweitern</a:t>
+            </a:r>
+            <a:r>
+              <a:rPr lang="en-US" dirty="0"/>
+              <a:t>, </a:t>
+            </a:r>
+            <a:r>
+              <a:rPr lang="en-US" dirty="0" err="1"/>
+              <a:t>dass</a:t>
+            </a:r>
+            <a:r>
+              <a:rPr lang="en-US" dirty="0"/>
+              <a:t> die </a:t>
+            </a:r>
+            <a:r>
+              <a:rPr lang="en-US" dirty="0" err="1"/>
+              <a:t>Eingabe</a:t>
+            </a:r>
+            <a:r>
+              <a:rPr lang="en-US" dirty="0"/>
+              <a:t> von “result” </a:t>
+            </a:r>
+            <a:r>
+              <a:rPr lang="en-US" dirty="0" err="1"/>
+              <a:t>zur</a:t>
+            </a:r>
+            <a:r>
+              <a:rPr lang="en-US" dirty="0"/>
+              <a:t> </a:t>
+            </a:r>
+            <a:r>
+              <a:rPr lang="en-US" dirty="0" err="1"/>
+              <a:t>Ausgabe</a:t>
+            </a:r>
+            <a:r>
+              <a:rPr lang="en-US" dirty="0"/>
+              <a:t> des Strings “VICTORY!!” </a:t>
+            </a:r>
+            <a:r>
+              <a:rPr lang="en-US" dirty="0" err="1"/>
+              <a:t>führt</a:t>
+            </a:r>
+            <a:r>
+              <a:rPr lang="en-US" dirty="0"/>
+              <a:t>. Nun </a:t>
+            </a:r>
+            <a:r>
+              <a:rPr lang="en-US" dirty="0" err="1"/>
+              <a:t>möchte</a:t>
+            </a:r>
+            <a:r>
+              <a:rPr lang="en-US" dirty="0"/>
+              <a:t> </a:t>
+            </a:r>
+            <a:r>
+              <a:rPr lang="en-US" dirty="0" err="1"/>
+              <a:t>sie</a:t>
+            </a:r>
+            <a:r>
+              <a:rPr lang="en-US" dirty="0"/>
+              <a:t> die </a:t>
+            </a:r>
+            <a:r>
+              <a:rPr lang="en-US" dirty="0" err="1"/>
+              <a:t>Ausgabe</a:t>
+            </a:r>
+            <a:r>
+              <a:rPr lang="en-US" dirty="0"/>
+              <a:t> </a:t>
+            </a:r>
+            <a:r>
+              <a:rPr lang="en-US" dirty="0" err="1"/>
+              <a:t>als</a:t>
+            </a:r>
+            <a:r>
+              <a:rPr lang="en-US" dirty="0"/>
+              <a:t> </a:t>
+            </a:r>
+            <a:r>
+              <a:rPr lang="en-US" dirty="0" err="1"/>
+              <a:t>automatische</a:t>
+            </a:r>
+            <a:r>
+              <a:rPr lang="en-US" dirty="0"/>
+              <a:t> </a:t>
+            </a:r>
+            <a:r>
+              <a:rPr lang="en-US" dirty="0" err="1"/>
+              <a:t>Willkommensnachricht</a:t>
+            </a:r>
+            <a:r>
+              <a:rPr lang="en-US" dirty="0"/>
+              <a:t> </a:t>
+            </a:r>
+            <a:r>
+              <a:rPr lang="en-US" dirty="0" err="1"/>
+              <a:t>bei</a:t>
+            </a:r>
+            <a:r>
+              <a:rPr lang="en-US" dirty="0"/>
+              <a:t> </a:t>
+            </a:r>
+            <a:r>
+              <a:rPr lang="en-US" dirty="0" err="1"/>
+              <a:t>jedem</a:t>
+            </a:r>
+            <a:r>
+              <a:rPr lang="en-US" dirty="0"/>
+              <a:t> </a:t>
+            </a:r>
+            <a:r>
+              <a:rPr lang="en-US" dirty="0" err="1"/>
+              <a:t>Systemstart</a:t>
+            </a:r>
+            <a:r>
+              <a:rPr lang="en-US" dirty="0"/>
+              <a:t> </a:t>
+            </a:r>
+            <a:r>
+              <a:rPr lang="en-US" dirty="0" err="1"/>
+              <a:t>zu</a:t>
+            </a:r>
+            <a:r>
+              <a:rPr lang="en-US" dirty="0"/>
+              <a:t> </a:t>
+            </a:r>
+            <a:r>
+              <a:rPr lang="en-US" dirty="0" err="1"/>
+              <a:t>sehen</a:t>
+            </a:r>
+            <a:r>
+              <a:rPr lang="en-US" dirty="0"/>
+              <a:t> </a:t>
+            </a:r>
+            <a:r>
+              <a:rPr lang="en-US" dirty="0" err="1"/>
+              <a:t>bekommen</a:t>
+            </a:r>
+            <a:r>
+              <a:rPr lang="en-US" dirty="0"/>
+              <a:t>.</a:t>
+            </a:r>
+          </a:p>
+          <a:p>
+            <a:pPr marL="274320" lvl="1" indent="0">
+              <a:buNone/>
+            </a:pPr>
+            <a:r>
+              <a:rPr lang="en-US" dirty="0" err="1"/>
+              <a:t>Welche</a:t>
+            </a:r>
+            <a:r>
+              <a:rPr lang="en-US" dirty="0"/>
+              <a:t> der </a:t>
+            </a:r>
+            <a:r>
+              <a:rPr lang="en-US" dirty="0" err="1"/>
+              <a:t>beiden</a:t>
+            </a:r>
+            <a:r>
+              <a:rPr lang="en-US" dirty="0"/>
+              <a:t> </a:t>
+            </a:r>
+            <a:r>
+              <a:rPr lang="en-US" dirty="0" err="1"/>
+              <a:t>folgenden</a:t>
+            </a:r>
+            <a:r>
+              <a:rPr lang="en-US" dirty="0"/>
+              <a:t> </a:t>
+            </a:r>
+            <a:r>
+              <a:rPr lang="en-US" dirty="0" err="1"/>
+              <a:t>Funktionen</a:t>
+            </a:r>
+            <a:r>
+              <a:rPr lang="en-US" dirty="0"/>
+              <a:t> </a:t>
+            </a:r>
+            <a:r>
+              <a:rPr lang="en-US" dirty="0" err="1"/>
+              <a:t>setzt</a:t>
+            </a:r>
+            <a:r>
+              <a:rPr lang="en-US" dirty="0"/>
+              <a:t> </a:t>
+            </a:r>
+            <a:r>
+              <a:rPr lang="en-US" dirty="0" err="1"/>
+              <a:t>sie</a:t>
+            </a:r>
+            <a:r>
+              <a:rPr lang="en-US" dirty="0"/>
+              <a:t> </a:t>
+            </a:r>
+            <a:r>
+              <a:rPr lang="en-US" dirty="0" err="1"/>
+              <a:t>dafür</a:t>
+            </a:r>
+            <a:r>
+              <a:rPr lang="en-US" dirty="0"/>
+              <a:t> </a:t>
+            </a:r>
+            <a:r>
+              <a:rPr lang="en-US" dirty="0" err="1"/>
+              <a:t>im</a:t>
+            </a:r>
+            <a:r>
+              <a:rPr lang="en-US" dirty="0"/>
+              <a:t> </a:t>
+            </a:r>
+            <a:r>
+              <a:rPr lang="en-US" dirty="0" err="1"/>
+              <a:t>ShellTask</a:t>
+            </a:r>
+            <a:r>
+              <a:rPr lang="en-US" dirty="0"/>
+              <a:t> </a:t>
+            </a:r>
+            <a:r>
+              <a:rPr lang="en-US" dirty="0" err="1"/>
+              <a:t>ein</a:t>
+            </a:r>
+            <a:r>
+              <a:rPr lang="en-US" dirty="0"/>
+              <a:t> und </a:t>
+            </a:r>
+            <a:r>
+              <a:rPr lang="en-US" dirty="0" err="1"/>
+              <a:t>warum</a:t>
+            </a:r>
+            <a:r>
+              <a:rPr lang="en-US" dirty="0"/>
+              <a:t>?</a:t>
+            </a:r>
+          </a:p>
+          <a:p>
+            <a:pPr marL="274320" lvl="1" indent="0">
+              <a:buNone/>
+            </a:pPr>
+            <a:endParaRPr lang="en-US" dirty="0"/>
+          </a:p>
+          <a:p>
+            <a:pPr marL="274320" lvl="1" indent="0">
+              <a:buNone/>
+            </a:pPr>
+            <a:r>
+              <a:rPr lang="en-US" dirty="0"/>
+              <a:t>CLS1_ParseWithCommandTable()</a:t>
+            </a:r>
+          </a:p>
+          <a:p>
+            <a:pPr marL="274320" lvl="1" indent="0">
+              <a:buNone/>
+            </a:pPr>
+            <a:endParaRPr lang="en-US" dirty="0"/>
+          </a:p>
+          <a:p>
+            <a:pPr marL="274320" lvl="1" indent="0">
+              <a:buNone/>
+            </a:pPr>
+            <a:r>
+              <a:rPr lang="en-US" dirty="0"/>
+              <a:t>	</a:t>
+            </a:r>
+            <a:r>
+              <a:rPr lang="en-US" dirty="0" err="1"/>
+              <a:t>oder</a:t>
+            </a:r>
+            <a:endParaRPr lang="en-US" dirty="0"/>
+          </a:p>
+          <a:p>
+            <a:pPr marL="274320" lvl="1" indent="0">
+              <a:buNone/>
+            </a:pPr>
+            <a:endParaRPr lang="en-US" dirty="0"/>
+          </a:p>
+          <a:p>
+            <a:pPr marL="274320" lvl="1" indent="0">
+              <a:buNone/>
+            </a:pPr>
+            <a:r>
+              <a:rPr lang="en-US" dirty="0"/>
+              <a:t>CLS1_ReadAndParseWithCommandTable()</a:t>
+            </a:r>
+          </a:p>
+          <a:p>
+            <a:pPr marL="274320" lvl="1" indent="0">
+              <a:buNone/>
+            </a:pPr>
+            <a:endParaRPr lang="en-US" dirty="0"/>
+          </a:p>
+          <a:p>
+            <a:pPr marL="274320" lvl="1" indent="0">
+              <a:buNone/>
+            </a:pPr>
+            <a:endParaRPr lang="en-US" dirty="0"/>
+          </a:p>
+        </p:txBody>
+      </p:sp>
+    </p:spTree>
+    <p:extLst>
+      <p:ext uri="{BB962C8B-B14F-4D97-AF65-F5344CB8AC3E}">
+        <p14:creationId xmlns:p14="http://schemas.microsoft.com/office/powerpoint/2010/main" val="1890198303"/>
+      </p:ext>
+    </p:extLst>
+  </p:cSld>
+  <p:clrMapOvr>
+    <a:masterClrMapping/>
+  </p:clrMapOvr>
+</p:sld>
+</file>
+
+<file path=ppt/slides/slide17.xml><?xml version="1.0" encoding="utf-8"?>
+<p:sld xmlns:a="http://schemas.openxmlformats.org/drawingml/2006/main" xmlns:r="http://schemas.openxmlformats.org/officeDocument/2006/relationships" xmlns:p="http://schemas.openxmlformats.org/presentationml/2006/main">
+  <p:cSld>
+    <p:spTree>
+      <p:nvGrpSpPr>
+        <p:cNvPr id="1" name=""/>
+        <p:cNvGrpSpPr/>
+        <p:nvPr/>
+      </p:nvGrpSpPr>
+      <p:grpSpPr>
+        <a:xfrm>
+          <a:off x="0" y="0"/>
+          <a:ext cx="0" cy="0"/>
+          <a:chOff x="0" y="0"/>
+          <a:chExt cx="0" cy="0"/>
+        </a:xfrm>
+      </p:grpSpPr>
+      <p:sp>
+        <p:nvSpPr>
+          <p:cNvPr id="2" name="Titel 1"/>
+          <p:cNvSpPr>
+            <a:spLocks noGrp="1"/>
+          </p:cNvSpPr>
+          <p:nvPr>
+            <p:ph type="title"/>
+          </p:nvPr>
+        </p:nvSpPr>
+        <p:spPr/>
+        <p:txBody>
+          <a:bodyPr/>
+          <a:lstStyle/>
+          <a:p>
+            <a:r>
+              <a:rPr lang="en-US" dirty="0"/>
+              <a:t>Quiz Shell</a:t>
+            </a:r>
+            <a:endParaRPr lang="en-US" dirty="0"/>
+          </a:p>
+        </p:txBody>
+      </p:sp>
+      <p:sp>
+        <p:nvSpPr>
+          <p:cNvPr id="3" name="Inhaltsplatzhalter 2"/>
+          <p:cNvSpPr>
+            <a:spLocks noGrp="1"/>
+          </p:cNvSpPr>
+          <p:nvPr>
+            <p:ph idx="1"/>
+          </p:nvPr>
+        </p:nvSpPr>
+        <p:spPr/>
+        <p:txBody>
+          <a:bodyPr/>
+          <a:lstStyle/>
+          <a:p>
+            <a:r>
+              <a:rPr lang="en-US"/>
+              <a:t>A:</a:t>
+            </a:r>
+          </a:p>
+          <a:p>
+            <a:pPr marL="274320" lvl="1" indent="0">
+              <a:buNone/>
+            </a:pPr>
+            <a:r>
+              <a:rPr lang="en-US"/>
+              <a:t>CLS1_ParseWithCommandTable()</a:t>
+            </a:r>
+          </a:p>
+          <a:p>
+            <a:pPr marL="274320" lvl="1" indent="0">
+              <a:buNone/>
+            </a:pPr>
+            <a:endParaRPr lang="en-US"/>
+          </a:p>
+          <a:p>
+            <a:pPr marL="274320" lvl="1" indent="0">
+              <a:buNone/>
+            </a:pPr>
+            <a:r>
+              <a:rPr lang="en-US"/>
+              <a:t>Übernimmt direkt einen String als Parameter, kein Auslesen der Konsolen-Eingabe, kein Buffer notwendig, nicht im for-loop des ShellTasks</a:t>
+            </a:r>
+          </a:p>
+          <a:p>
+            <a:pPr marL="274320" lvl="1" indent="0">
+              <a:buNone/>
+            </a:pPr>
+            <a:endParaRPr lang="en-US"/>
+          </a:p>
+          <a:p>
+            <a:pPr marL="274320" lvl="1" indent="0">
+              <a:buNone/>
+            </a:pPr>
+            <a:endParaRPr lang="en-US"/>
+          </a:p>
+          <a:p>
+            <a:pPr marL="274320" lvl="1" indent="0">
+              <a:buNone/>
+            </a:pPr>
+            <a:endParaRPr lang="en-US"/>
+          </a:p>
+        </p:txBody>
+      </p:sp>
+    </p:spTree>
+    <p:extLst>
+      <p:ext uri="{BB962C8B-B14F-4D97-AF65-F5344CB8AC3E}">
+        <p14:creationId xmlns:p14="http://schemas.microsoft.com/office/powerpoint/2010/main" val="3033504430"/>
+      </p:ext>
+    </p:extLst>
+  </p:cSld>
+  <p:clrMapOvr>
+    <a:masterClrMapping/>
+  </p:clrMapOvr>
+</p:sld>
+</file>
+
+<file path=ppt/slides/slide18.xml><?xml version="1.0" encoding="utf-8"?>
+<p:sld xmlns:a="http://schemas.openxmlformats.org/drawingml/2006/main" xmlns:r="http://schemas.openxmlformats.org/officeDocument/2006/relationships" xmlns:p="http://schemas.openxmlformats.org/presentationml/2006/main">
+  <p:cSld>
+    <p:spTree>
+      <p:nvGrpSpPr>
+        <p:cNvPr id="1" name=""/>
+        <p:cNvGrpSpPr/>
+        <p:nvPr/>
+      </p:nvGrpSpPr>
+      <p:grpSpPr>
+        <a:xfrm>
+          <a:off x="0" y="0"/>
+          <a:ext cx="0" cy="0"/>
+          <a:chOff x="0" y="0"/>
+          <a:chExt cx="0" cy="0"/>
+        </a:xfrm>
+      </p:grpSpPr>
+      <p:sp>
+        <p:nvSpPr>
+          <p:cNvPr id="2" name="Titel 1"/>
+          <p:cNvSpPr>
+            <a:spLocks noGrp="1"/>
+          </p:cNvSpPr>
+          <p:nvPr>
+            <p:ph type="title"/>
+          </p:nvPr>
+        </p:nvSpPr>
+        <p:spPr/>
+        <p:txBody>
+          <a:bodyPr/>
+          <a:lstStyle/>
+          <a:p>
+            <a:r>
+              <a:rPr lang="en-US" dirty="0"/>
+              <a:t>Quiz Shell</a:t>
+            </a:r>
+            <a:r>
+              <a:rPr lang="en-US" dirty="0"/>
+              <a:t>	</a:t>
+            </a:r>
+          </a:p>
+        </p:txBody>
+      </p:sp>
+      <p:sp>
+        <p:nvSpPr>
+          <p:cNvPr id="3" name="Inhaltsplatzhalter 2"/>
+          <p:cNvSpPr>
+            <a:spLocks noGrp="1"/>
+          </p:cNvSpPr>
+          <p:nvPr>
+            <p:ph idx="1"/>
+          </p:nvPr>
+        </p:nvSpPr>
+        <p:spPr/>
+        <p:txBody>
+          <a:bodyPr/>
+          <a:lstStyle/>
+          <a:p>
+            <a:r>
+              <a:rPr lang="en-US"/>
+              <a:t>Q: </a:t>
+            </a:r>
+          </a:p>
+          <a:p>
+            <a:pPr marL="274320" lvl="1" indent="0">
+              <a:buNone/>
+            </a:pPr>
+            <a:r>
+              <a:rPr lang="en-US"/>
+              <a:t>Was ist der Unterschied zwischen den Funktionen UTIL1_strcmp() und UTIL1_strncmp() ?</a:t>
+            </a:r>
+          </a:p>
+          <a:p>
+            <a:pPr marL="0" indent="0">
+              <a:buNone/>
+            </a:pPr>
+            <a:endParaRPr lang="en-US"/>
+          </a:p>
+        </p:txBody>
+      </p:sp>
+    </p:spTree>
+    <p:extLst>
+      <p:ext uri="{BB962C8B-B14F-4D97-AF65-F5344CB8AC3E}">
+        <p14:creationId xmlns:p14="http://schemas.microsoft.com/office/powerpoint/2010/main" val="3805281602"/>
+      </p:ext>
+    </p:extLst>
+  </p:cSld>
+  <p:clrMapOvr>
+    <a:masterClrMapping/>
+  </p:clrMapOvr>
+</p:sld>
+</file>
+
+<file path=ppt/slides/slide19.xml><?xml version="1.0" encoding="utf-8"?>
+<p:sld xmlns:a="http://schemas.openxmlformats.org/drawingml/2006/main" xmlns:r="http://schemas.openxmlformats.org/officeDocument/2006/relationships" xmlns:p="http://schemas.openxmlformats.org/presentationml/2006/main">
+  <p:cSld>
+    <p:spTree>
+      <p:nvGrpSpPr>
+        <p:cNvPr id="1" name=""/>
+        <p:cNvGrpSpPr/>
+        <p:nvPr/>
+      </p:nvGrpSpPr>
+      <p:grpSpPr>
+        <a:xfrm>
+          <a:off x="0" y="0"/>
+          <a:ext cx="0" cy="0"/>
+          <a:chOff x="0" y="0"/>
+          <a:chExt cx="0" cy="0"/>
+        </a:xfrm>
+      </p:grpSpPr>
+      <p:sp>
+        <p:nvSpPr>
+          <p:cNvPr id="2" name="Titel 1"/>
+          <p:cNvSpPr>
+            <a:spLocks noGrp="1"/>
+          </p:cNvSpPr>
+          <p:nvPr>
+            <p:ph type="title"/>
+          </p:nvPr>
+        </p:nvSpPr>
+        <p:spPr/>
+        <p:txBody>
+          <a:bodyPr/>
+          <a:lstStyle/>
+          <a:p>
+            <a:r>
+              <a:rPr lang="en-US" dirty="0"/>
+              <a:t>Quiz Shell</a:t>
+            </a:r>
+            <a:r>
+              <a:rPr lang="en-US" dirty="0"/>
+              <a:t>	</a:t>
+            </a:r>
+          </a:p>
+        </p:txBody>
+      </p:sp>
+      <p:sp>
+        <p:nvSpPr>
+          <p:cNvPr id="3" name="Inhaltsplatzhalter 2"/>
+          <p:cNvSpPr>
+            <a:spLocks noGrp="1"/>
+          </p:cNvSpPr>
+          <p:nvPr>
+            <p:ph idx="1"/>
+          </p:nvPr>
+        </p:nvSpPr>
+        <p:spPr/>
+        <p:txBody>
+          <a:bodyPr/>
+          <a:lstStyle/>
+          <a:p>
+            <a:r>
+              <a:rPr lang="en-US"/>
+              <a:t>Q: </a:t>
+            </a:r>
+          </a:p>
+          <a:p>
+            <a:pPr marL="274320" lvl="1" indent="0">
+              <a:buNone/>
+            </a:pPr>
+            <a:r>
+              <a:rPr lang="en-US"/>
+              <a:t>Was ist der Unterschied zwischen den Funktionen UTIL1_strcmp() und UTIL1_strncmp() ?</a:t>
+            </a:r>
+          </a:p>
+          <a:p>
+            <a:endParaRPr lang="en-US"/>
+          </a:p>
+          <a:p>
+            <a:r>
+              <a:rPr lang="en-US"/>
+              <a:t>A: </a:t>
+            </a:r>
+          </a:p>
+          <a:p>
+            <a:pPr marL="274320" lvl="1" indent="0">
+              <a:buNone/>
+            </a:pPr>
+            <a:r>
+              <a:rPr lang="en-US"/>
+              <a:t>UTIL1_str</a:t>
+            </a:r>
+            <a:r>
+              <a:rPr lang="en-US" b="1"/>
+              <a:t>n</a:t>
+            </a:r>
+            <a:r>
+              <a:rPr lang="en-US"/>
+              <a:t>cmp() hat zusätzlich zu den zwei Strings ein size Parameter, der angibt bis zu welcher Position verglichen werden soll.</a:t>
+            </a:r>
+          </a:p>
+        </p:txBody>
+      </p:sp>
+    </p:spTree>
+    <p:extLst>
+      <p:ext uri="{BB962C8B-B14F-4D97-AF65-F5344CB8AC3E}">
+        <p14:creationId xmlns:p14="http://schemas.microsoft.com/office/powerpoint/2010/main" val="429199765"/>
+      </p:ext>
+    </p:extLst>
+  </p:cSld>
+  <p:clrMapOvr>
+    <a:masterClrMapping/>
+  </p:clrMapOvr>
+</p:sld>
+</file>
+
+<file path=ppt/slides/slide2.xml><?xml version="1.0" encoding="utf-8"?>
+<p:sld xmlns:a="http://schemas.openxmlformats.org/drawingml/2006/main" xmlns:r="http://schemas.openxmlformats.org/officeDocument/2006/relationships" xmlns:p="http://schemas.openxmlformats.org/presentationml/2006/main">
+  <p:cSld>
+    <p:spTree>
+      <p:nvGrpSpPr>
+        <p:cNvPr id="1" name=""/>
+        <p:cNvGrpSpPr/>
+        <p:nvPr/>
+      </p:nvGrpSpPr>
+      <p:grpSpPr>
+        <a:xfrm>
+          <a:off x="0" y="0"/>
+          <a:ext cx="0" cy="0"/>
+          <a:chOff x="0" y="0"/>
+          <a:chExt cx="0" cy="0"/>
+        </a:xfrm>
+      </p:grpSpPr>
+      <p:sp>
+        <p:nvSpPr>
+          <p:cNvPr id="2" name="Titel 1"/>
+          <p:cNvSpPr>
+            <a:spLocks noGrp="1"/>
+          </p:cNvSpPr>
+          <p:nvPr>
+            <p:ph type="title"/>
+          </p:nvPr>
+        </p:nvSpPr>
+        <p:spPr/>
+        <p:txBody>
+          <a:bodyPr/>
+          <a:lstStyle/>
+          <a:p>
+            <a:r>
+              <a:rPr lang="de-CH" dirty="0"/>
+              <a:t>Ablauf</a:t>
+            </a:r>
+          </a:p>
+        </p:txBody>
+      </p:sp>
+      <p:sp>
+        <p:nvSpPr>
+          <p:cNvPr id="3" name="Inhaltsplatzhalter 2"/>
+          <p:cNvSpPr>
+            <a:spLocks noGrp="1"/>
+          </p:cNvSpPr>
+          <p:nvPr>
+            <p:ph idx="1"/>
+          </p:nvPr>
+        </p:nvSpPr>
+        <p:spPr/>
+        <p:txBody>
+          <a:bodyPr>
+            <a:normAutofit/>
+          </a:bodyPr>
+          <a:lstStyle/>
+          <a:p>
+            <a:pPr>
+              <a:lnSpc>
+                <a:spcPct val="150000"/>
+              </a:lnSpc>
+            </a:pPr>
+            <a:r>
+              <a:rPr lang="de-CH" sz="2800" dirty="0"/>
+              <a:t>Queues</a:t>
+            </a:r>
+          </a:p>
+          <a:p>
+            <a:pPr>
+              <a:lnSpc>
+                <a:spcPct val="150000"/>
+              </a:lnSpc>
+            </a:pPr>
+            <a:r>
+              <a:rPr lang="de-CH" sz="2800" dirty="0"/>
+              <a:t>Hooks</a:t>
+            </a:r>
+          </a:p>
+          <a:p>
+            <a:pPr>
+              <a:lnSpc>
+                <a:spcPct val="150000"/>
+              </a:lnSpc>
+            </a:pPr>
+            <a:r>
+              <a:rPr lang="de-CH" sz="2800" dirty="0"/>
+              <a:t>Shell</a:t>
+            </a:r>
+          </a:p>
+        </p:txBody>
+      </p:sp>
+    </p:spTree>
+    <p:extLst>
+      <p:ext uri="{BB962C8B-B14F-4D97-AF65-F5344CB8AC3E}">
+        <p14:creationId xmlns:p14="http://schemas.microsoft.com/office/powerpoint/2010/main" val="190575833"/>
+      </p:ext>
+    </p:extLst>
+  </p:cSld>
+  <p:clrMapOvr>
+    <a:masterClrMapping/>
+  </p:clrMapOvr>
+</p:sld>
+</file>
+
+<file path=ppt/slides/slide3.xml><?xml version="1.0" encoding="utf-8"?>
+<p:sld xmlns:a="http://schemas.openxmlformats.org/drawingml/2006/main" xmlns:r="http://schemas.openxmlformats.org/officeDocument/2006/relationships" xmlns:p="http://schemas.openxmlformats.org/presentationml/2006/main">
+  <p:cSld>
+    <p:spTree>
+      <p:nvGrpSpPr>
+        <p:cNvPr id="1" name=""/>
+        <p:cNvGrpSpPr/>
+        <p:nvPr/>
+      </p:nvGrpSpPr>
+      <p:grpSpPr>
+        <a:xfrm>
+          <a:off x="0" y="0"/>
+          <a:ext cx="0" cy="0"/>
+          <a:chOff x="0" y="0"/>
+          <a:chExt cx="0" cy="0"/>
+        </a:xfrm>
+      </p:grpSpPr>
+      <p:pic>
+        <p:nvPicPr>
+          <p:cNvPr id="1028" name="Picture 4" descr="Computergenerierter Alternativtext:&#10;Back &#10;Front &#10;Enqueue &#10;Dequeue "/>
+          <p:cNvPicPr>
+            <a:picLocks noChangeAspect="1" noChangeArrowheads="1"/>
+          </p:cNvPicPr>
+          <p:nvPr/>
+        </p:nvPicPr>
+        <p:blipFill>
+          <a:blip r:embed="rId2" cstate="email">
+            <a:extLst>
+              <a:ext uri="{28A0092B-C50C-407E-A947-70E740481C1C}">
+                <a14:useLocalDpi xmlns:a14="http://schemas.microsoft.com/office/drawing/2010/main" val="0"/>
+              </a:ext>
+            </a:extLst>
+          </a:blip>
+          <a:srcRect/>
+          <a:stretch>
+            <a:fillRect/>
+          </a:stretch>
+        </p:blipFill>
+        <p:spPr bwMode="auto">
+          <a:xfrm>
+            <a:off x="3730802" y="1176587"/>
+            <a:ext cx="5290106" cy="2617294"/>
+          </a:xfrm>
+          <a:prstGeom prst="rect">
+            <a:avLst/>
+          </a:prstGeom>
+          <a:extLst>
+            <a:ext uri="{909E8E84-426E-40DD-AFC4-6F175D3DCCD1}">
+              <a14:hiddenFill xmlns:a14="http://schemas.microsoft.com/office/drawing/2010/main">
+                <a:solidFill>
+                  <a:srgbClr val="FFFFFF"/>
+                </a:solidFill>
+              </a14:hiddenFill>
+            </a:ext>
+          </a:extLst>
+        </p:spPr>
+      </p:pic>
+      <p:sp>
+        <p:nvSpPr>
+          <p:cNvPr id="2" name="Titel 1"/>
+          <p:cNvSpPr>
+            <a:spLocks noGrp="1"/>
+          </p:cNvSpPr>
+          <p:nvPr>
+            <p:ph type="title"/>
+          </p:nvPr>
+        </p:nvSpPr>
+        <p:spPr/>
+        <p:txBody>
+          <a:bodyPr/>
+          <a:lstStyle/>
+          <a:p>
+            <a:r>
+              <a:rPr lang="de-CH" dirty="0"/>
+              <a:t>Prinzip von Queue</a:t>
+            </a:r>
+          </a:p>
+        </p:txBody>
+      </p:sp>
+      <p:sp>
+        <p:nvSpPr>
+          <p:cNvPr id="3" name="Inhaltsplatzhalter 2"/>
+          <p:cNvSpPr>
+            <a:spLocks noGrp="1"/>
+          </p:cNvSpPr>
+          <p:nvPr>
+            <p:ph idx="1"/>
+          </p:nvPr>
+        </p:nvSpPr>
+        <p:spPr/>
+        <p:txBody>
+          <a:bodyPr>
+            <a:normAutofit/>
+          </a:bodyPr>
+          <a:lstStyle/>
+          <a:p>
+            <a:pPr>
+              <a:lnSpc>
+                <a:spcPct val="150000"/>
+              </a:lnSpc>
+            </a:pPr>
+            <a:endParaRPr lang="de-CH" dirty="0"/>
+          </a:p>
+          <a:p>
+            <a:pPr>
+              <a:lnSpc>
+                <a:spcPct val="150000"/>
+              </a:lnSpc>
+            </a:pPr>
+            <a:r>
+              <a:rPr lang="de-CH" dirty="0"/>
+              <a:t>First in / First out (FIFO)</a:t>
+            </a:r>
+          </a:p>
+          <a:p>
+            <a:pPr>
+              <a:lnSpc>
+                <a:spcPct val="150000"/>
+              </a:lnSpc>
+            </a:pPr>
+            <a:r>
+              <a:rPr lang="de-CH" dirty="0"/>
+              <a:t>Statische Liste, in Heap gespeichert</a:t>
+            </a:r>
+          </a:p>
+          <a:p>
+            <a:pPr>
+              <a:lnSpc>
+                <a:spcPct val="150000"/>
+              </a:lnSpc>
+            </a:pPr>
+            <a:r>
+              <a:rPr lang="de-CH" dirty="0"/>
+              <a:t>Operationen: Erstellen, Löschen, Elemente anfügen und auslesen</a:t>
+            </a:r>
+          </a:p>
+          <a:p>
+            <a:pPr>
+              <a:lnSpc>
+                <a:spcPct val="150000"/>
+              </a:lnSpc>
+            </a:pPr>
+            <a:r>
+              <a:rPr lang="de-CH" dirty="0"/>
+              <a:t>Items </a:t>
+            </a:r>
+            <a:r>
+              <a:rPr lang="de-CH" dirty="0" err="1"/>
+              <a:t>by</a:t>
+            </a:r>
+            <a:r>
+              <a:rPr lang="de-CH" dirty="0"/>
+              <a:t> Value, not </a:t>
+            </a:r>
+            <a:r>
+              <a:rPr lang="de-CH" dirty="0" err="1"/>
+              <a:t>by</a:t>
+            </a:r>
+            <a:r>
+              <a:rPr lang="de-CH" dirty="0"/>
+              <a:t> </a:t>
+            </a:r>
+            <a:r>
+              <a:rPr lang="de-CH" dirty="0" err="1"/>
+              <a:t>reference</a:t>
+            </a:r>
+            <a:endParaRPr lang="de-CH" dirty="0"/>
+          </a:p>
+          <a:p>
+            <a:pPr marL="0" indent="0">
+              <a:lnSpc>
+                <a:spcPct val="150000"/>
+              </a:lnSpc>
+              <a:buNone/>
+            </a:pPr>
+            <a:r>
+              <a:rPr lang="de-CH" dirty="0"/>
+              <a:t>	</a:t>
+            </a:r>
+          </a:p>
+          <a:p>
+            <a:endParaRPr lang="de-CH" dirty="0"/>
+          </a:p>
+        </p:txBody>
+      </p:sp>
+    </p:spTree>
+    <p:extLst>
+      <p:ext uri="{BB962C8B-B14F-4D97-AF65-F5344CB8AC3E}">
+        <p14:creationId xmlns:p14="http://schemas.microsoft.com/office/powerpoint/2010/main" val="1434694948"/>
+      </p:ext>
+    </p:extLst>
+  </p:cSld>
+  <p:clrMapOvr>
+    <a:masterClrMapping/>
+  </p:clrMapOvr>
+</p:sld>
+</file>
+
+<file path=ppt/slides/slide4.xml><?xml version="1.0" encoding="utf-8"?>
+<p:sld xmlns:a="http://schemas.openxmlformats.org/drawingml/2006/main" xmlns:r="http://schemas.openxmlformats.org/officeDocument/2006/relationships" xmlns:p="http://schemas.openxmlformats.org/presentationml/2006/main">
+  <p:cSld>
+    <p:spTree>
+      <p:nvGrpSpPr>
+        <p:cNvPr id="1" name=""/>
+        <p:cNvGrpSpPr/>
+        <p:nvPr/>
+      </p:nvGrpSpPr>
+      <p:grpSpPr>
+        <a:xfrm>
+          <a:off x="0" y="0"/>
+          <a:ext cx="0" cy="0"/>
+          <a:chOff x="0" y="0"/>
+          <a:chExt cx="0" cy="0"/>
+        </a:xfrm>
+      </p:grpSpPr>
+      <p:sp>
+        <p:nvSpPr>
+          <p:cNvPr id="2" name="Titel 1"/>
+          <p:cNvSpPr>
+            <a:spLocks noGrp="1"/>
+          </p:cNvSpPr>
+          <p:nvPr>
+            <p:ph type="title"/>
+          </p:nvPr>
+        </p:nvSpPr>
+        <p:spPr/>
+        <p:txBody>
+          <a:bodyPr/>
+          <a:lstStyle/>
+          <a:p>
+            <a:r>
+              <a:rPr lang="de-CH" dirty="0"/>
+              <a:t>Hooks (Haken)</a:t>
+            </a:r>
+          </a:p>
+        </p:txBody>
+      </p:sp>
+      <p:sp>
+        <p:nvSpPr>
+          <p:cNvPr id="3" name="Inhaltsplatzhalter 2"/>
+          <p:cNvSpPr>
+            <a:spLocks noGrp="1"/>
+          </p:cNvSpPr>
+          <p:nvPr>
+            <p:ph idx="1"/>
+          </p:nvPr>
+        </p:nvSpPr>
+        <p:spPr/>
+        <p:txBody>
+          <a:bodyPr/>
+          <a:lstStyle/>
+          <a:p>
+            <a:pPr>
+              <a:lnSpc>
+                <a:spcPct val="150000"/>
+              </a:lnSpc>
+            </a:pPr>
+            <a:r>
+              <a:rPr lang="de-CH" dirty="0"/>
+              <a:t>Sind implementierte </a:t>
+            </a:r>
+            <a:r>
+              <a:rPr lang="de-CH" dirty="0" err="1"/>
+              <a:t>Callbacks</a:t>
+            </a:r>
+            <a:r>
+              <a:rPr lang="de-CH" dirty="0"/>
+              <a:t>, die vom RTOS bei Ereignisse aufgerufen werden</a:t>
+            </a:r>
+          </a:p>
+          <a:p>
+            <a:pPr>
+              <a:lnSpc>
+                <a:spcPct val="150000"/>
+              </a:lnSpc>
+            </a:pPr>
+            <a:r>
+              <a:rPr lang="de-CH" dirty="0"/>
+              <a:t>4 Hooks verfügbar: </a:t>
+            </a:r>
+            <a:r>
+              <a:rPr lang="de-CH" dirty="0" err="1"/>
+              <a:t>Idle</a:t>
+            </a:r>
+            <a:r>
+              <a:rPr lang="de-CH" dirty="0"/>
+              <a:t> Hook, Tick Hook, </a:t>
+            </a:r>
+            <a:r>
+              <a:rPr lang="de-CH" dirty="0" err="1"/>
+              <a:t>Malloc</a:t>
+            </a:r>
+            <a:r>
+              <a:rPr lang="de-CH" dirty="0"/>
+              <a:t> </a:t>
+            </a:r>
+            <a:r>
+              <a:rPr lang="de-CH" dirty="0" err="1"/>
+              <a:t>Failed</a:t>
+            </a:r>
+            <a:r>
+              <a:rPr lang="de-CH" dirty="0"/>
+              <a:t> Hook, Stack Overflow Hook</a:t>
+            </a:r>
+          </a:p>
+          <a:p>
+            <a:pPr>
+              <a:lnSpc>
+                <a:spcPct val="150000"/>
+              </a:lnSpc>
+            </a:pPr>
+            <a:r>
+              <a:rPr lang="de-CH" dirty="0"/>
+              <a:t>Einschalten in </a:t>
+            </a:r>
+            <a:r>
+              <a:rPr lang="de-CH" dirty="0" err="1"/>
+              <a:t>FRTOSConfig.h</a:t>
+            </a:r>
+            <a:r>
+              <a:rPr lang="de-CH" dirty="0"/>
+              <a:t> im Ordner </a:t>
+            </a:r>
+            <a:r>
+              <a:rPr lang="de-CH" dirty="0" err="1"/>
+              <a:t>Generated_Code</a:t>
+            </a:r>
+            <a:endParaRPr lang="de-CH" dirty="0"/>
+          </a:p>
+        </p:txBody>
+      </p:sp>
+    </p:spTree>
+    <p:extLst>
+      <p:ext uri="{BB962C8B-B14F-4D97-AF65-F5344CB8AC3E}">
+        <p14:creationId xmlns:p14="http://schemas.microsoft.com/office/powerpoint/2010/main" val="3144174657"/>
+      </p:ext>
+    </p:extLst>
+  </p:cSld>
+  <p:clrMapOvr>
+    <a:masterClrMapping/>
+  </p:clrMapOvr>
+</p:sld>
+</file>
+
+<file path=ppt/slides/slide5.xml><?xml version="1.0" encoding="utf-8"?>
+<p:sld xmlns:a="http://schemas.openxmlformats.org/drawingml/2006/main" xmlns:r="http://schemas.openxmlformats.org/officeDocument/2006/relationships" xmlns:p="http://schemas.openxmlformats.org/presentationml/2006/main">
+  <p:cSld>
+    <p:spTree>
+      <p:nvGrpSpPr>
+        <p:cNvPr id="1" name=""/>
+        <p:cNvGrpSpPr/>
+        <p:nvPr/>
+      </p:nvGrpSpPr>
+      <p:grpSpPr>
+        <a:xfrm>
+          <a:off x="0" y="0"/>
+          <a:ext cx="0" cy="0"/>
+          <a:chOff x="0" y="0"/>
+          <a:chExt cx="0" cy="0"/>
+        </a:xfrm>
+      </p:grpSpPr>
+      <p:sp>
+        <p:nvSpPr>
+          <p:cNvPr id="2" name="Titel 1"/>
+          <p:cNvSpPr>
+            <a:spLocks noGrp="1"/>
+          </p:cNvSpPr>
+          <p:nvPr>
+            <p:ph type="title"/>
+          </p:nvPr>
+        </p:nvSpPr>
+        <p:spPr/>
+        <p:txBody>
+          <a:bodyPr/>
+          <a:lstStyle/>
+          <a:p>
+            <a:r>
+              <a:rPr lang="de-CH" dirty="0" err="1"/>
+              <a:t>Idle</a:t>
+            </a:r>
+            <a:r>
+              <a:rPr lang="de-CH" dirty="0"/>
+              <a:t> Hook</a:t>
+            </a:r>
+          </a:p>
+        </p:txBody>
+      </p:sp>
+      <p:sp>
+        <p:nvSpPr>
+          <p:cNvPr id="3" name="Inhaltsplatzhalter 2"/>
+          <p:cNvSpPr>
+            <a:spLocks noGrp="1"/>
+          </p:cNvSpPr>
+          <p:nvPr>
+            <p:ph idx="1"/>
+          </p:nvPr>
+        </p:nvSpPr>
+        <p:spPr/>
+        <p:txBody>
+          <a:bodyPr/>
+          <a:lstStyle/>
+          <a:p>
+            <a:pPr>
+              <a:lnSpc>
+                <a:spcPct val="150000"/>
+              </a:lnSpc>
+            </a:pPr>
+            <a:r>
+              <a:rPr lang="de-CH" dirty="0"/>
+              <a:t>Wird aufgerufen, wenn kein Task abgearbeitet wird.</a:t>
+            </a:r>
+          </a:p>
+          <a:p>
+            <a:pPr>
+              <a:lnSpc>
+                <a:spcPct val="150000"/>
+              </a:lnSpc>
+            </a:pPr>
+            <a:r>
+              <a:rPr lang="de-CH" dirty="0"/>
+              <a:t>Ideal </a:t>
+            </a:r>
+            <a:r>
+              <a:rPr lang="de-CH" dirty="0" err="1"/>
+              <a:t>for</a:t>
+            </a:r>
+            <a:r>
+              <a:rPr lang="de-CH" dirty="0"/>
+              <a:t> </a:t>
+            </a:r>
+            <a:r>
+              <a:rPr lang="de-CH" dirty="0" err="1"/>
+              <a:t>low</a:t>
+            </a:r>
+            <a:r>
+              <a:rPr lang="de-CH" dirty="0"/>
+              <a:t>-power </a:t>
+            </a:r>
+            <a:r>
+              <a:rPr lang="de-CH" dirty="0" err="1"/>
+              <a:t>mode</a:t>
+            </a:r>
+            <a:endParaRPr lang="de-CH" dirty="0"/>
+          </a:p>
+          <a:p>
+            <a:pPr>
+              <a:lnSpc>
+                <a:spcPct val="150000"/>
+              </a:lnSpc>
+            </a:pPr>
+            <a:r>
+              <a:rPr lang="de-CH" dirty="0"/>
+              <a:t>Darf keine API Funktionen aufrufen</a:t>
+            </a:r>
+          </a:p>
+          <a:p>
+            <a:pPr>
+              <a:lnSpc>
+                <a:spcPct val="150000"/>
+              </a:lnSpc>
+            </a:pPr>
+            <a:endParaRPr lang="de-CH" dirty="0"/>
+          </a:p>
+          <a:p>
+            <a:endParaRPr lang="de-CH" dirty="0"/>
+          </a:p>
+        </p:txBody>
+      </p:sp>
+    </p:spTree>
+    <p:extLst>
+      <p:ext uri="{BB962C8B-B14F-4D97-AF65-F5344CB8AC3E}">
+        <p14:creationId xmlns:p14="http://schemas.microsoft.com/office/powerpoint/2010/main" val="866268992"/>
+      </p:ext>
+    </p:extLst>
+  </p:cSld>
+  <p:clrMapOvr>
+    <a:masterClrMapping/>
+  </p:clrMapOvr>
+</p:sld>
+</file>
+
+<file path=ppt/slides/slide6.xml><?xml version="1.0" encoding="utf-8"?>
+<p:sld xmlns:a="http://schemas.openxmlformats.org/drawingml/2006/main" xmlns:r="http://schemas.openxmlformats.org/officeDocument/2006/relationships" xmlns:p="http://schemas.openxmlformats.org/presentationml/2006/main">
+  <p:cSld>
+    <p:spTree>
+      <p:nvGrpSpPr>
+        <p:cNvPr id="1" name=""/>
+        <p:cNvGrpSpPr/>
+        <p:nvPr/>
+      </p:nvGrpSpPr>
+      <p:grpSpPr>
+        <a:xfrm>
+          <a:off x="0" y="0"/>
+          <a:ext cx="0" cy="0"/>
+          <a:chOff x="0" y="0"/>
+          <a:chExt cx="0" cy="0"/>
+        </a:xfrm>
+      </p:grpSpPr>
+      <p:sp>
+        <p:nvSpPr>
+          <p:cNvPr id="2" name="Titel 1"/>
+          <p:cNvSpPr>
+            <a:spLocks noGrp="1"/>
+          </p:cNvSpPr>
+          <p:nvPr>
+            <p:ph type="title"/>
+          </p:nvPr>
+        </p:nvSpPr>
+        <p:spPr/>
+        <p:txBody>
+          <a:bodyPr/>
+          <a:lstStyle/>
+          <a:p>
+            <a:r>
+              <a:rPr lang="de-CH" dirty="0"/>
+              <a:t>Tick Hook</a:t>
+            </a:r>
+          </a:p>
+        </p:txBody>
+      </p:sp>
+      <p:sp>
+        <p:nvSpPr>
+          <p:cNvPr id="3" name="Inhaltsplatzhalter 2"/>
+          <p:cNvSpPr>
+            <a:spLocks noGrp="1"/>
+          </p:cNvSpPr>
+          <p:nvPr>
+            <p:ph idx="1"/>
+          </p:nvPr>
+        </p:nvSpPr>
+        <p:spPr/>
+        <p:txBody>
+          <a:bodyPr/>
+          <a:lstStyle/>
+          <a:p>
+            <a:pPr>
+              <a:lnSpc>
+                <a:spcPct val="150000"/>
+              </a:lnSpc>
+            </a:pPr>
+            <a:r>
+              <a:rPr lang="de-CH" dirty="0"/>
+              <a:t>Von Tick </a:t>
+            </a:r>
+            <a:r>
+              <a:rPr lang="de-CH" dirty="0" err="1"/>
+              <a:t>interrupt</a:t>
+            </a:r>
+            <a:r>
+              <a:rPr lang="de-CH" dirty="0"/>
+              <a:t> aufgerufen</a:t>
+            </a:r>
+          </a:p>
+          <a:p>
+            <a:pPr>
+              <a:lnSpc>
+                <a:spcPct val="150000"/>
+              </a:lnSpc>
+            </a:pPr>
+            <a:r>
+              <a:rPr lang="de-CH" dirty="0"/>
+              <a:t>Kann als Alternative zum </a:t>
+            </a:r>
+            <a:r>
+              <a:rPr lang="de-CH" dirty="0" err="1"/>
+              <a:t>Timer</a:t>
+            </a:r>
+            <a:r>
+              <a:rPr lang="de-CH" dirty="0"/>
+              <a:t> verwendet werden</a:t>
+            </a:r>
+          </a:p>
+          <a:p>
+            <a:pPr>
+              <a:lnSpc>
+                <a:spcPct val="150000"/>
+              </a:lnSpc>
+            </a:pPr>
+            <a:r>
+              <a:rPr lang="de-CH" dirty="0"/>
+              <a:t>Trotzdem kurz halt, da von Interrupts aufgerufen wird</a:t>
+            </a:r>
+          </a:p>
+          <a:p>
+            <a:pPr>
+              <a:lnSpc>
+                <a:spcPct val="150000"/>
+              </a:lnSpc>
+            </a:pPr>
+            <a:r>
+              <a:rPr lang="de-CH" dirty="0"/>
+              <a:t>Nur von </a:t>
+            </a:r>
+            <a:r>
+              <a:rPr lang="de-CH" dirty="0" err="1"/>
+              <a:t>FromISR</a:t>
+            </a:r>
+            <a:r>
+              <a:rPr lang="de-CH" dirty="0"/>
+              <a:t>() RTOS API Funktionen können aufgerufen werden</a:t>
+            </a:r>
+          </a:p>
+        </p:txBody>
+      </p:sp>
+    </p:spTree>
+    <p:extLst>
+      <p:ext uri="{BB962C8B-B14F-4D97-AF65-F5344CB8AC3E}">
+        <p14:creationId xmlns:p14="http://schemas.microsoft.com/office/powerpoint/2010/main" val="2596234828"/>
+      </p:ext>
+    </p:extLst>
+  </p:cSld>
+  <p:clrMapOvr>
+    <a:masterClrMapping/>
+  </p:clrMapOvr>
+</p:sld>
+</file>
+
 <file path=ppt/slides/slide7.xml><?xml version="1.0" encoding="utf-8"?>
 <p:sld xmlns:a="http://schemas.openxmlformats.org/drawingml/2006/main" xmlns:r="http://schemas.openxmlformats.org/officeDocument/2006/relationships" xmlns:p="http://schemas.openxmlformats.org/presentationml/2006/main">
   <p:cSld>
@@ -4162,8 +5950,20 @@
           <a:lstStyle/>
           <a:p>
             <a:r>
-              <a:rPr lang="en-US"/>
-              <a:t>Quiz</a:t>
+              <a:rPr lang="de-CH" dirty="0" err="1"/>
+              <a:t>Malloc</a:t>
+            </a:r>
+            <a:r>
+              <a:rPr lang="de-CH" dirty="0"/>
+              <a:t> </a:t>
+            </a:r>
+            <a:r>
+              <a:rPr lang="de-CH" dirty="0" err="1"/>
+              <a:t>Failed</a:t>
+            </a:r>
+            <a:r>
+              <a:rPr lang="de-CH" dirty="0"/>
+              <a:t> Hook</a:t>
             </a:r>
           </a:p>
         </p:txBody>
@@ -4183,9 +5983,52 @@
           <a:bodyPr/>
           <a:lstStyle/>
           <a:p>
-            <a:r>
-              <a:rPr lang="en-US"/>
-              <a:t>QUIZ zu hooks, heap.......</a:t>
+            <a:pPr>
+              <a:lnSpc>
+                <a:spcPct val="150000"/>
+              </a:lnSpc>
+            </a:pPr>
+            <a:r>
+              <a:rPr lang="de-CH" dirty="0"/>
+              <a:t>Aufgerufen wenn </a:t>
+            </a:r>
+            <a:r>
+              <a:rPr lang="de-CH" dirty="0" err="1"/>
+              <a:t>memory</a:t>
+            </a:r>
+            <a:r>
+              <a:rPr lang="de-CH" dirty="0"/>
+              <a:t> </a:t>
+            </a:r>
+            <a:r>
+              <a:rPr lang="de-CH" dirty="0" err="1"/>
+              <a:t>allocation</a:t>
+            </a:r>
+            <a:r>
+              <a:rPr lang="de-CH" dirty="0"/>
+              <a:t> nicht erfolgreich war.</a:t>
+            </a:r>
+          </a:p>
+          <a:p>
+            <a:pPr>
+              <a:lnSpc>
+                <a:spcPct val="150000"/>
+              </a:lnSpc>
+            </a:pPr>
+            <a:r>
+              <a:rPr lang="de-CH" dirty="0"/>
+              <a:t>Nicht genügend Speicher im Heap</a:t>
+            </a:r>
+          </a:p>
+          <a:p>
+            <a:pPr>
+              <a:lnSpc>
+                <a:spcPct val="150000"/>
+              </a:lnSpc>
+            </a:pPr>
+            <a:r>
+              <a:rPr lang="de-CH" dirty="0"/>
+              <a:t>Evtl. Heap Size erhöhen</a:t>
             </a:r>
           </a:p>
         </p:txBody>
@@ -4193,7 +6036,7 @@
     </p:spTree>
     <p:extLst>
       <p:ext uri="{BB962C8B-B14F-4D97-AF65-F5344CB8AC3E}">
-        <p14:creationId xmlns:p14="http://schemas.microsoft.com/office/powerpoint/2010/main" val="3016164723"/>
+        <p14:creationId xmlns:p14="http://schemas.microsoft.com/office/powerpoint/2010/main" val="1462908135"/>
       </p:ext>
     </p:extLst>
   </p:cSld>
@@ -4236,8 +6079,24 @@
           <a:lstStyle/>
           <a:p>
             <a:r>
-              <a:rPr lang="en-US"/>
-              <a:t>Quiz</a:t>
+              <a:rPr lang="de-CH" dirty="0"/>
+              <a:t>Stack </a:t>
+            </a:r>
+            <a:r>
+              <a:rPr lang="de-CH" dirty="0" err="1"/>
+              <a:t>overflow</a:t>
+            </a:r>
+            <a:r>
+              <a:rPr lang="de-CH" dirty="0"/>
+              <a:t> </a:t>
+            </a:r>
+            <a:r>
+              <a:rPr lang="de-CH" dirty="0" err="1"/>
+              <a:t>Failed</a:t>
+            </a:r>
+            <a:r>
+              <a:rPr lang="de-CH" dirty="0"/>
+              <a:t> Hook</a:t>
             </a:r>
           </a:p>
         </p:txBody>
@@ -4254,97 +6113,58 @@
         </p:nvSpPr>
         <p:spPr/>
         <p:txBody>
-          <a:bodyPr>
-            <a:normAutofit lnSpcReduction="10000"/>
-          </a:bodyPr>
-          <a:lstStyle/>
-          <a:p>
-            <a:r>
-              <a:rPr lang="en-US"/>
-              <a:t>Q:</a:t>
-            </a:r>
-          </a:p>
-          <a:p>
-            <a:pPr marL="274320" lvl="1" indent="0">
-              <a:buNone/>
+          <a:bodyPr/>
+          <a:lstStyle/>
+          <a:p>
+            <a:pPr>
+              <a:lnSpc>
+                <a:spcPct val="150000"/>
+              </a:lnSpc>
             </a:pPr>
             <a:r>
-              <a:rPr lang="en-US"/>
-              <a:t>Obwohl Hillary sonst nicht sehr IT-begabt ist, hat sie es geschafft ihren Shell-Parser so zu erweitern, dass die Eingabe von “result” zur Ausgabe des Strings “VICTORY!!” führt. Nun möchte sie die Ausgabe als automatische Willkommensnachricht bei jedem Systemstart zu sehen bekommen.</a:t>
-            </a:r>
-          </a:p>
-          <a:p>
-            <a:pPr marL="274320" lvl="1" indent="0">
-              <a:buNone/>
+              <a:rPr lang="de-CH" dirty="0"/>
+              <a:t>Stack hat nicht genügend Speicher</a:t>
+            </a:r>
+          </a:p>
+          <a:p>
+            <a:pPr>
+              <a:lnSpc>
+                <a:spcPct val="150000"/>
+              </a:lnSpc>
             </a:pPr>
             <a:r>
-              <a:rPr lang="en-US"/>
-              <a:t>Welche der beiden folgenden Funktionen setzt sie dafür im ShellTask ein und warum?</a:t>
-            </a:r>
-          </a:p>
-          <a:p>
-            <a:pPr marL="274320" lvl="1" indent="0">
-              <a:buNone/>
+              <a:rPr lang="de-CH" dirty="0"/>
+              <a:t>Stack Pointer bei Taskwechsel überprüfen</a:t>
+            </a:r>
+          </a:p>
+          <a:p>
+            <a:pPr>
+              <a:lnSpc>
+                <a:spcPct val="150000"/>
+              </a:lnSpc>
             </a:pPr>
-            <a:endParaRPr lang="en-US"/>
-          </a:p>
-          <a:p>
-            <a:pPr marL="274320" lvl="1" indent="0">
-              <a:buNone/>
-            </a:pPr>
-            <a:r>
-              <a:rPr lang="en-US"/>
-              <a:t>CLS1_ParseWithCommandTable()</a:t>
-            </a:r>
-          </a:p>
-          <a:p>
-            <a:pPr marL="274320" lvl="1" indent="0">
-              <a:buNone/>
-            </a:pPr>
-            <a:endParaRPr lang="en-US"/>
-          </a:p>
-          <a:p>
-            <a:pPr marL="274320" lvl="1" indent="0">
-              <a:buNone/>
-            </a:pPr>
-            <a:r>
-              <a:rPr lang="en-US"/>
-              <a:t>	oder</a:t>
-            </a:r>
-          </a:p>
-          <a:p>
-            <a:pPr marL="274320" lvl="1" indent="0">
-              <a:buNone/>
-            </a:pPr>
-            <a:endParaRPr lang="en-US"/>
-          </a:p>
-          <a:p>
-            <a:pPr marL="274320" lvl="1" indent="0">
-              <a:buNone/>
-            </a:pPr>
-            <a:r>
-              <a:rPr lang="en-US"/>
-              <a:t>CLS1_ReadAndParseWithCommandTable()</a:t>
-            </a:r>
-          </a:p>
-          <a:p>
-            <a:pPr marL="274320" lvl="1" indent="0">
-              <a:buNone/>
-            </a:pPr>
-            <a:endParaRPr lang="en-US"/>
-          </a:p>
-          <a:p>
-            <a:pPr marL="274320" lvl="1" indent="0">
-              <a:buNone/>
-            </a:pPr>
-            <a:endParaRPr lang="en-US"/>
+            <a:r>
+              <a:rPr lang="de-CH" dirty="0"/>
+              <a:t>SP überprüfen und letzte 16 Bytes </a:t>
+            </a:r>
+            <a:r>
+              <a:rPr lang="de-CH" dirty="0" err="1"/>
+              <a:t>pattern</a:t>
+            </a:r>
+            <a:r>
+              <a:rPr lang="de-CH" dirty="0"/>
+              <a:t> überprüfen</a:t>
+            </a:r>
+          </a:p>
+          <a:p>
+            <a:endParaRPr lang="de-CH" dirty="0"/>
           </a:p>
         </p:txBody>
       </p:sp>
     </p:spTree>
     <p:extLst>
       <p:ext uri="{BB962C8B-B14F-4D97-AF65-F5344CB8AC3E}">
-        <p14:creationId xmlns:p14="http://schemas.microsoft.com/office/powerpoint/2010/main" val="1890198303"/>
+        <p14:creationId xmlns:p14="http://schemas.microsoft.com/office/powerpoint/2010/main" val="4091233464"/>
       </p:ext>
     </p:extLst>
   </p:cSld>
@@ -4387,8 +6207,8 @@
           <a:lstStyle/>
           <a:p>
             <a:r>
-              <a:rPr lang="en-US"/>
-              <a:t>Quiz</a:t>
+              <a:rPr lang="de-CH" dirty="0"/>
+              <a:t>Zusammenfassung</a:t>
             </a:r>
           </a:p>
         </p:txBody>
@@ -4408,59 +6228,60 @@
           <a:bodyPr/>
           <a:lstStyle/>
           <a:p>
-            <a:r>
-              <a:rPr lang="en-US"/>
-              <a:t>A:</a:t>
-            </a:r>
-          </a:p>
-          <a:p>
-            <a:pPr marL="274320" lvl="1" indent="0">
-              <a:buNone/>
+            <a:pPr>
+              <a:lnSpc>
+                <a:spcPct val="150000"/>
+              </a:lnSpc>
             </a:pPr>
             <a:r>
-              <a:rPr lang="en-US"/>
-              <a:t>CLS1_ParseWithCommandTable()</a:t>
-            </a:r>
-          </a:p>
-          <a:p>
-            <a:pPr marL="274320" lvl="1" indent="0">
-              <a:buNone/>
+              <a:rPr lang="de-CH" dirty="0"/>
+              <a:t>Hooks werden als Events verwendet um </a:t>
+            </a:r>
+            <a:r>
+              <a:rPr lang="de-CH" dirty="0" err="1"/>
+              <a:t>Application</a:t>
+            </a:r>
+            <a:r>
+              <a:rPr lang="de-CH" dirty="0"/>
+              <a:t> zu informieren</a:t>
+            </a:r>
+          </a:p>
+          <a:p>
+            <a:pPr>
+              <a:lnSpc>
+                <a:spcPct val="150000"/>
+              </a:lnSpc>
             </a:pPr>
-            <a:endParaRPr lang="en-US"/>
-          </a:p>
-          <a:p>
-            <a:pPr marL="274320" lvl="1" indent="0">
-              <a:buNone/>
+            <a:r>
+              <a:rPr lang="de-CH" dirty="0"/>
+              <a:t>Optional</a:t>
+            </a:r>
+          </a:p>
+          <a:p>
+            <a:pPr>
+              <a:lnSpc>
+                <a:spcPct val="150000"/>
+              </a:lnSpc>
             </a:pPr>
             <a:r>
-              <a:rPr lang="en-US"/>
-              <a:t>Übernimmt direkt einen String als Parameter, kein Auslesen der Konsolen-Eingabe, kein Buffer notwendig, nicht im for-loop des ShellTasks</a:t>
-            </a:r>
-          </a:p>
-          <a:p>
-            <a:pPr marL="274320" lvl="1" indent="0">
-              <a:buNone/>
-            </a:pPr>
-            <a:endParaRPr lang="en-US"/>
-          </a:p>
-          <a:p>
-            <a:pPr marL="274320" lvl="1" indent="0">
-              <a:buNone/>
-            </a:pPr>
-            <a:endParaRPr lang="en-US"/>
-          </a:p>
-          <a:p>
-            <a:pPr marL="274320" lvl="1" indent="0">
-              <a:buNone/>
-            </a:pPr>
-            <a:endParaRPr lang="en-US"/>
+              <a:rPr lang="de-CH" dirty="0"/>
+              <a:t>4 Hooks in </a:t>
+            </a:r>
+            <a:r>
+              <a:rPr lang="de-CH"/>
+              <a:t>FRTOS Komponente</a:t>
+            </a:r>
+            <a:endParaRPr lang="de-CH" dirty="0"/>
+          </a:p>
+          <a:p>
+            <a:endParaRPr lang="de-CH" dirty="0"/>
           </a:p>
         </p:txBody>
       </p:sp>
     </p:spTree>
     <p:extLst>
       <p:ext uri="{BB962C8B-B14F-4D97-AF65-F5344CB8AC3E}">
-        <p14:creationId xmlns:p14="http://schemas.microsoft.com/office/powerpoint/2010/main" val="3033504430"/>
+        <p14:creationId xmlns:p14="http://schemas.microsoft.com/office/powerpoint/2010/main" val="826249298"/>
       </p:ext>
     </p:extLst>
   </p:cSld>

--- a/Recap/ToroRecap.pptx
+++ b/Recap/ToroRecap.pptx
@@ -19,11 +19,13 @@
     <p:sldId id="260" r:id="rId13"/>
     <p:sldId id="261" r:id="rId14"/>
     <p:sldId id="275" r:id="rId15"/>
-    <p:sldId id="276" r:id="rId16"/>
-    <p:sldId id="266" r:id="rId17"/>
-    <p:sldId id="265" r:id="rId18"/>
-    <p:sldId id="262" r:id="rId19"/>
-    <p:sldId id="263" r:id="rId20"/>
+    <p:sldId id="277" r:id="rId16"/>
+    <p:sldId id="276" r:id="rId17"/>
+    <p:sldId id="278" r:id="rId18"/>
+    <p:sldId id="266" r:id="rId19"/>
+    <p:sldId id="265" r:id="rId20"/>
+    <p:sldId id="262" r:id="rId21"/>
+    <p:sldId id="263" r:id="rId22"/>
   </p:sldIdLst>
   <p:sldSz cx="9144000" cy="6858000" type="screen4x3"/>
   <p:notesSz cx="6858000" cy="9144000"/>
@@ -124,7 +126,7 @@
   </p:defaultTextStyle>
   <p:extLst>
     <p:ext uri="{EFAFB233-063F-42B5-8137-9DF3F51BA10A}">
-      <p15:sldGuideLst xmlns:p15="http://schemas.microsoft.com/office/powerpoint/2012/main">
+      <p15:sldGuideLst xmlns:p15="http://schemas.microsoft.com/office/powerpoint/2012/main" xmlns="">
         <p15:guide id="1" orient="horz" pos="2160">
           <p15:clr>
             <a:srgbClr val="A4A3A4"/>
@@ -329,7 +331,7 @@
           <a:p>
             <a:fld id="{C8A432C8-69A7-458B-9684-2BFA64B31948}" type="datetime2">
               <a:rPr lang="en-US" smtClean="0"/>
-              <a:t>Wednesday, November 9, 2016</a:t>
+              <a:t>Mittwoch, 9. November 16</a:t>
             </a:fld>
             <a:endParaRPr lang="en-US"/>
           </a:p>
@@ -529,7 +531,7 @@
           <a:p>
             <a:fld id="{8CC057FC-95B6-4D89-AFDA-ABA33EE921E5}" type="datetime2">
               <a:rPr lang="en-US" smtClean="0"/>
-              <a:t>Wednesday, November 9, 2016</a:t>
+              <a:t>Mittwoch, 9. November 16</a:t>
             </a:fld>
             <a:endParaRPr lang="en-US"/>
           </a:p>
@@ -706,7 +708,7 @@
           <a:p>
             <a:fld id="{EC4549AC-EB31-477F-92A9-B1988E232878}" type="datetime2">
               <a:rPr lang="en-US" smtClean="0"/>
-              <a:t>Wednesday, November 9, 2016</a:t>
+              <a:t>Mittwoch, 9. November 16</a:t>
             </a:fld>
             <a:endParaRPr lang="en-US"/>
           </a:p>
@@ -871,7 +873,7 @@
           <a:p>
             <a:fld id="{6396A3A3-94A6-4E5B-AF39-173ACA3E61CC}" type="datetime2">
               <a:rPr lang="en-US" smtClean="0"/>
-              <a:t>Wednesday, November 9, 2016</a:t>
+              <a:t>Mittwoch, 9. November 16</a:t>
             </a:fld>
             <a:endParaRPr lang="en-US"/>
           </a:p>
@@ -1121,7 +1123,7 @@
           <a:p>
             <a:fld id="{9933D019-A32C-4EAD-B8E6-DBDA699692FD}" type="datetime2">
               <a:rPr lang="en-US" smtClean="0"/>
-              <a:t>Wednesday, November 9, 2016</a:t>
+              <a:t>Mittwoch, 9. November 16</a:t>
             </a:fld>
             <a:endParaRPr lang="en-US"/>
           </a:p>
@@ -1440,7 +1442,7 @@
           <a:p>
             <a:fld id="{CCEBA98F-560C-4997-81C4-81D4D9187EAB}" type="datetime2">
               <a:rPr lang="en-US" smtClean="0"/>
-              <a:t>Wednesday, November 9, 2016</a:t>
+              <a:t>Mittwoch, 9. November 16</a:t>
             </a:fld>
             <a:endParaRPr lang="en-US"/>
           </a:p>
@@ -1908,7 +1910,7 @@
           <a:p>
             <a:fld id="{150972B2-CA5C-437D-87D0-8081271A9E4B}" type="datetime2">
               <a:rPr lang="en-US" smtClean="0"/>
-              <a:t>Wednesday, November 9, 2016</a:t>
+              <a:t>Mittwoch, 9. November 16</a:t>
             </a:fld>
             <a:endParaRPr lang="en-US"/>
           </a:p>
@@ -2057,7 +2059,7 @@
           <a:p>
             <a:fld id="{79CD4847-11EF-4466-A8AD-85CDB7B49118}" type="datetime2">
               <a:rPr lang="en-US" smtClean="0"/>
-              <a:t>Wednesday, November 9, 2016</a:t>
+              <a:t>Mittwoch, 9. November 16</a:t>
             </a:fld>
             <a:endParaRPr lang="en-US"/>
           </a:p>
@@ -2149,7 +2151,7 @@
           <a:p>
             <a:fld id="{F168457A-3AB9-4880-8A0C-9F8524491207}" type="datetime2">
               <a:rPr lang="en-US" smtClean="0"/>
-              <a:t>Wednesday, November 9, 2016</a:t>
+              <a:t>Mittwoch, 9. November 16</a:t>
             </a:fld>
             <a:endParaRPr lang="en-US"/>
           </a:p>
@@ -2425,7 +2427,7 @@
           <a:p>
             <a:fld id="{3FE976D3-5B7F-4300-ABED-C91F1B2AE209}" type="datetime2">
               <a:rPr lang="en-US" smtClean="0"/>
-              <a:t>Wednesday, November 9, 2016</a:t>
+              <a:t>Mittwoch, 9. November 16</a:t>
             </a:fld>
             <a:endParaRPr lang="en-US"/>
           </a:p>
@@ -2732,7 +2734,7 @@
           <a:p>
             <a:fld id="{EBDC1E59-17DD-41CE-97CA-624A472382D4}" type="datetime2">
               <a:rPr lang="en-US" smtClean="0"/>
-              <a:t>Wednesday, November 9, 2016</a:t>
+              <a:t>Mittwoch, 9. November 16</a:t>
             </a:fld>
             <a:endParaRPr lang="en-US"/>
           </a:p>
@@ -3031,7 +3033,7 @@
           <a:p>
             <a:fld id="{A80CB818-7379-467D-8E76-EF9D9074A26C}" type="datetime2">
               <a:rPr lang="en-US" smtClean="0"/>
-              <a:t>Wednesday, November 9, 2016</a:t>
+              <a:t>Mittwoch, 9. November 16</a:t>
             </a:fld>
             <a:endParaRPr lang="en-US" dirty="0"/>
           </a:p>
@@ -3966,79 +3968,6 @@
             <a:endParaRPr lang="en-US" dirty="0"/>
           </a:p>
           <a:p>
-            <a:endParaRPr lang="en-US" dirty="0"/>
-          </a:p>
-          <a:p>
-            <a:r>
-              <a:rPr lang="en-US" dirty="0"/>
-              <a:t>A: </a:t>
-            </a:r>
-            <a:r>
-              <a:rPr lang="en-US" dirty="0" err="1"/>
-              <a:t>Zur</a:t>
-            </a:r>
-            <a:r>
-              <a:rPr lang="en-US" dirty="0"/>
-              <a:t> </a:t>
-            </a:r>
-            <a:r>
-              <a:rPr lang="en-US" dirty="0" err="1"/>
-              <a:t>Kompilierzeit</a:t>
-            </a:r>
-            <a:r>
-              <a:rPr lang="en-US" dirty="0"/>
-              <a:t>. </a:t>
-            </a:r>
-            <a:r>
-              <a:rPr lang="en-US" dirty="0" err="1"/>
-              <a:t>Kann</a:t>
-            </a:r>
-            <a:r>
-              <a:rPr lang="en-US" dirty="0"/>
-              <a:t> </a:t>
-            </a:r>
-            <a:r>
-              <a:rPr lang="en-US" dirty="0" err="1"/>
-              <a:t>während</a:t>
-            </a:r>
-            <a:r>
-              <a:rPr lang="en-US" dirty="0"/>
-              <a:t> </a:t>
-            </a:r>
-            <a:r>
-              <a:rPr lang="en-US" dirty="0" err="1"/>
-              <a:t>Laufzeit</a:t>
-            </a:r>
-            <a:r>
-              <a:rPr lang="en-US" dirty="0"/>
-              <a:t> </a:t>
-            </a:r>
-            <a:r>
-              <a:rPr lang="en-US" dirty="0" err="1"/>
-              <a:t>nicht</a:t>
-            </a:r>
-            <a:r>
-              <a:rPr lang="en-US" dirty="0"/>
-              <a:t> </a:t>
-            </a:r>
-            <a:r>
-              <a:rPr lang="en-US" dirty="0" err="1"/>
-              <a:t>verändert</a:t>
-            </a:r>
-            <a:r>
-              <a:rPr lang="en-US" dirty="0"/>
-              <a:t> </a:t>
-            </a:r>
-            <a:r>
-              <a:rPr lang="en-US" dirty="0" err="1"/>
-              <a:t>werden</a:t>
-            </a:r>
-            <a:r>
-              <a:rPr lang="en-US" dirty="0"/>
-              <a:t>.</a:t>
-            </a:r>
-          </a:p>
-          <a:p>
             <a:pPr marL="274320" lvl="1" indent="0">
               <a:buNone/>
             </a:pPr>
@@ -4065,7 +3994,202 @@
   <p:timing>
     <p:tnLst>
       <p:par>
-        <p:cTn id="1" dur="indefinite" restart="never" nodeType="tmRoot">
+        <p:cTn xmlns:p14="http://schemas.microsoft.com/office/powerpoint/2010/main" id="1" dur="indefinite" restart="never" nodeType="tmRoot"/>
+      </p:par>
+    </p:tnLst>
+  </p:timing>
+</p:sld>
+</file>
+
+<file path=ppt/slides/slide15.xml><?xml version="1.0" encoding="utf-8"?>
+<p:sld xmlns:a="http://schemas.openxmlformats.org/drawingml/2006/main" xmlns:r="http://schemas.openxmlformats.org/officeDocument/2006/relationships" xmlns:p="http://schemas.openxmlformats.org/presentationml/2006/main">
+  <p:cSld>
+    <p:spTree>
+      <p:nvGrpSpPr>
+        <p:cNvPr id="1" name=""/>
+        <p:cNvGrpSpPr/>
+        <p:nvPr/>
+      </p:nvGrpSpPr>
+      <p:grpSpPr>
+        <a:xfrm>
+          <a:off x="0" y="0"/>
+          <a:ext cx="0" cy="0"/>
+          <a:chOff x="0" y="0"/>
+          <a:chExt cx="0" cy="0"/>
+        </a:xfrm>
+      </p:grpSpPr>
+      <p:sp>
+        <p:nvSpPr>
+          <p:cNvPr id="2" name="Titel 1"/>
+          <p:cNvSpPr>
+            <a:spLocks noGrp="1"/>
+          </p:cNvSpPr>
+          <p:nvPr>
+            <p:ph type="title"/>
+          </p:nvPr>
+        </p:nvSpPr>
+        <p:spPr/>
+        <p:txBody>
+          <a:bodyPr/>
+          <a:lstStyle/>
+          <a:p>
+            <a:r>
+              <a:rPr lang="en-US" dirty="0"/>
+              <a:t>Quiz Queue</a:t>
+            </a:r>
+          </a:p>
+        </p:txBody>
+      </p:sp>
+      <p:sp>
+        <p:nvSpPr>
+          <p:cNvPr id="3" name="Inhaltsplatzhalter 2"/>
+          <p:cNvSpPr>
+            <a:spLocks noGrp="1"/>
+          </p:cNvSpPr>
+          <p:nvPr>
+            <p:ph idx="1"/>
+          </p:nvPr>
+        </p:nvSpPr>
+        <p:spPr/>
+        <p:txBody>
+          <a:bodyPr>
+            <a:normAutofit/>
+          </a:bodyPr>
+          <a:lstStyle/>
+          <a:p>
+            <a:r>
+              <a:rPr lang="en-US" dirty="0"/>
+              <a:t>Q: </a:t>
+            </a:r>
+            <a:r>
+              <a:rPr lang="en-US" dirty="0" err="1"/>
+              <a:t>Wann</a:t>
+            </a:r>
+            <a:r>
+              <a:rPr lang="en-US" dirty="0"/>
+              <a:t> muss die </a:t>
+            </a:r>
+            <a:r>
+              <a:rPr lang="en-US" dirty="0" err="1"/>
+              <a:t>Grösse</a:t>
+            </a:r>
+            <a:r>
+              <a:rPr lang="en-US" dirty="0"/>
+              <a:t> der Queue </a:t>
+            </a:r>
+            <a:r>
+              <a:rPr lang="en-US" dirty="0" err="1"/>
+              <a:t>bekannt</a:t>
+            </a:r>
+            <a:r>
+              <a:rPr lang="en-US" dirty="0"/>
+              <a:t> sein?</a:t>
+            </a:r>
+          </a:p>
+          <a:p>
+            <a:endParaRPr lang="en-US" dirty="0"/>
+          </a:p>
+          <a:p>
+            <a:endParaRPr lang="en-US" dirty="0"/>
+          </a:p>
+          <a:p>
+            <a:r>
+              <a:rPr lang="en-US" dirty="0"/>
+              <a:t>A: </a:t>
+            </a:r>
+            <a:r>
+              <a:rPr lang="en-US" dirty="0" err="1"/>
+              <a:t>Zur</a:t>
+            </a:r>
+            <a:r>
+              <a:rPr lang="en-US" dirty="0"/>
+              <a:t> </a:t>
+            </a:r>
+            <a:r>
+              <a:rPr lang="en-US" dirty="0" err="1"/>
+              <a:t>Kompilierzeit</a:t>
+            </a:r>
+            <a:r>
+              <a:rPr lang="en-US" dirty="0"/>
+              <a:t>. </a:t>
+            </a:r>
+            <a:r>
+              <a:rPr lang="en-US" dirty="0" err="1"/>
+              <a:t>Kann</a:t>
+            </a:r>
+            <a:r>
+              <a:rPr lang="en-US" dirty="0"/>
+              <a:t> </a:t>
+            </a:r>
+            <a:r>
+              <a:rPr lang="en-US" dirty="0" err="1"/>
+              <a:t>während</a:t>
+            </a:r>
+            <a:r>
+              <a:rPr lang="en-US" dirty="0"/>
+              <a:t> </a:t>
+            </a:r>
+            <a:r>
+              <a:rPr lang="en-US" dirty="0" err="1"/>
+              <a:t>Laufzeit</a:t>
+            </a:r>
+            <a:r>
+              <a:rPr lang="en-US" dirty="0"/>
+              <a:t> </a:t>
+            </a:r>
+            <a:r>
+              <a:rPr lang="en-US" dirty="0" err="1"/>
+              <a:t>nicht</a:t>
+            </a:r>
+            <a:r>
+              <a:rPr lang="en-US" dirty="0"/>
+              <a:t> </a:t>
+            </a:r>
+            <a:r>
+              <a:rPr lang="en-US" dirty="0" err="1"/>
+              <a:t>verändert</a:t>
+            </a:r>
+            <a:r>
+              <a:rPr lang="en-US" dirty="0"/>
+              <a:t> </a:t>
+            </a:r>
+            <a:r>
+              <a:rPr lang="en-US" dirty="0" err="1"/>
+              <a:t>werden</a:t>
+            </a:r>
+            <a:r>
+              <a:rPr lang="en-US" dirty="0"/>
+              <a:t>.</a:t>
+            </a:r>
+          </a:p>
+          <a:p>
+            <a:pPr marL="274320" lvl="1" indent="0">
+              <a:buNone/>
+            </a:pPr>
+            <a:endParaRPr lang="en-US" dirty="0"/>
+          </a:p>
+          <a:p>
+            <a:pPr marL="274320" lvl="1" indent="0">
+              <a:buNone/>
+            </a:pPr>
+            <a:endParaRPr lang="en-US" dirty="0"/>
+          </a:p>
+        </p:txBody>
+      </p:sp>
+    </p:spTree>
+    <p:extLst>
+      <p:ext uri="{BB962C8B-B14F-4D97-AF65-F5344CB8AC3E}">
+        <p14:creationId xmlns:p14="http://schemas.microsoft.com/office/powerpoint/2010/main" val="1122517047"/>
+      </p:ext>
+    </p:extLst>
+  </p:cSld>
+  <p:clrMapOvr>
+    <a:masterClrMapping/>
+  </p:clrMapOvr>
+  <p:timing>
+    <p:tnLst>
+      <p:par>
+        <p:cTn xmlns:p14="http://schemas.microsoft.com/office/powerpoint/2010/main" id="1" dur="indefinite" restart="never" nodeType="tmRoot">
           <p:childTnLst>
             <p:seq concurrent="1" nextAc="seek">
               <p:cTn id="2" dur="indefinite" nodeType="mainSeq">
@@ -4141,13 +4265,13 @@
       </p:par>
     </p:tnLst>
     <p:bldLst>
-      <p:bldP spid="3" grpId="0" uiExpand="1" build="p"/>
+      <p:bldP spid="3" grpId="0" build="p"/>
     </p:bldLst>
   </p:timing>
 </p:sld>
 </file>
 
-<file path=ppt/slides/slide15.xml><?xml version="1.0" encoding="utf-8"?>
+<file path=ppt/slides/slide16.xml><?xml version="1.0" encoding="utf-8"?>
 <p:sld xmlns:a="http://schemas.openxmlformats.org/drawingml/2006/main" xmlns:r="http://schemas.openxmlformats.org/officeDocument/2006/relationships" xmlns:p="http://schemas.openxmlformats.org/presentationml/2006/main">
   <p:cSld>
     <p:spTree>
@@ -4244,63 +4368,6 @@
             <a:endParaRPr lang="en-US" dirty="0"/>
           </a:p>
           <a:p>
-            <a:endParaRPr lang="en-US" dirty="0"/>
-          </a:p>
-          <a:p>
-            <a:r>
-              <a:rPr lang="en-US" dirty="0"/>
-              <a:t>A: Callbacks in FRTOS, die </a:t>
-            </a:r>
-            <a:r>
-              <a:rPr lang="en-US" dirty="0" err="1"/>
-              <a:t>bei</a:t>
-            </a:r>
-            <a:r>
-              <a:rPr lang="en-US" dirty="0"/>
-              <a:t> </a:t>
-            </a:r>
-            <a:r>
-              <a:rPr lang="en-US" dirty="0" err="1"/>
-              <a:t>Ereignisse</a:t>
-            </a:r>
-            <a:r>
-              <a:rPr lang="en-US" dirty="0"/>
-              <a:t> (</a:t>
-            </a:r>
-            <a:r>
-              <a:rPr lang="en-US" dirty="0" err="1"/>
-              <a:t>bsp</a:t>
-            </a:r>
-            <a:r>
-              <a:rPr lang="en-US" dirty="0"/>
-              <a:t>. </a:t>
-            </a:r>
-            <a:r>
-              <a:rPr lang="en-US" dirty="0" err="1"/>
-              <a:t>StackOF</a:t>
-            </a:r>
-            <a:r>
-              <a:rPr lang="en-US" dirty="0"/>
-              <a:t>) </a:t>
-            </a:r>
-            <a:r>
-              <a:rPr lang="en-US" dirty="0" err="1"/>
-              <a:t>aufgerufen</a:t>
-            </a:r>
-            <a:r>
-              <a:rPr lang="en-US" dirty="0"/>
-              <a:t> </a:t>
-            </a:r>
-            <a:r>
-              <a:rPr lang="en-US" dirty="0" err="1"/>
-              <a:t>werden</a:t>
-            </a:r>
-            <a:r>
-              <a:rPr lang="en-US" dirty="0"/>
-              <a:t>. 4 Hooks.</a:t>
-            </a:r>
-          </a:p>
-          <a:p>
             <a:pPr marL="274320" lvl="1" indent="0">
               <a:buNone/>
             </a:pPr>
@@ -4327,7 +4394,194 @@
   <p:timing>
     <p:tnLst>
       <p:par>
-        <p:cTn id="1" dur="indefinite" restart="never" nodeType="tmRoot">
+        <p:cTn xmlns:p14="http://schemas.microsoft.com/office/powerpoint/2010/main" id="1" dur="indefinite" restart="never" nodeType="tmRoot"/>
+      </p:par>
+    </p:tnLst>
+  </p:timing>
+</p:sld>
+</file>
+
+<file path=ppt/slides/slide17.xml><?xml version="1.0" encoding="utf-8"?>
+<p:sld xmlns:a="http://schemas.openxmlformats.org/drawingml/2006/main" xmlns:r="http://schemas.openxmlformats.org/officeDocument/2006/relationships" xmlns:p="http://schemas.openxmlformats.org/presentationml/2006/main">
+  <p:cSld>
+    <p:spTree>
+      <p:nvGrpSpPr>
+        <p:cNvPr id="1" name=""/>
+        <p:cNvGrpSpPr/>
+        <p:nvPr/>
+      </p:nvGrpSpPr>
+      <p:grpSpPr>
+        <a:xfrm>
+          <a:off x="0" y="0"/>
+          <a:ext cx="0" cy="0"/>
+          <a:chOff x="0" y="0"/>
+          <a:chExt cx="0" cy="0"/>
+        </a:xfrm>
+      </p:grpSpPr>
+      <p:sp>
+        <p:nvSpPr>
+          <p:cNvPr id="2" name="Titel 1"/>
+          <p:cNvSpPr>
+            <a:spLocks noGrp="1"/>
+          </p:cNvSpPr>
+          <p:nvPr>
+            <p:ph type="title"/>
+          </p:nvPr>
+        </p:nvSpPr>
+        <p:spPr/>
+        <p:txBody>
+          <a:bodyPr/>
+          <a:lstStyle/>
+          <a:p>
+            <a:r>
+              <a:rPr lang="en-US" dirty="0"/>
+              <a:t>Quiz Hook</a:t>
+            </a:r>
+          </a:p>
+        </p:txBody>
+      </p:sp>
+      <p:sp>
+        <p:nvSpPr>
+          <p:cNvPr id="3" name="Inhaltsplatzhalter 2"/>
+          <p:cNvSpPr>
+            <a:spLocks noGrp="1"/>
+          </p:cNvSpPr>
+          <p:nvPr>
+            <p:ph idx="1"/>
+          </p:nvPr>
+        </p:nvSpPr>
+        <p:spPr/>
+        <p:txBody>
+          <a:bodyPr>
+            <a:normAutofit/>
+          </a:bodyPr>
+          <a:lstStyle/>
+          <a:p>
+            <a:r>
+              <a:rPr lang="en-US" dirty="0"/>
+              <a:t>Q: Was </a:t>
+            </a:r>
+            <a:r>
+              <a:rPr lang="en-US" dirty="0" err="1"/>
+              <a:t>sind</a:t>
+            </a:r>
+            <a:r>
+              <a:rPr lang="en-US" dirty="0"/>
+              <a:t> Hooks? Und </a:t>
+            </a:r>
+            <a:r>
+              <a:rPr lang="en-US" dirty="0" err="1"/>
+              <a:t>wieviele</a:t>
+            </a:r>
+            <a:r>
+              <a:rPr lang="en-US" dirty="0"/>
+              <a:t> </a:t>
+            </a:r>
+            <a:r>
+              <a:rPr lang="en-US" dirty="0" err="1"/>
+              <a:t>gibt</a:t>
+            </a:r>
+            <a:r>
+              <a:rPr lang="en-US" dirty="0"/>
+              <a:t> </a:t>
+            </a:r>
+            <a:r>
+              <a:rPr lang="en-US" dirty="0" err="1"/>
+              <a:t>es</a:t>
+            </a:r>
+            <a:r>
+              <a:rPr lang="en-US" dirty="0"/>
+              <a:t>?</a:t>
+            </a:r>
+          </a:p>
+          <a:p>
+            <a:endParaRPr lang="en-US" dirty="0"/>
+          </a:p>
+          <a:p>
+            <a:endParaRPr lang="en-US" dirty="0"/>
+          </a:p>
+          <a:p>
+            <a:r>
+              <a:rPr lang="en-US" dirty="0"/>
+              <a:t>A: Callbacks in FRTOS, die </a:t>
+            </a:r>
+            <a:r>
+              <a:rPr lang="en-US" dirty="0" err="1"/>
+              <a:t>bei</a:t>
+            </a:r>
+            <a:r>
+              <a:rPr lang="en-US" dirty="0"/>
+              <a:t> </a:t>
+            </a:r>
+            <a:r>
+              <a:rPr lang="en-US" dirty="0" err="1"/>
+              <a:t>Ereignisse</a:t>
+            </a:r>
+            <a:r>
+              <a:rPr lang="en-US" dirty="0"/>
+              <a:t> (</a:t>
+            </a:r>
+            <a:r>
+              <a:rPr lang="en-US" dirty="0" err="1"/>
+              <a:t>bsp</a:t>
+            </a:r>
+            <a:r>
+              <a:rPr lang="en-US" dirty="0"/>
+              <a:t>. </a:t>
+            </a:r>
+            <a:r>
+              <a:rPr lang="en-US" dirty="0" err="1"/>
+              <a:t>StackOF</a:t>
+            </a:r>
+            <a:r>
+              <a:rPr lang="en-US" dirty="0"/>
+              <a:t>) </a:t>
+            </a:r>
+            <a:r>
+              <a:rPr lang="en-US" dirty="0" err="1"/>
+              <a:t>aufgerufen</a:t>
+            </a:r>
+            <a:r>
+              <a:rPr lang="en-US" dirty="0"/>
+              <a:t> </a:t>
+            </a:r>
+            <a:r>
+              <a:rPr lang="en-US" dirty="0" err="1"/>
+              <a:t>werden</a:t>
+            </a:r>
+            <a:r>
+              <a:rPr lang="en-US" dirty="0"/>
+              <a:t>. 4 Hooks.</a:t>
+            </a:r>
+          </a:p>
+          <a:p>
+            <a:pPr marL="274320" lvl="1" indent="0">
+              <a:buNone/>
+            </a:pPr>
+            <a:endParaRPr lang="en-US" dirty="0"/>
+          </a:p>
+          <a:p>
+            <a:pPr marL="274320" lvl="1" indent="0">
+              <a:buNone/>
+            </a:pPr>
+            <a:endParaRPr lang="en-US" dirty="0"/>
+          </a:p>
+        </p:txBody>
+      </p:sp>
+    </p:spTree>
+    <p:extLst>
+      <p:ext uri="{BB962C8B-B14F-4D97-AF65-F5344CB8AC3E}">
+        <p14:creationId xmlns:p14="http://schemas.microsoft.com/office/powerpoint/2010/main" val="1147584356"/>
+      </p:ext>
+    </p:extLst>
+  </p:cSld>
+  <p:clrMapOvr>
+    <a:masterClrMapping/>
+  </p:clrMapOvr>
+  <p:timing>
+    <p:tnLst>
+      <p:par>
+        <p:cTn xmlns:p14="http://schemas.microsoft.com/office/powerpoint/2010/main" id="1" dur="indefinite" restart="never" nodeType="tmRoot">
           <p:childTnLst>
             <p:seq concurrent="1" nextAc="seek">
               <p:cTn id="2" dur="indefinite" nodeType="mainSeq">
@@ -4406,591 +4660,6 @@
 </p:sld>
 </file>
 
-<file path=ppt/slides/slide16.xml><?xml version="1.0" encoding="utf-8"?>
-<p:sld xmlns:a="http://schemas.openxmlformats.org/drawingml/2006/main" xmlns:r="http://schemas.openxmlformats.org/officeDocument/2006/relationships" xmlns:p="http://schemas.openxmlformats.org/presentationml/2006/main">
-  <p:cSld>
-    <p:spTree>
-      <p:nvGrpSpPr>
-        <p:cNvPr id="1" name=""/>
-        <p:cNvGrpSpPr/>
-        <p:nvPr/>
-      </p:nvGrpSpPr>
-      <p:grpSpPr>
-        <a:xfrm>
-          <a:off x="0" y="0"/>
-          <a:ext cx="0" cy="0"/>
-          <a:chOff x="0" y="0"/>
-          <a:chExt cx="0" cy="0"/>
-        </a:xfrm>
-      </p:grpSpPr>
-      <p:sp>
-        <p:nvSpPr>
-          <p:cNvPr id="2" name="Titel 1"/>
-          <p:cNvSpPr>
-            <a:spLocks noGrp="1"/>
-          </p:cNvSpPr>
-          <p:nvPr>
-            <p:ph type="title"/>
-          </p:nvPr>
-        </p:nvSpPr>
-        <p:spPr/>
-        <p:txBody>
-          <a:bodyPr/>
-          <a:lstStyle/>
-          <a:p>
-            <a:r>
-              <a:rPr lang="en-US" dirty="0"/>
-              <a:t>Quiz Shell</a:t>
-            </a:r>
-          </a:p>
-        </p:txBody>
-      </p:sp>
-      <p:sp>
-        <p:nvSpPr>
-          <p:cNvPr id="3" name="Inhaltsplatzhalter 2"/>
-          <p:cNvSpPr>
-            <a:spLocks noGrp="1"/>
-          </p:cNvSpPr>
-          <p:nvPr>
-            <p:ph idx="1"/>
-          </p:nvPr>
-        </p:nvSpPr>
-        <p:spPr/>
-        <p:txBody>
-          <a:bodyPr>
-            <a:normAutofit lnSpcReduction="10000"/>
-          </a:bodyPr>
-          <a:lstStyle/>
-          <a:p>
-            <a:r>
-              <a:rPr lang="en-US" dirty="0"/>
-              <a:t>Q:</a:t>
-            </a:r>
-          </a:p>
-          <a:p>
-            <a:pPr marL="274320" lvl="1" indent="0">
-              <a:buNone/>
-            </a:pPr>
-            <a:r>
-              <a:rPr lang="en-US" dirty="0" err="1"/>
-              <a:t>Obwohl</a:t>
-            </a:r>
-            <a:r>
-              <a:rPr lang="en-US" dirty="0"/>
-              <a:t> Hillary </a:t>
-            </a:r>
-            <a:r>
-              <a:rPr lang="en-US" dirty="0" err="1"/>
-              <a:t>sonst</a:t>
-            </a:r>
-            <a:r>
-              <a:rPr lang="en-US" dirty="0"/>
-              <a:t> </a:t>
-            </a:r>
-            <a:r>
-              <a:rPr lang="en-US" dirty="0" err="1"/>
-              <a:t>nicht</a:t>
-            </a:r>
-            <a:r>
-              <a:rPr lang="en-US" dirty="0"/>
-              <a:t> </a:t>
-            </a:r>
-            <a:r>
-              <a:rPr lang="en-US" dirty="0" err="1"/>
-              <a:t>sehr</a:t>
-            </a:r>
-            <a:r>
-              <a:rPr lang="en-US" dirty="0"/>
-              <a:t> IT-</a:t>
-            </a:r>
-            <a:r>
-              <a:rPr lang="en-US" dirty="0" err="1"/>
-              <a:t>begabt</a:t>
-            </a:r>
-            <a:r>
-              <a:rPr lang="en-US" dirty="0"/>
-              <a:t> </a:t>
-            </a:r>
-            <a:r>
-              <a:rPr lang="en-US" dirty="0" err="1"/>
-              <a:t>ist</a:t>
-            </a:r>
-            <a:r>
-              <a:rPr lang="en-US" dirty="0"/>
-              <a:t>, hat </a:t>
-            </a:r>
-            <a:r>
-              <a:rPr lang="en-US" dirty="0" err="1"/>
-              <a:t>sie</a:t>
-            </a:r>
-            <a:r>
-              <a:rPr lang="en-US" dirty="0"/>
-              <a:t> </a:t>
-            </a:r>
-            <a:r>
-              <a:rPr lang="en-US" dirty="0" err="1"/>
-              <a:t>es</a:t>
-            </a:r>
-            <a:r>
-              <a:rPr lang="en-US" dirty="0"/>
-              <a:t> </a:t>
-            </a:r>
-            <a:r>
-              <a:rPr lang="en-US" dirty="0" err="1"/>
-              <a:t>geschafft</a:t>
-            </a:r>
-            <a:r>
-              <a:rPr lang="en-US" dirty="0"/>
-              <a:t> </a:t>
-            </a:r>
-            <a:r>
-              <a:rPr lang="en-US" dirty="0" err="1"/>
-              <a:t>ihren</a:t>
-            </a:r>
-            <a:r>
-              <a:rPr lang="en-US" dirty="0"/>
-              <a:t> Shell-Parser so </a:t>
-            </a:r>
-            <a:r>
-              <a:rPr lang="en-US" dirty="0" err="1"/>
-              <a:t>zu</a:t>
-            </a:r>
-            <a:r>
-              <a:rPr lang="en-US" dirty="0"/>
-              <a:t> </a:t>
-            </a:r>
-            <a:r>
-              <a:rPr lang="en-US" dirty="0" err="1"/>
-              <a:t>erweitern</a:t>
-            </a:r>
-            <a:r>
-              <a:rPr lang="en-US" dirty="0"/>
-              <a:t>, </a:t>
-            </a:r>
-            <a:r>
-              <a:rPr lang="en-US" dirty="0" err="1"/>
-              <a:t>dass</a:t>
-            </a:r>
-            <a:r>
-              <a:rPr lang="en-US" dirty="0"/>
-              <a:t> die </a:t>
-            </a:r>
-            <a:r>
-              <a:rPr lang="en-US" dirty="0" err="1"/>
-              <a:t>Eingabe</a:t>
-            </a:r>
-            <a:r>
-              <a:rPr lang="en-US" dirty="0"/>
-              <a:t> von “result” </a:t>
-            </a:r>
-            <a:r>
-              <a:rPr lang="en-US" dirty="0" err="1"/>
-              <a:t>zur</a:t>
-            </a:r>
-            <a:r>
-              <a:rPr lang="en-US" dirty="0"/>
-              <a:t> </a:t>
-            </a:r>
-            <a:r>
-              <a:rPr lang="en-US" dirty="0" err="1"/>
-              <a:t>Ausgabe</a:t>
-            </a:r>
-            <a:r>
-              <a:rPr lang="en-US" dirty="0"/>
-              <a:t> des Strings “VICTORY!!” </a:t>
-            </a:r>
-            <a:r>
-              <a:rPr lang="en-US" dirty="0" err="1"/>
-              <a:t>führt</a:t>
-            </a:r>
-            <a:r>
-              <a:rPr lang="en-US" dirty="0"/>
-              <a:t>. Nun </a:t>
-            </a:r>
-            <a:r>
-              <a:rPr lang="en-US" dirty="0" err="1"/>
-              <a:t>möchte</a:t>
-            </a:r>
-            <a:r>
-              <a:rPr lang="en-US" dirty="0"/>
-              <a:t> </a:t>
-            </a:r>
-            <a:r>
-              <a:rPr lang="en-US" dirty="0" err="1"/>
-              <a:t>sie</a:t>
-            </a:r>
-            <a:r>
-              <a:rPr lang="en-US" dirty="0"/>
-              <a:t> die </a:t>
-            </a:r>
-            <a:r>
-              <a:rPr lang="en-US" dirty="0" err="1"/>
-              <a:t>Ausgabe</a:t>
-            </a:r>
-            <a:r>
-              <a:rPr lang="en-US" dirty="0"/>
-              <a:t> </a:t>
-            </a:r>
-            <a:r>
-              <a:rPr lang="en-US" dirty="0" err="1"/>
-              <a:t>als</a:t>
-            </a:r>
-            <a:r>
-              <a:rPr lang="en-US" dirty="0"/>
-              <a:t> </a:t>
-            </a:r>
-            <a:r>
-              <a:rPr lang="en-US" dirty="0" err="1"/>
-              <a:t>automatische</a:t>
-            </a:r>
-            <a:r>
-              <a:rPr lang="en-US" dirty="0"/>
-              <a:t> </a:t>
-            </a:r>
-            <a:r>
-              <a:rPr lang="en-US" dirty="0" err="1"/>
-              <a:t>Willkommensnachricht</a:t>
-            </a:r>
-            <a:r>
-              <a:rPr lang="en-US" dirty="0"/>
-              <a:t> </a:t>
-            </a:r>
-            <a:r>
-              <a:rPr lang="en-US" dirty="0" err="1"/>
-              <a:t>bei</a:t>
-            </a:r>
-            <a:r>
-              <a:rPr lang="en-US" dirty="0"/>
-              <a:t> </a:t>
-            </a:r>
-            <a:r>
-              <a:rPr lang="en-US" dirty="0" err="1"/>
-              <a:t>jedem</a:t>
-            </a:r>
-            <a:r>
-              <a:rPr lang="en-US" dirty="0"/>
-              <a:t> </a:t>
-            </a:r>
-            <a:r>
-              <a:rPr lang="en-US" dirty="0" err="1"/>
-              <a:t>Systemstart</a:t>
-            </a:r>
-            <a:r>
-              <a:rPr lang="en-US" dirty="0"/>
-              <a:t> </a:t>
-            </a:r>
-            <a:r>
-              <a:rPr lang="en-US" dirty="0" err="1"/>
-              <a:t>zu</a:t>
-            </a:r>
-            <a:r>
-              <a:rPr lang="en-US" dirty="0"/>
-              <a:t> </a:t>
-            </a:r>
-            <a:r>
-              <a:rPr lang="en-US" dirty="0" err="1"/>
-              <a:t>sehen</a:t>
-            </a:r>
-            <a:r>
-              <a:rPr lang="en-US" dirty="0"/>
-              <a:t> </a:t>
-            </a:r>
-            <a:r>
-              <a:rPr lang="en-US" dirty="0" err="1"/>
-              <a:t>bekommen</a:t>
-            </a:r>
-            <a:r>
-              <a:rPr lang="en-US" dirty="0"/>
-              <a:t>.</a:t>
-            </a:r>
-          </a:p>
-          <a:p>
-            <a:pPr marL="274320" lvl="1" indent="0">
-              <a:buNone/>
-            </a:pPr>
-            <a:r>
-              <a:rPr lang="en-US" dirty="0" err="1"/>
-              <a:t>Welche</a:t>
-            </a:r>
-            <a:r>
-              <a:rPr lang="en-US" dirty="0"/>
-              <a:t> der </a:t>
-            </a:r>
-            <a:r>
-              <a:rPr lang="en-US" dirty="0" err="1"/>
-              <a:t>beiden</a:t>
-            </a:r>
-            <a:r>
-              <a:rPr lang="en-US" dirty="0"/>
-              <a:t> </a:t>
-            </a:r>
-            <a:r>
-              <a:rPr lang="en-US" dirty="0" err="1"/>
-              <a:t>folgenden</a:t>
-            </a:r>
-            <a:r>
-              <a:rPr lang="en-US" dirty="0"/>
-              <a:t> </a:t>
-            </a:r>
-            <a:r>
-              <a:rPr lang="en-US" dirty="0" err="1"/>
-              <a:t>Funktionen</a:t>
-            </a:r>
-            <a:r>
-              <a:rPr lang="en-US" dirty="0"/>
-              <a:t> </a:t>
-            </a:r>
-            <a:r>
-              <a:rPr lang="en-US" dirty="0" err="1"/>
-              <a:t>setzt</a:t>
-            </a:r>
-            <a:r>
-              <a:rPr lang="en-US" dirty="0"/>
-              <a:t> </a:t>
-            </a:r>
-            <a:r>
-              <a:rPr lang="en-US" dirty="0" err="1"/>
-              <a:t>sie</a:t>
-            </a:r>
-            <a:r>
-              <a:rPr lang="en-US" dirty="0"/>
-              <a:t> </a:t>
-            </a:r>
-            <a:r>
-              <a:rPr lang="en-US" dirty="0" err="1"/>
-              <a:t>dafür</a:t>
-            </a:r>
-            <a:r>
-              <a:rPr lang="en-US" dirty="0"/>
-              <a:t> </a:t>
-            </a:r>
-            <a:r>
-              <a:rPr lang="en-US" dirty="0" err="1"/>
-              <a:t>im</a:t>
-            </a:r>
-            <a:r>
-              <a:rPr lang="en-US" dirty="0"/>
-              <a:t> </a:t>
-            </a:r>
-            <a:r>
-              <a:rPr lang="en-US" dirty="0" err="1"/>
-              <a:t>ShellTask</a:t>
-            </a:r>
-            <a:r>
-              <a:rPr lang="en-US" dirty="0"/>
-              <a:t> </a:t>
-            </a:r>
-            <a:r>
-              <a:rPr lang="en-US" dirty="0" err="1"/>
-              <a:t>ein</a:t>
-            </a:r>
-            <a:r>
-              <a:rPr lang="en-US" dirty="0"/>
-              <a:t> und </a:t>
-            </a:r>
-            <a:r>
-              <a:rPr lang="en-US" dirty="0" err="1"/>
-              <a:t>warum</a:t>
-            </a:r>
-            <a:r>
-              <a:rPr lang="en-US" dirty="0"/>
-              <a:t>?</a:t>
-            </a:r>
-          </a:p>
-          <a:p>
-            <a:pPr marL="274320" lvl="1" indent="0">
-              <a:buNone/>
-            </a:pPr>
-            <a:endParaRPr lang="en-US" dirty="0"/>
-          </a:p>
-          <a:p>
-            <a:pPr marL="274320" lvl="1" indent="0">
-              <a:buNone/>
-            </a:pPr>
-            <a:r>
-              <a:rPr lang="en-US" dirty="0"/>
-              <a:t>CLS1_ParseWithCommandTable()</a:t>
-            </a:r>
-          </a:p>
-          <a:p>
-            <a:pPr marL="274320" lvl="1" indent="0">
-              <a:buNone/>
-            </a:pPr>
-            <a:endParaRPr lang="en-US" dirty="0"/>
-          </a:p>
-          <a:p>
-            <a:pPr marL="274320" lvl="1" indent="0">
-              <a:buNone/>
-            </a:pPr>
-            <a:r>
-              <a:rPr lang="en-US" dirty="0"/>
-              <a:t>	</a:t>
-            </a:r>
-            <a:r>
-              <a:rPr lang="en-US" dirty="0" err="1"/>
-              <a:t>oder</a:t>
-            </a:r>
-            <a:endParaRPr lang="en-US" dirty="0"/>
-          </a:p>
-          <a:p>
-            <a:pPr marL="274320" lvl="1" indent="0">
-              <a:buNone/>
-            </a:pPr>
-            <a:endParaRPr lang="en-US" dirty="0"/>
-          </a:p>
-          <a:p>
-            <a:pPr marL="274320" lvl="1" indent="0">
-              <a:buNone/>
-            </a:pPr>
-            <a:r>
-              <a:rPr lang="en-US" dirty="0"/>
-              <a:t>CLS1_ReadAndParseWithCommandTable()</a:t>
-            </a:r>
-          </a:p>
-          <a:p>
-            <a:pPr marL="274320" lvl="1" indent="0">
-              <a:buNone/>
-            </a:pPr>
-            <a:endParaRPr lang="en-US" dirty="0"/>
-          </a:p>
-          <a:p>
-            <a:pPr marL="274320" lvl="1" indent="0">
-              <a:buNone/>
-            </a:pPr>
-            <a:endParaRPr lang="en-US" dirty="0"/>
-          </a:p>
-        </p:txBody>
-      </p:sp>
-    </p:spTree>
-    <p:extLst>
-      <p:ext uri="{BB962C8B-B14F-4D97-AF65-F5344CB8AC3E}">
-        <p14:creationId xmlns:p14="http://schemas.microsoft.com/office/powerpoint/2010/main" val="1890198303"/>
-      </p:ext>
-    </p:extLst>
-  </p:cSld>
-  <p:clrMapOvr>
-    <a:masterClrMapping/>
-  </p:clrMapOvr>
-</p:sld>
-</file>
-
-<file path=ppt/slides/slide17.xml><?xml version="1.0" encoding="utf-8"?>
-<p:sld xmlns:a="http://schemas.openxmlformats.org/drawingml/2006/main" xmlns:r="http://schemas.openxmlformats.org/officeDocument/2006/relationships" xmlns:p="http://schemas.openxmlformats.org/presentationml/2006/main">
-  <p:cSld>
-    <p:spTree>
-      <p:nvGrpSpPr>
-        <p:cNvPr id="1" name=""/>
-        <p:cNvGrpSpPr/>
-        <p:nvPr/>
-      </p:nvGrpSpPr>
-      <p:grpSpPr>
-        <a:xfrm>
-          <a:off x="0" y="0"/>
-          <a:ext cx="0" cy="0"/>
-          <a:chOff x="0" y="0"/>
-          <a:chExt cx="0" cy="0"/>
-        </a:xfrm>
-      </p:grpSpPr>
-      <p:sp>
-        <p:nvSpPr>
-          <p:cNvPr id="2" name="Titel 1"/>
-          <p:cNvSpPr>
-            <a:spLocks noGrp="1"/>
-          </p:cNvSpPr>
-          <p:nvPr>
-            <p:ph type="title"/>
-          </p:nvPr>
-        </p:nvSpPr>
-        <p:spPr/>
-        <p:txBody>
-          <a:bodyPr/>
-          <a:lstStyle/>
-          <a:p>
-            <a:r>
-              <a:rPr lang="en-US" dirty="0"/>
-              <a:t>Quiz Shell</a:t>
-            </a:r>
-            <a:endParaRPr lang="en-US" dirty="0"/>
-          </a:p>
-        </p:txBody>
-      </p:sp>
-      <p:sp>
-        <p:nvSpPr>
-          <p:cNvPr id="3" name="Inhaltsplatzhalter 2"/>
-          <p:cNvSpPr>
-            <a:spLocks noGrp="1"/>
-          </p:cNvSpPr>
-          <p:nvPr>
-            <p:ph idx="1"/>
-          </p:nvPr>
-        </p:nvSpPr>
-        <p:spPr/>
-        <p:txBody>
-          <a:bodyPr/>
-          <a:lstStyle/>
-          <a:p>
-            <a:r>
-              <a:rPr lang="en-US"/>
-              <a:t>A:</a:t>
-            </a:r>
-          </a:p>
-          <a:p>
-            <a:pPr marL="274320" lvl="1" indent="0">
-              <a:buNone/>
-            </a:pPr>
-            <a:r>
-              <a:rPr lang="en-US"/>
-              <a:t>CLS1_ParseWithCommandTable()</a:t>
-            </a:r>
-          </a:p>
-          <a:p>
-            <a:pPr marL="274320" lvl="1" indent="0">
-              <a:buNone/>
-            </a:pPr>
-            <a:endParaRPr lang="en-US"/>
-          </a:p>
-          <a:p>
-            <a:pPr marL="274320" lvl="1" indent="0">
-              <a:buNone/>
-            </a:pPr>
-            <a:r>
-              <a:rPr lang="en-US"/>
-              <a:t>Übernimmt direkt einen String als Parameter, kein Auslesen der Konsolen-Eingabe, kein Buffer notwendig, nicht im for-loop des ShellTasks</a:t>
-            </a:r>
-          </a:p>
-          <a:p>
-            <a:pPr marL="274320" lvl="1" indent="0">
-              <a:buNone/>
-            </a:pPr>
-            <a:endParaRPr lang="en-US"/>
-          </a:p>
-          <a:p>
-            <a:pPr marL="274320" lvl="1" indent="0">
-              <a:buNone/>
-            </a:pPr>
-            <a:endParaRPr lang="en-US"/>
-          </a:p>
-          <a:p>
-            <a:pPr marL="274320" lvl="1" indent="0">
-              <a:buNone/>
-            </a:pPr>
-            <a:endParaRPr lang="en-US"/>
-          </a:p>
-        </p:txBody>
-      </p:sp>
-    </p:spTree>
-    <p:extLst>
-      <p:ext uri="{BB962C8B-B14F-4D97-AF65-F5344CB8AC3E}">
-        <p14:creationId xmlns:p14="http://schemas.microsoft.com/office/powerpoint/2010/main" val="3033504430"/>
-      </p:ext>
-    </p:extLst>
-  </p:cSld>
-  <p:clrMapOvr>
-    <a:masterClrMapping/>
-  </p:clrMapOvr>
-</p:sld>
-</file>
-
 <file path=ppt/slides/slide18.xml><?xml version="1.0" encoding="utf-8"?>
 <p:sld xmlns:a="http://schemas.openxmlformats.org/drawingml/2006/main" xmlns:r="http://schemas.openxmlformats.org/officeDocument/2006/relationships" xmlns:p="http://schemas.openxmlformats.org/presentationml/2006/main">
   <p:cSld>
@@ -5027,54 +4696,429 @@
               <a:rPr lang="en-US" dirty="0"/>
               <a:t>Quiz Shell</a:t>
             </a:r>
+          </a:p>
+        </p:txBody>
+      </p:sp>
+      <p:sp>
+        <p:nvSpPr>
+          <p:cNvPr id="3" name="Inhaltsplatzhalter 2"/>
+          <p:cNvSpPr>
+            <a:spLocks noGrp="1"/>
+          </p:cNvSpPr>
+          <p:nvPr>
+            <p:ph idx="1"/>
+          </p:nvPr>
+        </p:nvSpPr>
+        <p:spPr/>
+        <p:txBody>
+          <a:bodyPr>
+            <a:normAutofit lnSpcReduction="10000"/>
+          </a:bodyPr>
+          <a:lstStyle/>
+          <a:p>
+            <a:r>
+              <a:rPr lang="en-US" dirty="0"/>
+              <a:t>Q:</a:t>
+            </a:r>
+          </a:p>
+          <a:p>
+            <a:pPr marL="274320" lvl="1" indent="0">
+              <a:buNone/>
+            </a:pPr>
+            <a:r>
+              <a:rPr lang="en-US" dirty="0" err="1"/>
+              <a:t>Obwohl</a:t>
+            </a:r>
+            <a:r>
+              <a:rPr lang="en-US" dirty="0"/>
+              <a:t> Hillary </a:t>
+            </a:r>
+            <a:r>
+              <a:rPr lang="en-US" dirty="0" err="1"/>
+              <a:t>sonst</a:t>
+            </a:r>
+            <a:r>
+              <a:rPr lang="en-US" dirty="0"/>
+              <a:t> </a:t>
+            </a:r>
+            <a:r>
+              <a:rPr lang="en-US" dirty="0" err="1"/>
+              <a:t>nicht</a:t>
+            </a:r>
+            <a:r>
+              <a:rPr lang="en-US" dirty="0"/>
+              <a:t> </a:t>
+            </a:r>
+            <a:r>
+              <a:rPr lang="en-US" dirty="0" err="1"/>
+              <a:t>sehr</a:t>
+            </a:r>
+            <a:r>
+              <a:rPr lang="en-US" dirty="0"/>
+              <a:t> IT-</a:t>
+            </a:r>
+            <a:r>
+              <a:rPr lang="en-US" dirty="0" err="1"/>
+              <a:t>begabt</a:t>
+            </a:r>
+            <a:r>
+              <a:rPr lang="en-US" dirty="0"/>
+              <a:t> </a:t>
+            </a:r>
+            <a:r>
+              <a:rPr lang="en-US" dirty="0" err="1"/>
+              <a:t>ist</a:t>
+            </a:r>
+            <a:r>
+              <a:rPr lang="en-US" dirty="0"/>
+              <a:t>, hat </a:t>
+            </a:r>
+            <a:r>
+              <a:rPr lang="en-US" dirty="0" err="1"/>
+              <a:t>sie</a:t>
+            </a:r>
+            <a:r>
+              <a:rPr lang="en-US" dirty="0"/>
+              <a:t> </a:t>
+            </a:r>
+            <a:r>
+              <a:rPr lang="en-US" dirty="0" err="1"/>
+              <a:t>es</a:t>
+            </a:r>
+            <a:r>
+              <a:rPr lang="en-US" dirty="0"/>
+              <a:t> </a:t>
+            </a:r>
+            <a:r>
+              <a:rPr lang="en-US" dirty="0" err="1"/>
+              <a:t>geschafft</a:t>
+            </a:r>
+            <a:r>
+              <a:rPr lang="en-US" dirty="0"/>
+              <a:t> </a:t>
+            </a:r>
+            <a:r>
+              <a:rPr lang="en-US" dirty="0" err="1"/>
+              <a:t>ihren</a:t>
+            </a:r>
+            <a:r>
+              <a:rPr lang="en-US" dirty="0"/>
+              <a:t> Shell-Parser so </a:t>
+            </a:r>
+            <a:r>
+              <a:rPr lang="en-US" dirty="0" err="1"/>
+              <a:t>zu</a:t>
+            </a:r>
+            <a:r>
+              <a:rPr lang="en-US" dirty="0"/>
+              <a:t> </a:t>
+            </a:r>
+            <a:r>
+              <a:rPr lang="en-US" dirty="0" err="1"/>
+              <a:t>erweitern</a:t>
+            </a:r>
+            <a:r>
+              <a:rPr lang="en-US" dirty="0"/>
+              <a:t>, </a:t>
+            </a:r>
+            <a:r>
+              <a:rPr lang="en-US" dirty="0" err="1"/>
+              <a:t>dass</a:t>
+            </a:r>
+            <a:r>
+              <a:rPr lang="en-US" dirty="0"/>
+              <a:t> die </a:t>
+            </a:r>
+            <a:r>
+              <a:rPr lang="en-US" dirty="0" err="1"/>
+              <a:t>Eingabe</a:t>
+            </a:r>
+            <a:r>
+              <a:rPr lang="en-US" dirty="0"/>
+              <a:t> von “result” </a:t>
+            </a:r>
+            <a:r>
+              <a:rPr lang="en-US" dirty="0" err="1"/>
+              <a:t>zur</a:t>
+            </a:r>
+            <a:r>
+              <a:rPr lang="en-US" dirty="0"/>
+              <a:t> </a:t>
+            </a:r>
+            <a:r>
+              <a:rPr lang="en-US" dirty="0" err="1"/>
+              <a:t>Ausgabe</a:t>
+            </a:r>
+            <a:r>
+              <a:rPr lang="en-US" dirty="0"/>
+              <a:t> des Strings “disappointing” </a:t>
+            </a:r>
+            <a:r>
+              <a:rPr lang="en-US" dirty="0" err="1"/>
+              <a:t>führt</a:t>
+            </a:r>
+            <a:r>
+              <a:rPr lang="en-US" dirty="0"/>
+              <a:t>. Nun </a:t>
+            </a:r>
+            <a:r>
+              <a:rPr lang="en-US" dirty="0" err="1"/>
+              <a:t>möchte</a:t>
+            </a:r>
+            <a:r>
+              <a:rPr lang="en-US" dirty="0"/>
+              <a:t> </a:t>
+            </a:r>
+            <a:r>
+              <a:rPr lang="en-US" dirty="0" err="1"/>
+              <a:t>sie</a:t>
+            </a:r>
+            <a:r>
+              <a:rPr lang="en-US" dirty="0"/>
+              <a:t> die </a:t>
+            </a:r>
+            <a:r>
+              <a:rPr lang="en-US" dirty="0" err="1"/>
+              <a:t>Ausgabe</a:t>
+            </a:r>
+            <a:r>
+              <a:rPr lang="en-US" dirty="0"/>
+              <a:t> </a:t>
+            </a:r>
+            <a:r>
+              <a:rPr lang="en-US" dirty="0" err="1"/>
+              <a:t>als</a:t>
+            </a:r>
+            <a:r>
+              <a:rPr lang="en-US" dirty="0"/>
+              <a:t> </a:t>
+            </a:r>
+            <a:r>
+              <a:rPr lang="en-US" dirty="0" err="1"/>
+              <a:t>automatische</a:t>
+            </a:r>
+            <a:r>
+              <a:rPr lang="en-US" dirty="0"/>
+              <a:t> </a:t>
+            </a:r>
+            <a:r>
+              <a:rPr lang="en-US" dirty="0" err="1"/>
+              <a:t>Willkommensnachricht</a:t>
+            </a:r>
+            <a:r>
+              <a:rPr lang="en-US" dirty="0"/>
+              <a:t> </a:t>
+            </a:r>
+            <a:r>
+              <a:rPr lang="en-US" dirty="0" err="1"/>
+              <a:t>bei</a:t>
+            </a:r>
+            <a:r>
+              <a:rPr lang="en-US" dirty="0"/>
+              <a:t> </a:t>
+            </a:r>
+            <a:r>
+              <a:rPr lang="en-US" dirty="0" err="1"/>
+              <a:t>jedem</a:t>
+            </a:r>
+            <a:r>
+              <a:rPr lang="en-US" dirty="0"/>
+              <a:t> </a:t>
+            </a:r>
+            <a:r>
+              <a:rPr lang="en-US" dirty="0" err="1"/>
+              <a:t>Systemstart</a:t>
+            </a:r>
+            <a:r>
+              <a:rPr lang="en-US" dirty="0"/>
+              <a:t> </a:t>
+            </a:r>
+            <a:r>
+              <a:rPr lang="en-US" dirty="0" err="1"/>
+              <a:t>zu</a:t>
+            </a:r>
+            <a:r>
+              <a:rPr lang="en-US" dirty="0"/>
+              <a:t> </a:t>
+            </a:r>
+            <a:r>
+              <a:rPr lang="en-US" dirty="0" err="1"/>
+              <a:t>sehen</a:t>
+            </a:r>
+            <a:r>
+              <a:rPr lang="en-US" dirty="0"/>
+              <a:t> </a:t>
+            </a:r>
+            <a:r>
+              <a:rPr lang="en-US" dirty="0" err="1"/>
+              <a:t>bekommen</a:t>
+            </a:r>
+            <a:r>
+              <a:rPr lang="en-US" dirty="0"/>
+              <a:t>.</a:t>
+            </a:r>
+          </a:p>
+          <a:p>
+            <a:pPr marL="274320" lvl="1" indent="0">
+              <a:buNone/>
+            </a:pPr>
+            <a:r>
+              <a:rPr lang="en-US" dirty="0" err="1"/>
+              <a:t>Welche</a:t>
+            </a:r>
+            <a:r>
+              <a:rPr lang="en-US" dirty="0"/>
+              <a:t> der </a:t>
+            </a:r>
+            <a:r>
+              <a:rPr lang="en-US" dirty="0" err="1"/>
+              <a:t>beiden</a:t>
+            </a:r>
+            <a:r>
+              <a:rPr lang="en-US" dirty="0"/>
+              <a:t> </a:t>
+            </a:r>
+            <a:r>
+              <a:rPr lang="en-US" dirty="0" err="1"/>
+              <a:t>folgenden</a:t>
+            </a:r>
+            <a:r>
+              <a:rPr lang="en-US" dirty="0"/>
+              <a:t> </a:t>
+            </a:r>
+            <a:r>
+              <a:rPr lang="en-US" dirty="0" err="1"/>
+              <a:t>Funktionen</a:t>
+            </a:r>
+            <a:r>
+              <a:rPr lang="en-US" dirty="0"/>
+              <a:t> </a:t>
+            </a:r>
+            <a:r>
+              <a:rPr lang="en-US" dirty="0" err="1"/>
+              <a:t>setzt</a:t>
+            </a:r>
+            <a:r>
+              <a:rPr lang="en-US" dirty="0"/>
+              <a:t> </a:t>
+            </a:r>
+            <a:r>
+              <a:rPr lang="en-US" dirty="0" err="1"/>
+              <a:t>sie</a:t>
+            </a:r>
+            <a:r>
+              <a:rPr lang="en-US" dirty="0"/>
+              <a:t> </a:t>
+            </a:r>
+            <a:r>
+              <a:rPr lang="en-US" dirty="0" err="1"/>
+              <a:t>dafür</a:t>
+            </a:r>
+            <a:r>
+              <a:rPr lang="en-US" dirty="0"/>
+              <a:t> </a:t>
+            </a:r>
+            <a:r>
+              <a:rPr lang="en-US" dirty="0" err="1"/>
+              <a:t>im</a:t>
+            </a:r>
+            <a:r>
+              <a:rPr lang="en-US" dirty="0"/>
+              <a:t> </a:t>
+            </a:r>
+            <a:r>
+              <a:rPr lang="en-US" dirty="0" err="1"/>
+              <a:t>ShellTask</a:t>
+            </a:r>
+            <a:r>
+              <a:rPr lang="en-US" dirty="0"/>
+              <a:t> </a:t>
+            </a:r>
+            <a:r>
+              <a:rPr lang="en-US" dirty="0" err="1"/>
+              <a:t>ein</a:t>
+            </a:r>
+            <a:r>
+              <a:rPr lang="en-US" dirty="0"/>
+              <a:t> und </a:t>
+            </a:r>
+            <a:r>
+              <a:rPr lang="en-US" dirty="0" err="1"/>
+              <a:t>warum</a:t>
+            </a:r>
+            <a:r>
+              <a:rPr lang="en-US" dirty="0"/>
+              <a:t>?</a:t>
+            </a:r>
+          </a:p>
+          <a:p>
+            <a:pPr marL="274320" lvl="1" indent="0">
+              <a:buNone/>
+            </a:pPr>
+            <a:endParaRPr lang="en-US" dirty="0"/>
+          </a:p>
+          <a:p>
+            <a:pPr marL="274320" lvl="1" indent="0">
+              <a:buNone/>
+            </a:pPr>
+            <a:r>
+              <a:rPr lang="en-US" dirty="0"/>
+              <a:t>CLS1_ParseWithCommandTable()</a:t>
+            </a:r>
+          </a:p>
+          <a:p>
+            <a:pPr marL="274320" lvl="1" indent="0">
+              <a:buNone/>
+            </a:pPr>
+            <a:endParaRPr lang="en-US" dirty="0"/>
+          </a:p>
+          <a:p>
+            <a:pPr marL="274320" lvl="1" indent="0">
+              <a:buNone/>
+            </a:pPr>
             <a:r>
               <a:rPr lang="en-US" dirty="0"/>
               <a:t>	</a:t>
             </a:r>
-          </a:p>
-        </p:txBody>
-      </p:sp>
-      <p:sp>
-        <p:nvSpPr>
-          <p:cNvPr id="3" name="Inhaltsplatzhalter 2"/>
-          <p:cNvSpPr>
-            <a:spLocks noGrp="1"/>
-          </p:cNvSpPr>
-          <p:nvPr>
-            <p:ph idx="1"/>
-          </p:nvPr>
-        </p:nvSpPr>
-        <p:spPr/>
-        <p:txBody>
-          <a:bodyPr/>
-          <a:lstStyle/>
-          <a:p>
-            <a:r>
-              <a:rPr lang="en-US"/>
-              <a:t>Q: </a:t>
-            </a:r>
+            <a:r>
+              <a:rPr lang="en-US" dirty="0" err="1"/>
+              <a:t>oder</a:t>
+            </a:r>
+            <a:endParaRPr lang="en-US" dirty="0"/>
           </a:p>
           <a:p>
             <a:pPr marL="274320" lvl="1" indent="0">
               <a:buNone/>
             </a:pPr>
-            <a:r>
-              <a:rPr lang="en-US"/>
-              <a:t>Was ist der Unterschied zwischen den Funktionen UTIL1_strcmp() und UTIL1_strncmp() ?</a:t>
-            </a:r>
-          </a:p>
-          <a:p>
-            <a:pPr marL="0" indent="0">
+            <a:endParaRPr lang="en-US" dirty="0"/>
+          </a:p>
+          <a:p>
+            <a:pPr marL="274320" lvl="1" indent="0">
               <a:buNone/>
             </a:pPr>
-            <a:endParaRPr lang="en-US"/>
+            <a:r>
+              <a:rPr lang="en-US" dirty="0"/>
+              <a:t>CLS1_ReadAndParseWithCommandTable()</a:t>
+            </a:r>
+          </a:p>
+          <a:p>
+            <a:pPr marL="274320" lvl="1" indent="0">
+              <a:buNone/>
+            </a:pPr>
+            <a:endParaRPr lang="en-US" dirty="0"/>
+          </a:p>
+          <a:p>
+            <a:pPr marL="274320" lvl="1" indent="0">
+              <a:buNone/>
+            </a:pPr>
+            <a:endParaRPr lang="en-US" dirty="0"/>
           </a:p>
         </p:txBody>
       </p:sp>
     </p:spTree>
     <p:extLst>
       <p:ext uri="{BB962C8B-B14F-4D97-AF65-F5344CB8AC3E}">
-        <p14:creationId xmlns:p14="http://schemas.microsoft.com/office/powerpoint/2010/main" val="3805281602"/>
+        <p14:creationId xmlns:p14="http://schemas.microsoft.com/office/powerpoint/2010/main" val="1890198303"/>
       </p:ext>
     </p:extLst>
   </p:cSld>
@@ -5120,10 +5164,6 @@
               <a:rPr lang="en-US" dirty="0"/>
               <a:t>Quiz Shell</a:t>
             </a:r>
-            <a:r>
-              <a:rPr lang="en-US" dirty="0"/>
-              <a:t>	</a:t>
-            </a:r>
           </a:p>
         </p:txBody>
       </p:sp>
@@ -5144,7 +5184,7 @@
           <a:p>
             <a:r>
               <a:rPr lang="en-US"/>
-              <a:t>Q: </a:t>
+              <a:t>A:</a:t>
             </a:r>
           </a:p>
           <a:p>
@@ -5153,41 +5193,48 @@
             </a:pPr>
             <a:r>
               <a:rPr lang="en-US"/>
-              <a:t>Was ist der Unterschied zwischen den Funktionen UTIL1_strcmp() und UTIL1_strncmp() ?</a:t>
-            </a:r>
-          </a:p>
-          <a:p>
+              <a:t>CLS1_ParseWithCommandTable()</a:t>
+            </a:r>
+          </a:p>
+          <a:p>
+            <a:pPr marL="274320" lvl="1" indent="0">
+              <a:buNone/>
+            </a:pPr>
             <a:endParaRPr lang="en-US"/>
           </a:p>
           <a:p>
-            <a:r>
-              <a:rPr lang="en-US"/>
-              <a:t>A: </a:t>
-            </a:r>
-          </a:p>
-          <a:p>
             <a:pPr marL="274320" lvl="1" indent="0">
               <a:buNone/>
             </a:pPr>
             <a:r>
               <a:rPr lang="en-US"/>
-              <a:t>UTIL1_str</a:t>
-            </a:r>
-            <a:r>
-              <a:rPr lang="en-US" b="1"/>
-              <a:t>n</a:t>
-            </a:r>
-            <a:r>
-              <a:rPr lang="en-US"/>
-              <a:t>cmp() hat zusätzlich zu den zwei Strings ein size Parameter, der angibt bis zu welcher Position verglichen werden soll.</a:t>
-            </a:r>
+              <a:t>Kein Auslesen der Konsolen-Eingabe, kein Buffer notwendig, nicht im for-loop des ShellTasks.</a:t>
+            </a:r>
+          </a:p>
+          <a:p>
+            <a:pPr marL="274320" lvl="1" indent="0">
+              <a:buNone/>
+            </a:pPr>
+            <a:endParaRPr lang="en-US"/>
+          </a:p>
+          <a:p>
+            <a:pPr marL="274320" lvl="1" indent="0">
+              <a:buNone/>
+            </a:pPr>
+            <a:endParaRPr lang="en-US"/>
+          </a:p>
+          <a:p>
+            <a:pPr marL="274320" lvl="1" indent="0">
+              <a:buNone/>
+            </a:pPr>
+            <a:endParaRPr lang="en-US"/>
           </a:p>
         </p:txBody>
       </p:sp>
     </p:spTree>
     <p:extLst>
       <p:ext uri="{BB962C8B-B14F-4D97-AF65-F5344CB8AC3E}">
-        <p14:creationId xmlns:p14="http://schemas.microsoft.com/office/powerpoint/2010/main" val="429199765"/>
+        <p14:creationId xmlns:p14="http://schemas.microsoft.com/office/powerpoint/2010/main" val="3033504430"/>
       </p:ext>
     </p:extLst>
   </p:cSld>
@@ -5291,6 +5338,204 @@
     <p:extLst>
       <p:ext uri="{BB962C8B-B14F-4D97-AF65-F5344CB8AC3E}">
         <p14:creationId xmlns:p14="http://schemas.microsoft.com/office/powerpoint/2010/main" val="190575833"/>
+      </p:ext>
+    </p:extLst>
+  </p:cSld>
+  <p:clrMapOvr>
+    <a:masterClrMapping/>
+  </p:clrMapOvr>
+</p:sld>
+</file>
+
+<file path=ppt/slides/slide20.xml><?xml version="1.0" encoding="utf-8"?>
+<p:sld xmlns:a="http://schemas.openxmlformats.org/drawingml/2006/main" xmlns:r="http://schemas.openxmlformats.org/officeDocument/2006/relationships" xmlns:p="http://schemas.openxmlformats.org/presentationml/2006/main">
+  <p:cSld>
+    <p:spTree>
+      <p:nvGrpSpPr>
+        <p:cNvPr id="1" name=""/>
+        <p:cNvGrpSpPr/>
+        <p:nvPr/>
+      </p:nvGrpSpPr>
+      <p:grpSpPr>
+        <a:xfrm>
+          <a:off x="0" y="0"/>
+          <a:ext cx="0" cy="0"/>
+          <a:chOff x="0" y="0"/>
+          <a:chExt cx="0" cy="0"/>
+        </a:xfrm>
+      </p:grpSpPr>
+      <p:sp>
+        <p:nvSpPr>
+          <p:cNvPr id="2" name="Titel 1"/>
+          <p:cNvSpPr>
+            <a:spLocks noGrp="1"/>
+          </p:cNvSpPr>
+          <p:nvPr>
+            <p:ph type="title"/>
+          </p:nvPr>
+        </p:nvSpPr>
+        <p:spPr/>
+        <p:txBody>
+          <a:bodyPr/>
+          <a:lstStyle/>
+          <a:p>
+            <a:r>
+              <a:rPr lang="en-US" dirty="0"/>
+              <a:t>Quiz Shell	</a:t>
+            </a:r>
+          </a:p>
+        </p:txBody>
+      </p:sp>
+      <p:sp>
+        <p:nvSpPr>
+          <p:cNvPr id="3" name="Inhaltsplatzhalter 2"/>
+          <p:cNvSpPr>
+            <a:spLocks noGrp="1"/>
+          </p:cNvSpPr>
+          <p:nvPr>
+            <p:ph idx="1"/>
+          </p:nvPr>
+        </p:nvSpPr>
+        <p:spPr/>
+        <p:txBody>
+          <a:bodyPr/>
+          <a:lstStyle/>
+          <a:p>
+            <a:r>
+              <a:rPr lang="en-US"/>
+              <a:t>Q: </a:t>
+            </a:r>
+          </a:p>
+          <a:p>
+            <a:pPr marL="274320" lvl="1" indent="0">
+              <a:buNone/>
+            </a:pPr>
+            <a:r>
+              <a:rPr lang="en-US"/>
+              <a:t>Was ist der Unterschied zwischen den Funktionen UTIL1_strcmp() und UTIL1_strncmp() ?</a:t>
+            </a:r>
+          </a:p>
+          <a:p>
+            <a:pPr marL="0" indent="0">
+              <a:buNone/>
+            </a:pPr>
+            <a:endParaRPr lang="en-US"/>
+          </a:p>
+        </p:txBody>
+      </p:sp>
+    </p:spTree>
+    <p:extLst>
+      <p:ext uri="{BB962C8B-B14F-4D97-AF65-F5344CB8AC3E}">
+        <p14:creationId xmlns:p14="http://schemas.microsoft.com/office/powerpoint/2010/main" val="3805281602"/>
+      </p:ext>
+    </p:extLst>
+  </p:cSld>
+  <p:clrMapOvr>
+    <a:masterClrMapping/>
+  </p:clrMapOvr>
+</p:sld>
+</file>
+
+<file path=ppt/slides/slide21.xml><?xml version="1.0" encoding="utf-8"?>
+<p:sld xmlns:a="http://schemas.openxmlformats.org/drawingml/2006/main" xmlns:r="http://schemas.openxmlformats.org/officeDocument/2006/relationships" xmlns:p="http://schemas.openxmlformats.org/presentationml/2006/main">
+  <p:cSld>
+    <p:spTree>
+      <p:nvGrpSpPr>
+        <p:cNvPr id="1" name=""/>
+        <p:cNvGrpSpPr/>
+        <p:nvPr/>
+      </p:nvGrpSpPr>
+      <p:grpSpPr>
+        <a:xfrm>
+          <a:off x="0" y="0"/>
+          <a:ext cx="0" cy="0"/>
+          <a:chOff x="0" y="0"/>
+          <a:chExt cx="0" cy="0"/>
+        </a:xfrm>
+      </p:grpSpPr>
+      <p:sp>
+        <p:nvSpPr>
+          <p:cNvPr id="2" name="Titel 1"/>
+          <p:cNvSpPr>
+            <a:spLocks noGrp="1"/>
+          </p:cNvSpPr>
+          <p:nvPr>
+            <p:ph type="title"/>
+          </p:nvPr>
+        </p:nvSpPr>
+        <p:spPr/>
+        <p:txBody>
+          <a:bodyPr/>
+          <a:lstStyle/>
+          <a:p>
+            <a:r>
+              <a:rPr lang="en-US" dirty="0"/>
+              <a:t>Quiz Shell	</a:t>
+            </a:r>
+          </a:p>
+        </p:txBody>
+      </p:sp>
+      <p:sp>
+        <p:nvSpPr>
+          <p:cNvPr id="3" name="Inhaltsplatzhalter 2"/>
+          <p:cNvSpPr>
+            <a:spLocks noGrp="1"/>
+          </p:cNvSpPr>
+          <p:nvPr>
+            <p:ph idx="1"/>
+          </p:nvPr>
+        </p:nvSpPr>
+        <p:spPr/>
+        <p:txBody>
+          <a:bodyPr/>
+          <a:lstStyle/>
+          <a:p>
+            <a:r>
+              <a:rPr lang="en-US"/>
+              <a:t>Q: </a:t>
+            </a:r>
+          </a:p>
+          <a:p>
+            <a:pPr marL="274320" lvl="1" indent="0">
+              <a:buNone/>
+            </a:pPr>
+            <a:r>
+              <a:rPr lang="en-US"/>
+              <a:t>Was ist der Unterschied zwischen den Funktionen UTIL1_strcmp() und UTIL1_strncmp() ?</a:t>
+            </a:r>
+          </a:p>
+          <a:p>
+            <a:endParaRPr lang="en-US"/>
+          </a:p>
+          <a:p>
+            <a:r>
+              <a:rPr lang="en-US"/>
+              <a:t>A: </a:t>
+            </a:r>
+          </a:p>
+          <a:p>
+            <a:pPr marL="274320" lvl="1" indent="0">
+              <a:buNone/>
+            </a:pPr>
+            <a:r>
+              <a:rPr lang="en-US"/>
+              <a:t>UTIL1_str</a:t>
+            </a:r>
+            <a:r>
+              <a:rPr lang="en-US" b="1"/>
+              <a:t>n</a:t>
+            </a:r>
+            <a:r>
+              <a:rPr lang="en-US"/>
+              <a:t>cmp() hat zusätzlich zu den zwei Strings ein size Parameter, der angibt bis zu welcher Position verglichen werden soll.</a:t>
+            </a:r>
+          </a:p>
+        </p:txBody>
+      </p:sp>
+    </p:spTree>
+    <p:extLst>
+      <p:ext uri="{BB962C8B-B14F-4D97-AF65-F5344CB8AC3E}">
+        <p14:creationId xmlns:p14="http://schemas.microsoft.com/office/powerpoint/2010/main" val="429199765"/>
       </p:ext>
     </p:extLst>
   </p:cSld>
@@ -5347,7 +5592,7 @@
             <a:avLst/>
           </a:prstGeom>
           <a:extLst>
-            <a:ext uri="{909E8E84-426E-40DD-AFC4-6F175D3DCCD1}">
+            <a:ext uri="{909E8E84-426E-40dd-AFC4-6F175D3DCCD1}">
               <a14:hiddenFill xmlns:a14="http://schemas.microsoft.com/office/drawing/2010/main">
                 <a:solidFill>
                   <a:srgbClr val="FFFFFF"/>

--- a/Recap/ToroRecap.pptx
+++ b/Recap/ToroRecap.pptx
@@ -18,14 +18,12 @@
     <p:sldId id="258" r:id="rId12"/>
     <p:sldId id="260" r:id="rId13"/>
     <p:sldId id="261" r:id="rId14"/>
-    <p:sldId id="275" r:id="rId15"/>
-    <p:sldId id="277" r:id="rId16"/>
-    <p:sldId id="276" r:id="rId17"/>
-    <p:sldId id="278" r:id="rId18"/>
-    <p:sldId id="266" r:id="rId19"/>
-    <p:sldId id="265" r:id="rId20"/>
-    <p:sldId id="262" r:id="rId21"/>
-    <p:sldId id="263" r:id="rId22"/>
+    <p:sldId id="277" r:id="rId15"/>
+    <p:sldId id="278" r:id="rId16"/>
+    <p:sldId id="266" r:id="rId17"/>
+    <p:sldId id="265" r:id="rId18"/>
+    <p:sldId id="262" r:id="rId19"/>
+    <p:sldId id="263" r:id="rId20"/>
   </p:sldIdLst>
   <p:sldSz cx="9144000" cy="6858000" type="screen4x3"/>
   <p:notesSz cx="6858000" cy="9144000"/>
@@ -126,7 +124,7 @@
   </p:defaultTextStyle>
   <p:extLst>
     <p:ext uri="{EFAFB233-063F-42B5-8137-9DF3F51BA10A}">
-      <p15:sldGuideLst xmlns:p15="http://schemas.microsoft.com/office/powerpoint/2012/main" xmlns="">
+      <p15:sldGuideLst xmlns="" xmlns:p15="http://schemas.microsoft.com/office/powerpoint/2012/main">
         <p15:guide id="1" orient="horz" pos="2160">
           <p15:clr>
             <a:srgbClr val="A4A3A4"/>
@@ -3796,6 +3794,13 @@
   <p:clrMapOvr>
     <a:masterClrMapping/>
   </p:clrMapOvr>
+  <p:timing>
+    <p:tnLst>
+      <p:par>
+        <p:cTn xmlns:p14="http://schemas.microsoft.com/office/powerpoint/2010/main" id="1" dur="indefinite" restart="never" nodeType="tmRoot"/>
+      </p:par>
+    </p:tnLst>
+  </p:timing>
 </p:sld>
 </file>
 
@@ -3876,121 +3881,6 @@
   <p:clrMapOvr>
     <a:masterClrMapping/>
   </p:clrMapOvr>
-</p:sld>
-</file>
-
-<file path=ppt/slides/slide14.xml><?xml version="1.0" encoding="utf-8"?>
-<p:sld xmlns:a="http://schemas.openxmlformats.org/drawingml/2006/main" xmlns:r="http://schemas.openxmlformats.org/officeDocument/2006/relationships" xmlns:p="http://schemas.openxmlformats.org/presentationml/2006/main">
-  <p:cSld>
-    <p:spTree>
-      <p:nvGrpSpPr>
-        <p:cNvPr id="1" name=""/>
-        <p:cNvGrpSpPr/>
-        <p:nvPr/>
-      </p:nvGrpSpPr>
-      <p:grpSpPr>
-        <a:xfrm>
-          <a:off x="0" y="0"/>
-          <a:ext cx="0" cy="0"/>
-          <a:chOff x="0" y="0"/>
-          <a:chExt cx="0" cy="0"/>
-        </a:xfrm>
-      </p:grpSpPr>
-      <p:sp>
-        <p:nvSpPr>
-          <p:cNvPr id="2" name="Titel 1"/>
-          <p:cNvSpPr>
-            <a:spLocks noGrp="1"/>
-          </p:cNvSpPr>
-          <p:nvPr>
-            <p:ph type="title"/>
-          </p:nvPr>
-        </p:nvSpPr>
-        <p:spPr/>
-        <p:txBody>
-          <a:bodyPr/>
-          <a:lstStyle/>
-          <a:p>
-            <a:r>
-              <a:rPr lang="en-US" dirty="0"/>
-              <a:t>Quiz Queue</a:t>
-            </a:r>
-          </a:p>
-        </p:txBody>
-      </p:sp>
-      <p:sp>
-        <p:nvSpPr>
-          <p:cNvPr id="3" name="Inhaltsplatzhalter 2"/>
-          <p:cNvSpPr>
-            <a:spLocks noGrp="1"/>
-          </p:cNvSpPr>
-          <p:nvPr>
-            <p:ph idx="1"/>
-          </p:nvPr>
-        </p:nvSpPr>
-        <p:spPr/>
-        <p:txBody>
-          <a:bodyPr>
-            <a:normAutofit/>
-          </a:bodyPr>
-          <a:lstStyle/>
-          <a:p>
-            <a:r>
-              <a:rPr lang="en-US" dirty="0"/>
-              <a:t>Q: </a:t>
-            </a:r>
-            <a:r>
-              <a:rPr lang="en-US" dirty="0" err="1"/>
-              <a:t>Wann</a:t>
-            </a:r>
-            <a:r>
-              <a:rPr lang="en-US" dirty="0"/>
-              <a:t> muss die </a:t>
-            </a:r>
-            <a:r>
-              <a:rPr lang="en-US" dirty="0" err="1"/>
-              <a:t>Grösse</a:t>
-            </a:r>
-            <a:r>
-              <a:rPr lang="en-US" dirty="0"/>
-              <a:t> der Queue </a:t>
-            </a:r>
-            <a:r>
-              <a:rPr lang="en-US" dirty="0" err="1"/>
-              <a:t>bekannt</a:t>
-            </a:r>
-            <a:r>
-              <a:rPr lang="en-US" dirty="0"/>
-              <a:t> sein?</a:t>
-            </a:r>
-          </a:p>
-          <a:p>
-            <a:endParaRPr lang="en-US" dirty="0"/>
-          </a:p>
-          <a:p>
-            <a:pPr marL="274320" lvl="1" indent="0">
-              <a:buNone/>
-            </a:pPr>
-            <a:endParaRPr lang="en-US" dirty="0"/>
-          </a:p>
-          <a:p>
-            <a:pPr marL="274320" lvl="1" indent="0">
-              <a:buNone/>
-            </a:pPr>
-            <a:endParaRPr lang="en-US" dirty="0"/>
-          </a:p>
-        </p:txBody>
-      </p:sp>
-    </p:spTree>
-    <p:extLst>
-      <p:ext uri="{BB962C8B-B14F-4D97-AF65-F5344CB8AC3E}">
-        <p14:creationId xmlns:p14="http://schemas.microsoft.com/office/powerpoint/2010/main" val="3151208007"/>
-      </p:ext>
-    </p:extLst>
-  </p:cSld>
-  <p:clrMapOvr>
-    <a:masterClrMapping/>
-  </p:clrMapOvr>
   <p:timing>
     <p:tnLst>
       <p:par>
@@ -4001,7 +3891,7 @@
 </p:sld>
 </file>
 
-<file path=ppt/slides/slide15.xml><?xml version="1.0" encoding="utf-8"?>
+<file path=ppt/slides/slide14.xml><?xml version="1.0" encoding="utf-8"?>
 <p:sld xmlns:a="http://schemas.openxmlformats.org/drawingml/2006/main" xmlns:r="http://schemas.openxmlformats.org/officeDocument/2006/relationships" xmlns:p="http://schemas.openxmlformats.org/presentationml/2006/main">
   <p:cSld>
     <p:spTree>
@@ -4271,137 +4161,7 @@
 </p:sld>
 </file>
 
-<file path=ppt/slides/slide16.xml><?xml version="1.0" encoding="utf-8"?>
-<p:sld xmlns:a="http://schemas.openxmlformats.org/drawingml/2006/main" xmlns:r="http://schemas.openxmlformats.org/officeDocument/2006/relationships" xmlns:p="http://schemas.openxmlformats.org/presentationml/2006/main">
-  <p:cSld>
-    <p:spTree>
-      <p:nvGrpSpPr>
-        <p:cNvPr id="1" name=""/>
-        <p:cNvGrpSpPr/>
-        <p:nvPr/>
-      </p:nvGrpSpPr>
-      <p:grpSpPr>
-        <a:xfrm>
-          <a:off x="0" y="0"/>
-          <a:ext cx="0" cy="0"/>
-          <a:chOff x="0" y="0"/>
-          <a:chExt cx="0" cy="0"/>
-        </a:xfrm>
-      </p:grpSpPr>
-      <p:sp>
-        <p:nvSpPr>
-          <p:cNvPr id="2" name="Titel 1"/>
-          <p:cNvSpPr>
-            <a:spLocks noGrp="1"/>
-          </p:cNvSpPr>
-          <p:nvPr>
-            <p:ph type="title"/>
-          </p:nvPr>
-        </p:nvSpPr>
-        <p:spPr/>
-        <p:txBody>
-          <a:bodyPr/>
-          <a:lstStyle/>
-          <a:p>
-            <a:r>
-              <a:rPr lang="en-US" dirty="0"/>
-              <a:t>Quiz Hook</a:t>
-            </a:r>
-          </a:p>
-        </p:txBody>
-      </p:sp>
-      <p:sp>
-        <p:nvSpPr>
-          <p:cNvPr id="3" name="Inhaltsplatzhalter 2"/>
-          <p:cNvSpPr>
-            <a:spLocks noGrp="1"/>
-          </p:cNvSpPr>
-          <p:nvPr>
-            <p:ph idx="1"/>
-          </p:nvPr>
-        </p:nvSpPr>
-        <p:spPr/>
-        <p:txBody>
-          <a:bodyPr>
-            <a:normAutofit/>
-          </a:bodyPr>
-          <a:lstStyle/>
-          <a:p>
-            <a:r>
-              <a:rPr lang="en-US" dirty="0"/>
-              <a:t>Q: Was </a:t>
-            </a:r>
-            <a:r>
-              <a:rPr lang="en-US" dirty="0" err="1"/>
-              <a:t>sind</a:t>
-            </a:r>
-            <a:r>
-              <a:rPr lang="en-US" dirty="0"/>
-              <a:t> Hooks? Und </a:t>
-            </a:r>
-            <a:r>
-              <a:rPr lang="en-US" dirty="0" err="1"/>
-              <a:t>wieviele</a:t>
-            </a:r>
-            <a:r>
-              <a:rPr lang="en-US" dirty="0"/>
-              <a:t> </a:t>
-            </a:r>
-            <a:r>
-              <a:rPr lang="en-US" dirty="0" err="1"/>
-              <a:t>gibt</a:t>
-            </a:r>
-            <a:r>
-              <a:rPr lang="en-US" dirty="0"/>
-              <a:t> </a:t>
-            </a:r>
-            <a:r>
-              <a:rPr lang="en-US" dirty="0" err="1"/>
-              <a:t>es</a:t>
-            </a:r>
-            <a:r>
-              <a:rPr lang="en-US" dirty="0"/>
-              <a:t>?</a:t>
-            </a:r>
-          </a:p>
-          <a:p>
-            <a:endParaRPr lang="en-US" dirty="0"/>
-          </a:p>
-          <a:p>
-            <a:pPr marL="274320" lvl="1" indent="0">
-              <a:buNone/>
-            </a:pPr>
-            <a:endParaRPr lang="en-US" dirty="0"/>
-          </a:p>
-          <a:p>
-            <a:pPr marL="274320" lvl="1" indent="0">
-              <a:buNone/>
-            </a:pPr>
-            <a:endParaRPr lang="en-US" dirty="0"/>
-          </a:p>
-        </p:txBody>
-      </p:sp>
-    </p:spTree>
-    <p:extLst>
-      <p:ext uri="{BB962C8B-B14F-4D97-AF65-F5344CB8AC3E}">
-        <p14:creationId xmlns:p14="http://schemas.microsoft.com/office/powerpoint/2010/main" val="1250565901"/>
-      </p:ext>
-    </p:extLst>
-  </p:cSld>
-  <p:clrMapOvr>
-    <a:masterClrMapping/>
-  </p:clrMapOvr>
-  <p:timing>
-    <p:tnLst>
-      <p:par>
-        <p:cTn xmlns:p14="http://schemas.microsoft.com/office/powerpoint/2010/main" id="1" dur="indefinite" restart="never" nodeType="tmRoot"/>
-      </p:par>
-    </p:tnLst>
-  </p:timing>
-</p:sld>
-</file>
-
-<file path=ppt/slides/slide17.xml><?xml version="1.0" encoding="utf-8"?>
+<file path=ppt/slides/slide15.xml><?xml version="1.0" encoding="utf-8"?>
 <p:sld xmlns:a="http://schemas.openxmlformats.org/drawingml/2006/main" xmlns:r="http://schemas.openxmlformats.org/officeDocument/2006/relationships" xmlns:p="http://schemas.openxmlformats.org/presentationml/2006/main">
   <p:cSld>
     <p:spTree>
@@ -4660,6 +4420,604 @@
 </p:sld>
 </file>
 
+<file path=ppt/slides/slide16.xml><?xml version="1.0" encoding="utf-8"?>
+<p:sld xmlns:a="http://schemas.openxmlformats.org/drawingml/2006/main" xmlns:r="http://schemas.openxmlformats.org/officeDocument/2006/relationships" xmlns:p="http://schemas.openxmlformats.org/presentationml/2006/main">
+  <p:cSld>
+    <p:spTree>
+      <p:nvGrpSpPr>
+        <p:cNvPr id="1" name=""/>
+        <p:cNvGrpSpPr/>
+        <p:nvPr/>
+      </p:nvGrpSpPr>
+      <p:grpSpPr>
+        <a:xfrm>
+          <a:off x="0" y="0"/>
+          <a:ext cx="0" cy="0"/>
+          <a:chOff x="0" y="0"/>
+          <a:chExt cx="0" cy="0"/>
+        </a:xfrm>
+      </p:grpSpPr>
+      <p:sp>
+        <p:nvSpPr>
+          <p:cNvPr id="2" name="Titel 1"/>
+          <p:cNvSpPr>
+            <a:spLocks noGrp="1"/>
+          </p:cNvSpPr>
+          <p:nvPr>
+            <p:ph type="title"/>
+          </p:nvPr>
+        </p:nvSpPr>
+        <p:spPr/>
+        <p:txBody>
+          <a:bodyPr/>
+          <a:lstStyle/>
+          <a:p>
+            <a:r>
+              <a:rPr lang="en-US" dirty="0"/>
+              <a:t>Quiz Shell</a:t>
+            </a:r>
+          </a:p>
+        </p:txBody>
+      </p:sp>
+      <p:sp>
+        <p:nvSpPr>
+          <p:cNvPr id="3" name="Inhaltsplatzhalter 2"/>
+          <p:cNvSpPr>
+            <a:spLocks noGrp="1"/>
+          </p:cNvSpPr>
+          <p:nvPr>
+            <p:ph idx="1"/>
+          </p:nvPr>
+        </p:nvSpPr>
+        <p:spPr/>
+        <p:txBody>
+          <a:bodyPr>
+            <a:normAutofit lnSpcReduction="10000"/>
+          </a:bodyPr>
+          <a:lstStyle/>
+          <a:p>
+            <a:r>
+              <a:rPr lang="en-US" dirty="0"/>
+              <a:t>Q:</a:t>
+            </a:r>
+          </a:p>
+          <a:p>
+            <a:pPr marL="274320" lvl="1" indent="0">
+              <a:buNone/>
+            </a:pPr>
+            <a:r>
+              <a:rPr lang="en-US" dirty="0" err="1"/>
+              <a:t>Obwohl</a:t>
+            </a:r>
+            <a:r>
+              <a:rPr lang="en-US" dirty="0"/>
+              <a:t> Hillary </a:t>
+            </a:r>
+            <a:r>
+              <a:rPr lang="en-US" dirty="0" err="1"/>
+              <a:t>sonst</a:t>
+            </a:r>
+            <a:r>
+              <a:rPr lang="en-US" dirty="0"/>
+              <a:t> </a:t>
+            </a:r>
+            <a:r>
+              <a:rPr lang="en-US" dirty="0" err="1"/>
+              <a:t>nicht</a:t>
+            </a:r>
+            <a:r>
+              <a:rPr lang="en-US" dirty="0"/>
+              <a:t> </a:t>
+            </a:r>
+            <a:r>
+              <a:rPr lang="en-US" dirty="0" err="1"/>
+              <a:t>sehr</a:t>
+            </a:r>
+            <a:r>
+              <a:rPr lang="en-US" dirty="0"/>
+              <a:t> IT-</a:t>
+            </a:r>
+            <a:r>
+              <a:rPr lang="en-US" dirty="0" err="1"/>
+              <a:t>begabt</a:t>
+            </a:r>
+            <a:r>
+              <a:rPr lang="en-US" dirty="0"/>
+              <a:t> </a:t>
+            </a:r>
+            <a:r>
+              <a:rPr lang="en-US" dirty="0" err="1"/>
+              <a:t>ist</a:t>
+            </a:r>
+            <a:r>
+              <a:rPr lang="en-US" dirty="0"/>
+              <a:t>, hat </a:t>
+            </a:r>
+            <a:r>
+              <a:rPr lang="en-US" dirty="0" err="1"/>
+              <a:t>sie</a:t>
+            </a:r>
+            <a:r>
+              <a:rPr lang="en-US" dirty="0"/>
+              <a:t> </a:t>
+            </a:r>
+            <a:r>
+              <a:rPr lang="en-US" dirty="0" err="1"/>
+              <a:t>es</a:t>
+            </a:r>
+            <a:r>
+              <a:rPr lang="en-US" dirty="0"/>
+              <a:t> </a:t>
+            </a:r>
+            <a:r>
+              <a:rPr lang="en-US" dirty="0" err="1"/>
+              <a:t>geschafft</a:t>
+            </a:r>
+            <a:r>
+              <a:rPr lang="en-US" dirty="0"/>
+              <a:t> </a:t>
+            </a:r>
+            <a:r>
+              <a:rPr lang="en-US" dirty="0" err="1"/>
+              <a:t>ihren</a:t>
+            </a:r>
+            <a:r>
+              <a:rPr lang="en-US" dirty="0"/>
+              <a:t> Shell-Parser so </a:t>
+            </a:r>
+            <a:r>
+              <a:rPr lang="en-US" dirty="0" err="1"/>
+              <a:t>zu</a:t>
+            </a:r>
+            <a:r>
+              <a:rPr lang="en-US" dirty="0"/>
+              <a:t> </a:t>
+            </a:r>
+            <a:r>
+              <a:rPr lang="en-US" dirty="0" err="1"/>
+              <a:t>erweitern</a:t>
+            </a:r>
+            <a:r>
+              <a:rPr lang="en-US" dirty="0"/>
+              <a:t>, </a:t>
+            </a:r>
+            <a:r>
+              <a:rPr lang="en-US" dirty="0" err="1"/>
+              <a:t>dass</a:t>
+            </a:r>
+            <a:r>
+              <a:rPr lang="en-US" dirty="0"/>
+              <a:t> die </a:t>
+            </a:r>
+            <a:r>
+              <a:rPr lang="en-US" dirty="0" err="1"/>
+              <a:t>Eingabe</a:t>
+            </a:r>
+            <a:r>
+              <a:rPr lang="en-US" dirty="0"/>
+              <a:t> von “result” </a:t>
+            </a:r>
+            <a:r>
+              <a:rPr lang="en-US" dirty="0" err="1"/>
+              <a:t>zur</a:t>
+            </a:r>
+            <a:r>
+              <a:rPr lang="en-US" dirty="0"/>
+              <a:t> </a:t>
+            </a:r>
+            <a:r>
+              <a:rPr lang="en-US" dirty="0" err="1"/>
+              <a:t>Ausgabe</a:t>
+            </a:r>
+            <a:r>
+              <a:rPr lang="en-US" dirty="0"/>
+              <a:t> des Strings “disappointing” </a:t>
+            </a:r>
+            <a:r>
+              <a:rPr lang="en-US" dirty="0" err="1"/>
+              <a:t>führt</a:t>
+            </a:r>
+            <a:r>
+              <a:rPr lang="en-US" dirty="0"/>
+              <a:t>. Nun </a:t>
+            </a:r>
+            <a:r>
+              <a:rPr lang="en-US" dirty="0" err="1"/>
+              <a:t>möchte</a:t>
+            </a:r>
+            <a:r>
+              <a:rPr lang="en-US" dirty="0"/>
+              <a:t> </a:t>
+            </a:r>
+            <a:r>
+              <a:rPr lang="en-US" dirty="0" err="1"/>
+              <a:t>sie</a:t>
+            </a:r>
+            <a:r>
+              <a:rPr lang="en-US" dirty="0"/>
+              <a:t> die </a:t>
+            </a:r>
+            <a:r>
+              <a:rPr lang="en-US" dirty="0" err="1"/>
+              <a:t>Ausgabe</a:t>
+            </a:r>
+            <a:r>
+              <a:rPr lang="en-US" dirty="0"/>
+              <a:t> </a:t>
+            </a:r>
+            <a:r>
+              <a:rPr lang="en-US" dirty="0" err="1"/>
+              <a:t>als</a:t>
+            </a:r>
+            <a:r>
+              <a:rPr lang="en-US" dirty="0"/>
+              <a:t> </a:t>
+            </a:r>
+            <a:r>
+              <a:rPr lang="en-US" dirty="0" err="1"/>
+              <a:t>automatische</a:t>
+            </a:r>
+            <a:r>
+              <a:rPr lang="en-US" dirty="0"/>
+              <a:t> </a:t>
+            </a:r>
+            <a:r>
+              <a:rPr lang="en-US" dirty="0" err="1"/>
+              <a:t>Willkommensnachricht</a:t>
+            </a:r>
+            <a:r>
+              <a:rPr lang="en-US" dirty="0"/>
+              <a:t> </a:t>
+            </a:r>
+            <a:r>
+              <a:rPr lang="en-US" dirty="0" err="1"/>
+              <a:t>bei</a:t>
+            </a:r>
+            <a:r>
+              <a:rPr lang="en-US" dirty="0"/>
+              <a:t> </a:t>
+            </a:r>
+            <a:r>
+              <a:rPr lang="en-US" dirty="0" err="1"/>
+              <a:t>jedem</a:t>
+            </a:r>
+            <a:r>
+              <a:rPr lang="en-US" dirty="0"/>
+              <a:t> </a:t>
+            </a:r>
+            <a:r>
+              <a:rPr lang="en-US" dirty="0" err="1"/>
+              <a:t>Systemstart</a:t>
+            </a:r>
+            <a:r>
+              <a:rPr lang="en-US" dirty="0"/>
+              <a:t> </a:t>
+            </a:r>
+            <a:r>
+              <a:rPr lang="en-US" dirty="0" err="1"/>
+              <a:t>zu</a:t>
+            </a:r>
+            <a:r>
+              <a:rPr lang="en-US" dirty="0"/>
+              <a:t> </a:t>
+            </a:r>
+            <a:r>
+              <a:rPr lang="en-US" dirty="0" err="1"/>
+              <a:t>sehen</a:t>
+            </a:r>
+            <a:r>
+              <a:rPr lang="en-US" dirty="0"/>
+              <a:t> </a:t>
+            </a:r>
+            <a:r>
+              <a:rPr lang="en-US" dirty="0" err="1"/>
+              <a:t>bekommen</a:t>
+            </a:r>
+            <a:r>
+              <a:rPr lang="en-US" dirty="0"/>
+              <a:t>.</a:t>
+            </a:r>
+          </a:p>
+          <a:p>
+            <a:pPr marL="274320" lvl="1" indent="0">
+              <a:buNone/>
+            </a:pPr>
+            <a:r>
+              <a:rPr lang="en-US" dirty="0" err="1"/>
+              <a:t>Welche</a:t>
+            </a:r>
+            <a:r>
+              <a:rPr lang="en-US" dirty="0"/>
+              <a:t> der </a:t>
+            </a:r>
+            <a:r>
+              <a:rPr lang="en-US" dirty="0" err="1"/>
+              <a:t>beiden</a:t>
+            </a:r>
+            <a:r>
+              <a:rPr lang="en-US" dirty="0"/>
+              <a:t> </a:t>
+            </a:r>
+            <a:r>
+              <a:rPr lang="en-US" dirty="0" err="1"/>
+              <a:t>folgenden</a:t>
+            </a:r>
+            <a:r>
+              <a:rPr lang="en-US" dirty="0"/>
+              <a:t> </a:t>
+            </a:r>
+            <a:r>
+              <a:rPr lang="en-US" dirty="0" err="1"/>
+              <a:t>Funktionen</a:t>
+            </a:r>
+            <a:r>
+              <a:rPr lang="en-US" dirty="0"/>
+              <a:t> </a:t>
+            </a:r>
+            <a:r>
+              <a:rPr lang="en-US" dirty="0" err="1"/>
+              <a:t>setzt</a:t>
+            </a:r>
+            <a:r>
+              <a:rPr lang="en-US" dirty="0"/>
+              <a:t> </a:t>
+            </a:r>
+            <a:r>
+              <a:rPr lang="en-US" dirty="0" err="1"/>
+              <a:t>sie</a:t>
+            </a:r>
+            <a:r>
+              <a:rPr lang="en-US" dirty="0"/>
+              <a:t> </a:t>
+            </a:r>
+            <a:r>
+              <a:rPr lang="en-US" dirty="0" err="1"/>
+              <a:t>dafür</a:t>
+            </a:r>
+            <a:r>
+              <a:rPr lang="en-US" dirty="0"/>
+              <a:t> </a:t>
+            </a:r>
+            <a:r>
+              <a:rPr lang="en-US" dirty="0" err="1"/>
+              <a:t>im</a:t>
+            </a:r>
+            <a:r>
+              <a:rPr lang="en-US" dirty="0"/>
+              <a:t> </a:t>
+            </a:r>
+            <a:r>
+              <a:rPr lang="en-US" dirty="0" err="1"/>
+              <a:t>ShellTask</a:t>
+            </a:r>
+            <a:r>
+              <a:rPr lang="en-US" dirty="0"/>
+              <a:t> </a:t>
+            </a:r>
+            <a:r>
+              <a:rPr lang="en-US" dirty="0" err="1"/>
+              <a:t>ein</a:t>
+            </a:r>
+            <a:r>
+              <a:rPr lang="en-US" dirty="0"/>
+              <a:t> und </a:t>
+            </a:r>
+            <a:r>
+              <a:rPr lang="en-US" dirty="0" err="1"/>
+              <a:t>warum</a:t>
+            </a:r>
+            <a:r>
+              <a:rPr lang="en-US" dirty="0"/>
+              <a:t>?</a:t>
+            </a:r>
+          </a:p>
+          <a:p>
+            <a:pPr marL="274320" lvl="1" indent="0">
+              <a:buNone/>
+            </a:pPr>
+            <a:endParaRPr lang="en-US" dirty="0"/>
+          </a:p>
+          <a:p>
+            <a:pPr marL="274320" lvl="1" indent="0">
+              <a:buNone/>
+            </a:pPr>
+            <a:r>
+              <a:rPr lang="en-US" dirty="0"/>
+              <a:t>CLS1_ParseWithCommandTable()</a:t>
+            </a:r>
+          </a:p>
+          <a:p>
+            <a:pPr marL="274320" lvl="1" indent="0">
+              <a:buNone/>
+            </a:pPr>
+            <a:endParaRPr lang="en-US" dirty="0"/>
+          </a:p>
+          <a:p>
+            <a:pPr marL="274320" lvl="1" indent="0">
+              <a:buNone/>
+            </a:pPr>
+            <a:r>
+              <a:rPr lang="en-US" dirty="0"/>
+              <a:t>	</a:t>
+            </a:r>
+            <a:r>
+              <a:rPr lang="en-US" dirty="0" err="1"/>
+              <a:t>oder</a:t>
+            </a:r>
+            <a:endParaRPr lang="en-US" dirty="0"/>
+          </a:p>
+          <a:p>
+            <a:pPr marL="274320" lvl="1" indent="0">
+              <a:buNone/>
+            </a:pPr>
+            <a:endParaRPr lang="en-US" dirty="0"/>
+          </a:p>
+          <a:p>
+            <a:pPr marL="274320" lvl="1" indent="0">
+              <a:buNone/>
+            </a:pPr>
+            <a:r>
+              <a:rPr lang="en-US" dirty="0"/>
+              <a:t>CLS1_ReadAndParseWithCommandTable()</a:t>
+            </a:r>
+          </a:p>
+          <a:p>
+            <a:pPr marL="274320" lvl="1" indent="0">
+              <a:buNone/>
+            </a:pPr>
+            <a:endParaRPr lang="en-US" dirty="0"/>
+          </a:p>
+          <a:p>
+            <a:pPr marL="274320" lvl="1" indent="0">
+              <a:buNone/>
+            </a:pPr>
+            <a:endParaRPr lang="en-US" dirty="0"/>
+          </a:p>
+        </p:txBody>
+      </p:sp>
+    </p:spTree>
+    <p:extLst>
+      <p:ext uri="{BB962C8B-B14F-4D97-AF65-F5344CB8AC3E}">
+        <p14:creationId xmlns:p14="http://schemas.microsoft.com/office/powerpoint/2010/main" val="1890198303"/>
+      </p:ext>
+    </p:extLst>
+  </p:cSld>
+  <p:clrMapOvr>
+    <a:masterClrMapping/>
+  </p:clrMapOvr>
+  <p:timing>
+    <p:tnLst>
+      <p:par>
+        <p:cTn xmlns:p14="http://schemas.microsoft.com/office/powerpoint/2010/main" id="1" dur="indefinite" restart="never" nodeType="tmRoot"/>
+      </p:par>
+    </p:tnLst>
+  </p:timing>
+</p:sld>
+</file>
+
+<file path=ppt/slides/slide17.xml><?xml version="1.0" encoding="utf-8"?>
+<p:sld xmlns:a="http://schemas.openxmlformats.org/drawingml/2006/main" xmlns:r="http://schemas.openxmlformats.org/officeDocument/2006/relationships" xmlns:p="http://schemas.openxmlformats.org/presentationml/2006/main">
+  <p:cSld>
+    <p:spTree>
+      <p:nvGrpSpPr>
+        <p:cNvPr id="1" name=""/>
+        <p:cNvGrpSpPr/>
+        <p:nvPr/>
+      </p:nvGrpSpPr>
+      <p:grpSpPr>
+        <a:xfrm>
+          <a:off x="0" y="0"/>
+          <a:ext cx="0" cy="0"/>
+          <a:chOff x="0" y="0"/>
+          <a:chExt cx="0" cy="0"/>
+        </a:xfrm>
+      </p:grpSpPr>
+      <p:sp>
+        <p:nvSpPr>
+          <p:cNvPr id="2" name="Titel 1"/>
+          <p:cNvSpPr>
+            <a:spLocks noGrp="1"/>
+          </p:cNvSpPr>
+          <p:nvPr>
+            <p:ph type="title"/>
+          </p:nvPr>
+        </p:nvSpPr>
+        <p:spPr/>
+        <p:txBody>
+          <a:bodyPr/>
+          <a:lstStyle/>
+          <a:p>
+            <a:r>
+              <a:rPr lang="en-US" dirty="0"/>
+              <a:t>Quiz Shell</a:t>
+            </a:r>
+          </a:p>
+        </p:txBody>
+      </p:sp>
+      <p:sp>
+        <p:nvSpPr>
+          <p:cNvPr id="3" name="Inhaltsplatzhalter 2"/>
+          <p:cNvSpPr>
+            <a:spLocks noGrp="1"/>
+          </p:cNvSpPr>
+          <p:nvPr>
+            <p:ph idx="1"/>
+          </p:nvPr>
+        </p:nvSpPr>
+        <p:spPr/>
+        <p:txBody>
+          <a:bodyPr/>
+          <a:lstStyle/>
+          <a:p>
+            <a:r>
+              <a:rPr lang="en-US"/>
+              <a:t>A:</a:t>
+            </a:r>
+          </a:p>
+          <a:p>
+            <a:pPr marL="274320" lvl="1" indent="0">
+              <a:buNone/>
+            </a:pPr>
+            <a:r>
+              <a:rPr lang="en-US"/>
+              <a:t>CLS1_ParseWithCommandTable()</a:t>
+            </a:r>
+          </a:p>
+          <a:p>
+            <a:pPr marL="274320" lvl="1" indent="0">
+              <a:buNone/>
+            </a:pPr>
+            <a:endParaRPr lang="en-US"/>
+          </a:p>
+          <a:p>
+            <a:pPr marL="274320" lvl="1" indent="0">
+              <a:buNone/>
+            </a:pPr>
+            <a:r>
+              <a:rPr lang="en-US"/>
+              <a:t>Kein Auslesen der Konsolen-Eingabe, kein Buffer notwendig, nicht im for-loop des ShellTasks.</a:t>
+            </a:r>
+          </a:p>
+          <a:p>
+            <a:pPr marL="274320" lvl="1" indent="0">
+              <a:buNone/>
+            </a:pPr>
+            <a:endParaRPr lang="en-US"/>
+          </a:p>
+          <a:p>
+            <a:pPr marL="274320" lvl="1" indent="0">
+              <a:buNone/>
+            </a:pPr>
+            <a:endParaRPr lang="en-US"/>
+          </a:p>
+          <a:p>
+            <a:pPr marL="274320" lvl="1" indent="0">
+              <a:buNone/>
+            </a:pPr>
+            <a:endParaRPr lang="en-US"/>
+          </a:p>
+        </p:txBody>
+      </p:sp>
+    </p:spTree>
+    <p:extLst>
+      <p:ext uri="{BB962C8B-B14F-4D97-AF65-F5344CB8AC3E}">
+        <p14:creationId xmlns:p14="http://schemas.microsoft.com/office/powerpoint/2010/main" val="3033504430"/>
+      </p:ext>
+    </p:extLst>
+  </p:cSld>
+  <p:clrMapOvr>
+    <a:masterClrMapping/>
+  </p:clrMapOvr>
+  <p:timing>
+    <p:tnLst>
+      <p:par>
+        <p:cTn xmlns:p14="http://schemas.microsoft.com/office/powerpoint/2010/main" id="1" dur="indefinite" restart="never" nodeType="tmRoot"/>
+      </p:par>
+    </p:tnLst>
+  </p:timing>
+</p:sld>
+</file>
+
 <file path=ppt/slides/slide18.xml><?xml version="1.0" encoding="utf-8"?>
 <p:sld xmlns:a="http://schemas.openxmlformats.org/drawingml/2006/main" xmlns:r="http://schemas.openxmlformats.org/officeDocument/2006/relationships" xmlns:p="http://schemas.openxmlformats.org/presentationml/2006/main">
   <p:cSld>
@@ -4694,7 +5052,7 @@
           <a:p>
             <a:r>
               <a:rPr lang="en-US" dirty="0"/>
-              <a:t>Quiz Shell</a:t>
+              <a:t>Quiz Shell	</a:t>
             </a:r>
           </a:p>
         </p:txBody>
@@ -4711,14 +5069,12 @@
         </p:nvSpPr>
         <p:spPr/>
         <p:txBody>
-          <a:bodyPr>
-            <a:normAutofit lnSpcReduction="10000"/>
-          </a:bodyPr>
-          <a:lstStyle/>
-          <a:p>
-            <a:r>
-              <a:rPr lang="en-US" dirty="0"/>
-              <a:t>Q:</a:t>
+          <a:bodyPr/>
+          <a:lstStyle/>
+          <a:p>
+            <a:r>
+              <a:rPr lang="en-US"/>
+              <a:t>Q: </a:t>
             </a:r>
           </a:p>
           <a:p>
@@ -4726,405 +5082,35 @@
               <a:buNone/>
             </a:pPr>
             <a:r>
-              <a:rPr lang="en-US" dirty="0" err="1"/>
-              <a:t>Obwohl</a:t>
-            </a:r>
-            <a:r>
-              <a:rPr lang="en-US" dirty="0"/>
-              <a:t> Hillary </a:t>
-            </a:r>
-            <a:r>
-              <a:rPr lang="en-US" dirty="0" err="1"/>
-              <a:t>sonst</a:t>
-            </a:r>
-            <a:r>
-              <a:rPr lang="en-US" dirty="0"/>
-              <a:t> </a:t>
-            </a:r>
-            <a:r>
-              <a:rPr lang="en-US" dirty="0" err="1"/>
-              <a:t>nicht</a:t>
-            </a:r>
-            <a:r>
-              <a:rPr lang="en-US" dirty="0"/>
-              <a:t> </a:t>
-            </a:r>
-            <a:r>
-              <a:rPr lang="en-US" dirty="0" err="1"/>
-              <a:t>sehr</a:t>
-            </a:r>
-            <a:r>
-              <a:rPr lang="en-US" dirty="0"/>
-              <a:t> IT-</a:t>
-            </a:r>
-            <a:r>
-              <a:rPr lang="en-US" dirty="0" err="1"/>
-              <a:t>begabt</a:t>
-            </a:r>
-            <a:r>
-              <a:rPr lang="en-US" dirty="0"/>
-              <a:t> </a:t>
-            </a:r>
-            <a:r>
-              <a:rPr lang="en-US" dirty="0" err="1"/>
-              <a:t>ist</a:t>
-            </a:r>
-            <a:r>
-              <a:rPr lang="en-US" dirty="0"/>
-              <a:t>, hat </a:t>
-            </a:r>
-            <a:r>
-              <a:rPr lang="en-US" dirty="0" err="1"/>
-              <a:t>sie</a:t>
-            </a:r>
-            <a:r>
-              <a:rPr lang="en-US" dirty="0"/>
-              <a:t> </a:t>
-            </a:r>
-            <a:r>
-              <a:rPr lang="en-US" dirty="0" err="1"/>
-              <a:t>es</a:t>
-            </a:r>
-            <a:r>
-              <a:rPr lang="en-US" dirty="0"/>
-              <a:t> </a:t>
-            </a:r>
-            <a:r>
-              <a:rPr lang="en-US" dirty="0" err="1"/>
-              <a:t>geschafft</a:t>
-            </a:r>
-            <a:r>
-              <a:rPr lang="en-US" dirty="0"/>
-              <a:t> </a:t>
-            </a:r>
-            <a:r>
-              <a:rPr lang="en-US" dirty="0" err="1"/>
-              <a:t>ihren</a:t>
-            </a:r>
-            <a:r>
-              <a:rPr lang="en-US" dirty="0"/>
-              <a:t> Shell-Parser so </a:t>
-            </a:r>
-            <a:r>
-              <a:rPr lang="en-US" dirty="0" err="1"/>
-              <a:t>zu</a:t>
-            </a:r>
-            <a:r>
-              <a:rPr lang="en-US" dirty="0"/>
-              <a:t> </a:t>
-            </a:r>
-            <a:r>
-              <a:rPr lang="en-US" dirty="0" err="1"/>
-              <a:t>erweitern</a:t>
-            </a:r>
-            <a:r>
-              <a:rPr lang="en-US" dirty="0"/>
-              <a:t>, </a:t>
-            </a:r>
-            <a:r>
-              <a:rPr lang="en-US" dirty="0" err="1"/>
-              <a:t>dass</a:t>
-            </a:r>
-            <a:r>
-              <a:rPr lang="en-US" dirty="0"/>
-              <a:t> die </a:t>
-            </a:r>
-            <a:r>
-              <a:rPr lang="en-US" dirty="0" err="1"/>
-              <a:t>Eingabe</a:t>
-            </a:r>
-            <a:r>
-              <a:rPr lang="en-US" dirty="0"/>
-              <a:t> von “result” </a:t>
-            </a:r>
-            <a:r>
-              <a:rPr lang="en-US" dirty="0" err="1"/>
-              <a:t>zur</a:t>
-            </a:r>
-            <a:r>
-              <a:rPr lang="en-US" dirty="0"/>
-              <a:t> </a:t>
-            </a:r>
-            <a:r>
-              <a:rPr lang="en-US" dirty="0" err="1"/>
-              <a:t>Ausgabe</a:t>
-            </a:r>
-            <a:r>
-              <a:rPr lang="en-US" dirty="0"/>
-              <a:t> des Strings “disappointing” </a:t>
-            </a:r>
-            <a:r>
-              <a:rPr lang="en-US" dirty="0" err="1"/>
-              <a:t>führt</a:t>
-            </a:r>
-            <a:r>
-              <a:rPr lang="en-US" dirty="0"/>
-              <a:t>. Nun </a:t>
-            </a:r>
-            <a:r>
-              <a:rPr lang="en-US" dirty="0" err="1"/>
-              <a:t>möchte</a:t>
-            </a:r>
-            <a:r>
-              <a:rPr lang="en-US" dirty="0"/>
-              <a:t> </a:t>
-            </a:r>
-            <a:r>
-              <a:rPr lang="en-US" dirty="0" err="1"/>
-              <a:t>sie</a:t>
-            </a:r>
-            <a:r>
-              <a:rPr lang="en-US" dirty="0"/>
-              <a:t> die </a:t>
-            </a:r>
-            <a:r>
-              <a:rPr lang="en-US" dirty="0" err="1"/>
-              <a:t>Ausgabe</a:t>
-            </a:r>
-            <a:r>
-              <a:rPr lang="en-US" dirty="0"/>
-              <a:t> </a:t>
-            </a:r>
-            <a:r>
-              <a:rPr lang="en-US" dirty="0" err="1"/>
-              <a:t>als</a:t>
-            </a:r>
-            <a:r>
-              <a:rPr lang="en-US" dirty="0"/>
-              <a:t> </a:t>
-            </a:r>
-            <a:r>
-              <a:rPr lang="en-US" dirty="0" err="1"/>
-              <a:t>automatische</a:t>
-            </a:r>
-            <a:r>
-              <a:rPr lang="en-US" dirty="0"/>
-              <a:t> </a:t>
-            </a:r>
-            <a:r>
-              <a:rPr lang="en-US" dirty="0" err="1"/>
-              <a:t>Willkommensnachricht</a:t>
-            </a:r>
-            <a:r>
-              <a:rPr lang="en-US" dirty="0"/>
-              <a:t> </a:t>
-            </a:r>
-            <a:r>
-              <a:rPr lang="en-US" dirty="0" err="1"/>
-              <a:t>bei</a:t>
-            </a:r>
-            <a:r>
-              <a:rPr lang="en-US" dirty="0"/>
-              <a:t> </a:t>
-            </a:r>
-            <a:r>
-              <a:rPr lang="en-US" dirty="0" err="1"/>
-              <a:t>jedem</a:t>
-            </a:r>
-            <a:r>
-              <a:rPr lang="en-US" dirty="0"/>
-              <a:t> </a:t>
-            </a:r>
-            <a:r>
-              <a:rPr lang="en-US" dirty="0" err="1"/>
-              <a:t>Systemstart</a:t>
-            </a:r>
-            <a:r>
-              <a:rPr lang="en-US" dirty="0"/>
-              <a:t> </a:t>
-            </a:r>
-            <a:r>
-              <a:rPr lang="en-US" dirty="0" err="1"/>
-              <a:t>zu</a:t>
-            </a:r>
-            <a:r>
-              <a:rPr lang="en-US" dirty="0"/>
-              <a:t> </a:t>
-            </a:r>
-            <a:r>
-              <a:rPr lang="en-US" dirty="0" err="1"/>
-              <a:t>sehen</a:t>
-            </a:r>
-            <a:r>
-              <a:rPr lang="en-US" dirty="0"/>
-              <a:t> </a:t>
-            </a:r>
-            <a:r>
-              <a:rPr lang="en-US" dirty="0" err="1"/>
-              <a:t>bekommen</a:t>
-            </a:r>
-            <a:r>
-              <a:rPr lang="en-US" dirty="0"/>
-              <a:t>.</a:t>
-            </a:r>
-          </a:p>
-          <a:p>
-            <a:pPr marL="274320" lvl="1" indent="0">
+              <a:rPr lang="en-US"/>
+              <a:t>Was ist der Unterschied zwischen den Funktionen UTIL1_strcmp() und UTIL1_strncmp() ?</a:t>
+            </a:r>
+          </a:p>
+          <a:p>
+            <a:pPr marL="0" indent="0">
               <a:buNone/>
             </a:pPr>
-            <a:r>
-              <a:rPr lang="en-US" dirty="0" err="1"/>
-              <a:t>Welche</a:t>
-            </a:r>
-            <a:r>
-              <a:rPr lang="en-US" dirty="0"/>
-              <a:t> der </a:t>
-            </a:r>
-            <a:r>
-              <a:rPr lang="en-US" dirty="0" err="1"/>
-              <a:t>beiden</a:t>
-            </a:r>
-            <a:r>
-              <a:rPr lang="en-US" dirty="0"/>
-              <a:t> </a:t>
-            </a:r>
-            <a:r>
-              <a:rPr lang="en-US" dirty="0" err="1"/>
-              <a:t>folgenden</a:t>
-            </a:r>
-            <a:r>
-              <a:rPr lang="en-US" dirty="0"/>
-              <a:t> </a:t>
-            </a:r>
-            <a:r>
-              <a:rPr lang="en-US" dirty="0" err="1"/>
-              <a:t>Funktionen</a:t>
-            </a:r>
-            <a:r>
-              <a:rPr lang="en-US" dirty="0"/>
-              <a:t> </a:t>
-            </a:r>
-            <a:r>
-              <a:rPr lang="en-US" dirty="0" err="1"/>
-              <a:t>setzt</a:t>
-            </a:r>
-            <a:r>
-              <a:rPr lang="en-US" dirty="0"/>
-              <a:t> </a:t>
-            </a:r>
-            <a:r>
-              <a:rPr lang="en-US" dirty="0" err="1"/>
-              <a:t>sie</a:t>
-            </a:r>
-            <a:r>
-              <a:rPr lang="en-US" dirty="0"/>
-              <a:t> </a:t>
-            </a:r>
-            <a:r>
-              <a:rPr lang="en-US" dirty="0" err="1"/>
-              <a:t>dafür</a:t>
-            </a:r>
-            <a:r>
-              <a:rPr lang="en-US" dirty="0"/>
-              <a:t> </a:t>
-            </a:r>
-            <a:r>
-              <a:rPr lang="en-US" dirty="0" err="1"/>
-              <a:t>im</a:t>
-            </a:r>
-            <a:r>
-              <a:rPr lang="en-US" dirty="0"/>
-              <a:t> </a:t>
-            </a:r>
-            <a:r>
-              <a:rPr lang="en-US" dirty="0" err="1"/>
-              <a:t>ShellTask</a:t>
-            </a:r>
-            <a:r>
-              <a:rPr lang="en-US" dirty="0"/>
-              <a:t> </a:t>
-            </a:r>
-            <a:r>
-              <a:rPr lang="en-US" dirty="0" err="1"/>
-              <a:t>ein</a:t>
-            </a:r>
-            <a:r>
-              <a:rPr lang="en-US" dirty="0"/>
-              <a:t> und </a:t>
-            </a:r>
-            <a:r>
-              <a:rPr lang="en-US" dirty="0" err="1"/>
-              <a:t>warum</a:t>
-            </a:r>
-            <a:r>
-              <a:rPr lang="en-US" dirty="0"/>
-              <a:t>?</a:t>
-            </a:r>
-          </a:p>
-          <a:p>
-            <a:pPr marL="274320" lvl="1" indent="0">
-              <a:buNone/>
-            </a:pPr>
-            <a:endParaRPr lang="en-US" dirty="0"/>
-          </a:p>
-          <a:p>
-            <a:pPr marL="274320" lvl="1" indent="0">
-              <a:buNone/>
-            </a:pPr>
-            <a:r>
-              <a:rPr lang="en-US" dirty="0"/>
-              <a:t>CLS1_ParseWithCommandTable()</a:t>
-            </a:r>
-          </a:p>
-          <a:p>
-            <a:pPr marL="274320" lvl="1" indent="0">
-              <a:buNone/>
-            </a:pPr>
-            <a:endParaRPr lang="en-US" dirty="0"/>
-          </a:p>
-          <a:p>
-            <a:pPr marL="274320" lvl="1" indent="0">
-              <a:buNone/>
-            </a:pPr>
-            <a:r>
-              <a:rPr lang="en-US" dirty="0"/>
-              <a:t>	</a:t>
-            </a:r>
-            <a:r>
-              <a:rPr lang="en-US" dirty="0" err="1"/>
-              <a:t>oder</a:t>
-            </a:r>
-            <a:endParaRPr lang="en-US" dirty="0"/>
-          </a:p>
-          <a:p>
-            <a:pPr marL="274320" lvl="1" indent="0">
-              <a:buNone/>
-            </a:pPr>
-            <a:endParaRPr lang="en-US" dirty="0"/>
-          </a:p>
-          <a:p>
-            <a:pPr marL="274320" lvl="1" indent="0">
-              <a:buNone/>
-            </a:pPr>
-            <a:r>
-              <a:rPr lang="en-US" dirty="0"/>
-              <a:t>CLS1_ReadAndParseWithCommandTable()</a:t>
-            </a:r>
-          </a:p>
-          <a:p>
-            <a:pPr marL="274320" lvl="1" indent="0">
-              <a:buNone/>
-            </a:pPr>
-            <a:endParaRPr lang="en-US" dirty="0"/>
-          </a:p>
-          <a:p>
-            <a:pPr marL="274320" lvl="1" indent="0">
-              <a:buNone/>
-            </a:pPr>
-            <a:endParaRPr lang="en-US" dirty="0"/>
+            <a:endParaRPr lang="en-US"/>
           </a:p>
         </p:txBody>
       </p:sp>
     </p:spTree>
     <p:extLst>
       <p:ext uri="{BB962C8B-B14F-4D97-AF65-F5344CB8AC3E}">
-        <p14:creationId xmlns:p14="http://schemas.microsoft.com/office/powerpoint/2010/main" val="1890198303"/>
+        <p14:creationId xmlns:p14="http://schemas.microsoft.com/office/powerpoint/2010/main" val="3805281602"/>
       </p:ext>
     </p:extLst>
   </p:cSld>
   <p:clrMapOvr>
     <a:masterClrMapping/>
   </p:clrMapOvr>
+  <p:timing>
+    <p:tnLst>
+      <p:par>
+        <p:cTn xmlns:p14="http://schemas.microsoft.com/office/powerpoint/2010/main" id="1" dur="indefinite" restart="never" nodeType="tmRoot"/>
+      </p:par>
+    </p:tnLst>
+  </p:timing>
 </p:sld>
 </file>
 
@@ -5162,7 +5148,7 @@
           <a:p>
             <a:r>
               <a:rPr lang="en-US" dirty="0"/>
-              <a:t>Quiz Shell</a:t>
+              <a:t>Quiz Shell	</a:t>
             </a:r>
           </a:p>
         </p:txBody>
@@ -5184,7 +5170,7 @@
           <a:p>
             <a:r>
               <a:rPr lang="en-US"/>
-              <a:t>A:</a:t>
+              <a:t>Q: </a:t>
             </a:r>
           </a:p>
           <a:p>
@@ -5193,54 +5179,54 @@
             </a:pPr>
             <a:r>
               <a:rPr lang="en-US"/>
-              <a:t>CLS1_ParseWithCommandTable()</a:t>
+              <a:t>Was ist der Unterschied zwischen den Funktionen UTIL1_strcmp() und UTIL1_strncmp() ?</a:t>
+            </a:r>
+          </a:p>
+          <a:p>
+            <a:endParaRPr lang="en-US"/>
+          </a:p>
+          <a:p>
+            <a:r>
+              <a:rPr lang="en-US"/>
+              <a:t>A: </a:t>
             </a:r>
           </a:p>
           <a:p>
             <a:pPr marL="274320" lvl="1" indent="0">
               <a:buNone/>
             </a:pPr>
-            <a:endParaRPr lang="en-US"/>
-          </a:p>
-          <a:p>
-            <a:pPr marL="274320" lvl="1" indent="0">
-              <a:buNone/>
-            </a:pPr>
-            <a:r>
-              <a:rPr lang="en-US"/>
-              <a:t>Kein Auslesen der Konsolen-Eingabe, kein Buffer notwendig, nicht im for-loop des ShellTasks.</a:t>
-            </a:r>
-          </a:p>
-          <a:p>
-            <a:pPr marL="274320" lvl="1" indent="0">
-              <a:buNone/>
-            </a:pPr>
-            <a:endParaRPr lang="en-US"/>
-          </a:p>
-          <a:p>
-            <a:pPr marL="274320" lvl="1" indent="0">
-              <a:buNone/>
-            </a:pPr>
-            <a:endParaRPr lang="en-US"/>
-          </a:p>
-          <a:p>
-            <a:pPr marL="274320" lvl="1" indent="0">
-              <a:buNone/>
-            </a:pPr>
-            <a:endParaRPr lang="en-US"/>
+            <a:r>
+              <a:rPr lang="en-US"/>
+              <a:t>UTIL1_str</a:t>
+            </a:r>
+            <a:r>
+              <a:rPr lang="en-US" b="1"/>
+              <a:t>n</a:t>
+            </a:r>
+            <a:r>
+              <a:rPr lang="en-US"/>
+              <a:t>cmp() hat zusätzlich zu den zwei Strings ein size Parameter, der angibt bis zu welcher Position verglichen werden soll.</a:t>
+            </a:r>
           </a:p>
         </p:txBody>
       </p:sp>
     </p:spTree>
     <p:extLst>
       <p:ext uri="{BB962C8B-B14F-4D97-AF65-F5344CB8AC3E}">
-        <p14:creationId xmlns:p14="http://schemas.microsoft.com/office/powerpoint/2010/main" val="3033504430"/>
+        <p14:creationId xmlns:p14="http://schemas.microsoft.com/office/powerpoint/2010/main" val="429199765"/>
       </p:ext>
     </p:extLst>
   </p:cSld>
   <p:clrMapOvr>
     <a:masterClrMapping/>
   </p:clrMapOvr>
+  <p:timing>
+    <p:tnLst>
+      <p:par>
+        <p:cTn xmlns:p14="http://schemas.microsoft.com/office/powerpoint/2010/main" id="1" dur="indefinite" restart="never" nodeType="tmRoot"/>
+      </p:par>
+    </p:tnLst>
+  </p:timing>
 </p:sld>
 </file>
 
@@ -5338,204 +5324,6 @@
     <p:extLst>
       <p:ext uri="{BB962C8B-B14F-4D97-AF65-F5344CB8AC3E}">
         <p14:creationId xmlns:p14="http://schemas.microsoft.com/office/powerpoint/2010/main" val="190575833"/>
-      </p:ext>
-    </p:extLst>
-  </p:cSld>
-  <p:clrMapOvr>
-    <a:masterClrMapping/>
-  </p:clrMapOvr>
-</p:sld>
-</file>
-
-<file path=ppt/slides/slide20.xml><?xml version="1.0" encoding="utf-8"?>
-<p:sld xmlns:a="http://schemas.openxmlformats.org/drawingml/2006/main" xmlns:r="http://schemas.openxmlformats.org/officeDocument/2006/relationships" xmlns:p="http://schemas.openxmlformats.org/presentationml/2006/main">
-  <p:cSld>
-    <p:spTree>
-      <p:nvGrpSpPr>
-        <p:cNvPr id="1" name=""/>
-        <p:cNvGrpSpPr/>
-        <p:nvPr/>
-      </p:nvGrpSpPr>
-      <p:grpSpPr>
-        <a:xfrm>
-          <a:off x="0" y="0"/>
-          <a:ext cx="0" cy="0"/>
-          <a:chOff x="0" y="0"/>
-          <a:chExt cx="0" cy="0"/>
-        </a:xfrm>
-      </p:grpSpPr>
-      <p:sp>
-        <p:nvSpPr>
-          <p:cNvPr id="2" name="Titel 1"/>
-          <p:cNvSpPr>
-            <a:spLocks noGrp="1"/>
-          </p:cNvSpPr>
-          <p:nvPr>
-            <p:ph type="title"/>
-          </p:nvPr>
-        </p:nvSpPr>
-        <p:spPr/>
-        <p:txBody>
-          <a:bodyPr/>
-          <a:lstStyle/>
-          <a:p>
-            <a:r>
-              <a:rPr lang="en-US" dirty="0"/>
-              <a:t>Quiz Shell	</a:t>
-            </a:r>
-          </a:p>
-        </p:txBody>
-      </p:sp>
-      <p:sp>
-        <p:nvSpPr>
-          <p:cNvPr id="3" name="Inhaltsplatzhalter 2"/>
-          <p:cNvSpPr>
-            <a:spLocks noGrp="1"/>
-          </p:cNvSpPr>
-          <p:nvPr>
-            <p:ph idx="1"/>
-          </p:nvPr>
-        </p:nvSpPr>
-        <p:spPr/>
-        <p:txBody>
-          <a:bodyPr/>
-          <a:lstStyle/>
-          <a:p>
-            <a:r>
-              <a:rPr lang="en-US"/>
-              <a:t>Q: </a:t>
-            </a:r>
-          </a:p>
-          <a:p>
-            <a:pPr marL="274320" lvl="1" indent="0">
-              <a:buNone/>
-            </a:pPr>
-            <a:r>
-              <a:rPr lang="en-US"/>
-              <a:t>Was ist der Unterschied zwischen den Funktionen UTIL1_strcmp() und UTIL1_strncmp() ?</a:t>
-            </a:r>
-          </a:p>
-          <a:p>
-            <a:pPr marL="0" indent="0">
-              <a:buNone/>
-            </a:pPr>
-            <a:endParaRPr lang="en-US"/>
-          </a:p>
-        </p:txBody>
-      </p:sp>
-    </p:spTree>
-    <p:extLst>
-      <p:ext uri="{BB962C8B-B14F-4D97-AF65-F5344CB8AC3E}">
-        <p14:creationId xmlns:p14="http://schemas.microsoft.com/office/powerpoint/2010/main" val="3805281602"/>
-      </p:ext>
-    </p:extLst>
-  </p:cSld>
-  <p:clrMapOvr>
-    <a:masterClrMapping/>
-  </p:clrMapOvr>
-</p:sld>
-</file>
-
-<file path=ppt/slides/slide21.xml><?xml version="1.0" encoding="utf-8"?>
-<p:sld xmlns:a="http://schemas.openxmlformats.org/drawingml/2006/main" xmlns:r="http://schemas.openxmlformats.org/officeDocument/2006/relationships" xmlns:p="http://schemas.openxmlformats.org/presentationml/2006/main">
-  <p:cSld>
-    <p:spTree>
-      <p:nvGrpSpPr>
-        <p:cNvPr id="1" name=""/>
-        <p:cNvGrpSpPr/>
-        <p:nvPr/>
-      </p:nvGrpSpPr>
-      <p:grpSpPr>
-        <a:xfrm>
-          <a:off x="0" y="0"/>
-          <a:ext cx="0" cy="0"/>
-          <a:chOff x="0" y="0"/>
-          <a:chExt cx="0" cy="0"/>
-        </a:xfrm>
-      </p:grpSpPr>
-      <p:sp>
-        <p:nvSpPr>
-          <p:cNvPr id="2" name="Titel 1"/>
-          <p:cNvSpPr>
-            <a:spLocks noGrp="1"/>
-          </p:cNvSpPr>
-          <p:nvPr>
-            <p:ph type="title"/>
-          </p:nvPr>
-        </p:nvSpPr>
-        <p:spPr/>
-        <p:txBody>
-          <a:bodyPr/>
-          <a:lstStyle/>
-          <a:p>
-            <a:r>
-              <a:rPr lang="en-US" dirty="0"/>
-              <a:t>Quiz Shell	</a:t>
-            </a:r>
-          </a:p>
-        </p:txBody>
-      </p:sp>
-      <p:sp>
-        <p:nvSpPr>
-          <p:cNvPr id="3" name="Inhaltsplatzhalter 2"/>
-          <p:cNvSpPr>
-            <a:spLocks noGrp="1"/>
-          </p:cNvSpPr>
-          <p:nvPr>
-            <p:ph idx="1"/>
-          </p:nvPr>
-        </p:nvSpPr>
-        <p:spPr/>
-        <p:txBody>
-          <a:bodyPr/>
-          <a:lstStyle/>
-          <a:p>
-            <a:r>
-              <a:rPr lang="en-US"/>
-              <a:t>Q: </a:t>
-            </a:r>
-          </a:p>
-          <a:p>
-            <a:pPr marL="274320" lvl="1" indent="0">
-              <a:buNone/>
-            </a:pPr>
-            <a:r>
-              <a:rPr lang="en-US"/>
-              <a:t>Was ist der Unterschied zwischen den Funktionen UTIL1_strcmp() und UTIL1_strncmp() ?</a:t>
-            </a:r>
-          </a:p>
-          <a:p>
-            <a:endParaRPr lang="en-US"/>
-          </a:p>
-          <a:p>
-            <a:r>
-              <a:rPr lang="en-US"/>
-              <a:t>A: </a:t>
-            </a:r>
-          </a:p>
-          <a:p>
-            <a:pPr marL="274320" lvl="1" indent="0">
-              <a:buNone/>
-            </a:pPr>
-            <a:r>
-              <a:rPr lang="en-US"/>
-              <a:t>UTIL1_str</a:t>
-            </a:r>
-            <a:r>
-              <a:rPr lang="en-US" b="1"/>
-              <a:t>n</a:t>
-            </a:r>
-            <a:r>
-              <a:rPr lang="en-US"/>
-              <a:t>cmp() hat zusätzlich zu den zwei Strings ein size Parameter, der angibt bis zu welcher Position verglichen werden soll.</a:t>
-            </a:r>
-          </a:p>
-        </p:txBody>
-      </p:sp>
-    </p:spTree>
-    <p:extLst>
-      <p:ext uri="{BB962C8B-B14F-4D97-AF65-F5344CB8AC3E}">
-        <p14:creationId xmlns:p14="http://schemas.microsoft.com/office/powerpoint/2010/main" val="429199765"/>
       </p:ext>
     </p:extLst>
   </p:cSld>
